--- a/Documentação/Slides/Modelagem do Sistema - TBit Manager.pptx
+++ b/Documentação/Slides/Modelagem do Sistema - TBit Manager.pptx
@@ -5,51 +5,52 @@
     <p:sldMasterId id="2147483648" r:id="rId4"/>
   </p:sldMasterIdLst>
   <p:notesMasterIdLst>
-    <p:notesMasterId r:id="rId18"/>
+    <p:notesMasterId r:id="rId19"/>
   </p:notesMasterIdLst>
   <p:sldIdLst>
     <p:sldId id="256" r:id="rId5"/>
     <p:sldId id="561" r:id="rId6"/>
-    <p:sldId id="565" r:id="rId7"/>
-    <p:sldId id="566" r:id="rId8"/>
-    <p:sldId id="567" r:id="rId9"/>
-    <p:sldId id="568" r:id="rId10"/>
-    <p:sldId id="579" r:id="rId11"/>
-    <p:sldId id="580" r:id="rId12"/>
-    <p:sldId id="575" r:id="rId13"/>
-    <p:sldId id="576" r:id="rId14"/>
-    <p:sldId id="577" r:id="rId15"/>
-    <p:sldId id="578" r:id="rId16"/>
-    <p:sldId id="548" r:id="rId17"/>
+    <p:sldId id="581" r:id="rId7"/>
+    <p:sldId id="565" r:id="rId8"/>
+    <p:sldId id="566" r:id="rId9"/>
+    <p:sldId id="567" r:id="rId10"/>
+    <p:sldId id="568" r:id="rId11"/>
+    <p:sldId id="579" r:id="rId12"/>
+    <p:sldId id="580" r:id="rId13"/>
+    <p:sldId id="575" r:id="rId14"/>
+    <p:sldId id="576" r:id="rId15"/>
+    <p:sldId id="577" r:id="rId16"/>
+    <p:sldId id="578" r:id="rId17"/>
+    <p:sldId id="548" r:id="rId18"/>
   </p:sldIdLst>
   <p:sldSz cx="12192000" cy="6858000"/>
   <p:notesSz cx="6858000" cy="9144000"/>
   <p:embeddedFontLst>
     <p:embeddedFont>
       <p:font typeface="Aharoni" panose="02010803020104030203" pitchFamily="2" charset="-79"/>
-      <p:bold r:id="rId19"/>
+      <p:bold r:id="rId20"/>
     </p:embeddedFont>
     <p:embeddedFont>
       <p:font typeface="Aptos Narrow" panose="020B0004020202020204" pitchFamily="34" charset="0"/>
-      <p:regular r:id="rId20"/>
-      <p:bold r:id="rId21"/>
-      <p:italic r:id="rId22"/>
-      <p:boldItalic r:id="rId23"/>
+      <p:regular r:id="rId21"/>
+      <p:bold r:id="rId22"/>
+      <p:italic r:id="rId23"/>
+      <p:boldItalic r:id="rId24"/>
     </p:embeddedFont>
     <p:embeddedFont>
       <p:font typeface="Arial Black" panose="020B0A04020102020204" pitchFamily="34" charset="0"/>
-      <p:bold r:id="rId24"/>
+      <p:bold r:id="rId25"/>
     </p:embeddedFont>
     <p:embeddedFont>
       <p:font typeface="Branding Black" panose="00000A00000000000000" charset="0"/>
-      <p:bold r:id="rId25"/>
+      <p:bold r:id="rId26"/>
     </p:embeddedFont>
     <p:embeddedFont>
       <p:font typeface="Verdana" panose="020B0604030504040204" pitchFamily="34" charset="0"/>
-      <p:regular r:id="rId26"/>
-      <p:bold r:id="rId27"/>
-      <p:italic r:id="rId28"/>
-      <p:boldItalic r:id="rId29"/>
+      <p:regular r:id="rId27"/>
+      <p:bold r:id="rId28"/>
+      <p:italic r:id="rId29"/>
+      <p:boldItalic r:id="rId30"/>
     </p:embeddedFont>
   </p:embeddedFontLst>
   <p:defaultTextStyle>
@@ -7087,6 +7088,252 @@
         </p:nvSpPr>
         <p:spPr>
           <a:xfrm>
+            <a:off x="846312" y="187683"/>
+            <a:ext cx="4688329" cy="6063198"/>
+          </a:xfrm>
+          <a:prstGeom prst="rect">
+            <a:avLst/>
+          </a:prstGeom>
+          <a:noFill/>
+        </p:spPr>
+        <p:txBody>
+          <a:bodyPr wrap="square" rtlCol="0">
+            <a:spAutoFit/>
+          </a:bodyPr>
+          <a:lstStyle/>
+          <a:p>
+            <a:pPr algn="ctr"/>
+            <a:r>
+              <a:rPr lang="pt-BR" sz="5000" b="1" dirty="0">
+                <a:latin typeface="Verdana" panose="020B0604030504040204" pitchFamily="34" charset="0"/>
+                <a:ea typeface="Verdana" panose="020B0604030504040204" pitchFamily="34" charset="0"/>
+              </a:rPr>
+              <a:t>DIAGRAMA DE CLASSES</a:t>
+            </a:r>
+          </a:p>
+          <a:p>
+            <a:pPr algn="ctr"/>
+            <a:endParaRPr lang="pt-BR" sz="5000" b="1" dirty="0">
+              <a:latin typeface="Verdana" panose="020B0604030504040204" pitchFamily="34" charset="0"/>
+              <a:ea typeface="Verdana" panose="020B0604030504040204" pitchFamily="34" charset="0"/>
+            </a:endParaRPr>
+          </a:p>
+          <a:p>
+            <a:pPr algn="ctr"/>
+            <a:r>
+              <a:rPr lang="pt-BR" sz="3400" b="0" i="0" u="none" strike="noStrike" dirty="0">
+                <a:solidFill>
+                  <a:srgbClr val="000000"/>
+                </a:solidFill>
+                <a:effectLst/>
+                <a:latin typeface="Verdana" panose="020B0604030504040204" pitchFamily="34" charset="0"/>
+                <a:ea typeface="Verdana" panose="020B0604030504040204" pitchFamily="34" charset="0"/>
+              </a:rPr>
+              <a:t>O diagrama modela um sistema de gestão com autenticação e dois níveis de acesso: </a:t>
+            </a:r>
+            <a:r>
+              <a:rPr lang="pt-BR" sz="3400" b="1" i="0" u="none" strike="noStrike" dirty="0">
+                <a:solidFill>
+                  <a:srgbClr val="000000"/>
+                </a:solidFill>
+                <a:effectLst/>
+                <a:latin typeface="Verdana" panose="020B0604030504040204" pitchFamily="34" charset="0"/>
+                <a:ea typeface="Verdana" panose="020B0604030504040204" pitchFamily="34" charset="0"/>
+              </a:rPr>
+              <a:t>usuário comum</a:t>
+            </a:r>
+            <a:r>
+              <a:rPr lang="pt-BR" sz="3400" b="0" i="0" u="none" strike="noStrike" dirty="0">
+                <a:solidFill>
+                  <a:srgbClr val="000000"/>
+                </a:solidFill>
+                <a:effectLst/>
+                <a:latin typeface="Verdana" panose="020B0604030504040204" pitchFamily="34" charset="0"/>
+                <a:ea typeface="Verdana" panose="020B0604030504040204" pitchFamily="34" charset="0"/>
+              </a:rPr>
+              <a:t> e </a:t>
+            </a:r>
+            <a:r>
+              <a:rPr lang="pt-BR" sz="3400" b="1" i="0" u="none" strike="noStrike" dirty="0">
+                <a:solidFill>
+                  <a:srgbClr val="000000"/>
+                </a:solidFill>
+                <a:effectLst/>
+                <a:latin typeface="Verdana" panose="020B0604030504040204" pitchFamily="34" charset="0"/>
+                <a:ea typeface="Verdana" panose="020B0604030504040204" pitchFamily="34" charset="0"/>
+              </a:rPr>
+              <a:t>administrador</a:t>
+            </a:r>
+            <a:r>
+              <a:rPr lang="pt-BR" sz="3400" b="0" i="0" u="none" strike="noStrike" dirty="0">
+                <a:solidFill>
+                  <a:srgbClr val="000000"/>
+                </a:solidFill>
+                <a:effectLst/>
+                <a:latin typeface="Verdana" panose="020B0604030504040204" pitchFamily="34" charset="0"/>
+                <a:ea typeface="Verdana" panose="020B0604030504040204" pitchFamily="34" charset="0"/>
+              </a:rPr>
+              <a:t>.</a:t>
+            </a:r>
+            <a:endParaRPr lang="pt-BR" sz="3400" b="1" dirty="0">
+              <a:latin typeface="Verdana" panose="020B0604030504040204" pitchFamily="34" charset="0"/>
+              <a:ea typeface="Verdana" panose="020B0604030504040204" pitchFamily="34" charset="0"/>
+            </a:endParaRPr>
+          </a:p>
+        </p:txBody>
+      </p:sp>
+      <p:pic>
+        <p:nvPicPr>
+          <p:cNvPr id="8" name="Imagem 7" descr="Diagrama&#10;&#10;O conteúdo gerado por IA pode estar incorreto.">
+            <a:extLst>
+              <a:ext uri="{FF2B5EF4-FFF2-40B4-BE49-F238E27FC236}">
+                <a16:creationId xmlns:a16="http://schemas.microsoft.com/office/drawing/2014/main" id="{F9A36640-1AD6-039E-6369-A28FA4F2EFF1}"/>
+              </a:ext>
+            </a:extLst>
+          </p:cNvPr>
+          <p:cNvPicPr>
+            <a:picLocks noChangeAspect="1"/>
+          </p:cNvPicPr>
+          <p:nvPr/>
+        </p:nvPicPr>
+        <p:blipFill>
+          <a:blip r:embed="rId6">
+            <a:extLst>
+              <a:ext uri="{28A0092B-C50C-407E-A947-70E740481C1C}">
+                <a14:useLocalDpi xmlns:a14="http://schemas.microsoft.com/office/drawing/2010/main" val="0"/>
+              </a:ext>
+            </a:extLst>
+          </a:blip>
+          <a:stretch>
+            <a:fillRect/>
+          </a:stretch>
+        </p:blipFill>
+        <p:spPr>
+          <a:xfrm>
+            <a:off x="6133230" y="202099"/>
+            <a:ext cx="4939995" cy="6465432"/>
+          </a:xfrm>
+          <a:prstGeom prst="rect">
+            <a:avLst/>
+          </a:prstGeom>
+        </p:spPr>
+      </p:pic>
+    </p:spTree>
+    <p:extLst>
+      <p:ext uri="{BB962C8B-B14F-4D97-AF65-F5344CB8AC3E}">
+        <p14:creationId xmlns:p14="http://schemas.microsoft.com/office/powerpoint/2010/main" val="3193949203"/>
+      </p:ext>
+    </p:extLst>
+  </p:cSld>
+  <p:clrMapOvr>
+    <a:masterClrMapping/>
+  </p:clrMapOvr>
+</p:sld>
+</file>
+
+<file path=ppt/slides/slide11.xml><?xml version="1.0" encoding="utf-8"?>
+<p:sld xmlns:a="http://schemas.openxmlformats.org/drawingml/2006/main" xmlns:r="http://schemas.openxmlformats.org/officeDocument/2006/relationships" xmlns:p="http://schemas.openxmlformats.org/presentationml/2006/main">
+  <p:cSld>
+    <p:spTree>
+      <p:nvGrpSpPr>
+        <p:cNvPr id="1" name=""/>
+        <p:cNvGrpSpPr/>
+        <p:nvPr/>
+      </p:nvGrpSpPr>
+      <p:grpSpPr>
+        <a:xfrm>
+          <a:off x="0" y="0"/>
+          <a:ext cx="0" cy="0"/>
+          <a:chOff x="0" y="0"/>
+          <a:chExt cx="0" cy="0"/>
+        </a:xfrm>
+      </p:grpSpPr>
+      <p:pic>
+        <p:nvPicPr>
+          <p:cNvPr id="3" name="Gráfico 2">
+            <a:extLst>
+              <a:ext uri="{FF2B5EF4-FFF2-40B4-BE49-F238E27FC236}">
+                <a16:creationId xmlns:a16="http://schemas.microsoft.com/office/drawing/2014/main" id="{12EA250C-B730-2CEB-9B63-8093001D4F43}"/>
+              </a:ext>
+            </a:extLst>
+          </p:cNvPr>
+          <p:cNvPicPr>
+            <a:picLocks noGrp="1" noRot="1" noChangeAspect="1" noMove="1" noResize="1" noEditPoints="1" noAdjustHandles="1" noChangeArrowheads="1" noChangeShapeType="1" noCrop="1"/>
+          </p:cNvPicPr>
+          <p:nvPr/>
+        </p:nvPicPr>
+        <p:blipFill>
+          <a:blip r:embed="rId2">
+            <a:extLst>
+              <a:ext uri="{96DAC541-7B7A-43D3-8B79-37D633B846F1}">
+                <asvg:svgBlip xmlns:asvg="http://schemas.microsoft.com/office/drawing/2016/SVG/main" r:embed="rId3"/>
+              </a:ext>
+            </a:extLst>
+          </a:blip>
+          <a:stretch>
+            <a:fillRect/>
+          </a:stretch>
+        </p:blipFill>
+        <p:spPr>
+          <a:xfrm>
+            <a:off x="11304109" y="345653"/>
+            <a:ext cx="590670" cy="414236"/>
+          </a:xfrm>
+          <a:prstGeom prst="rect">
+            <a:avLst/>
+          </a:prstGeom>
+        </p:spPr>
+      </p:pic>
+      <p:pic>
+        <p:nvPicPr>
+          <p:cNvPr id="4" name="Gráfico 3">
+            <a:extLst>
+              <a:ext uri="{FF2B5EF4-FFF2-40B4-BE49-F238E27FC236}">
+                <a16:creationId xmlns:a16="http://schemas.microsoft.com/office/drawing/2014/main" id="{13C881EA-D14C-496A-470D-88F74C42C6B0}"/>
+              </a:ext>
+            </a:extLst>
+          </p:cNvPr>
+          <p:cNvPicPr>
+            <a:picLocks noGrp="1" noRot="1" noChangeAspect="1" noMove="1" noResize="1" noEditPoints="1" noAdjustHandles="1" noChangeArrowheads="1" noChangeShapeType="1" noCrop="1"/>
+          </p:cNvPicPr>
+          <p:nvPr/>
+        </p:nvPicPr>
+        <p:blipFill>
+          <a:blip r:embed="rId4">
+            <a:extLst>
+              <a:ext uri="{96DAC541-7B7A-43D3-8B79-37D633B846F1}">
+                <asvg:svgBlip xmlns:asvg="http://schemas.microsoft.com/office/drawing/2016/SVG/main" r:embed="rId5"/>
+              </a:ext>
+            </a:extLst>
+          </a:blip>
+          <a:stretch>
+            <a:fillRect/>
+          </a:stretch>
+        </p:blipFill>
+        <p:spPr>
+          <a:xfrm>
+            <a:off x="1163" y="187683"/>
+            <a:ext cx="614265" cy="4244718"/>
+          </a:xfrm>
+          <a:prstGeom prst="rect">
+            <a:avLst/>
+          </a:prstGeom>
+        </p:spPr>
+      </p:pic>
+      <p:sp>
+        <p:nvSpPr>
+          <p:cNvPr id="2" name="CaixaDeTexto 1">
+            <a:extLst>
+              <a:ext uri="{FF2B5EF4-FFF2-40B4-BE49-F238E27FC236}">
+                <a16:creationId xmlns:a16="http://schemas.microsoft.com/office/drawing/2014/main" id="{ABE6C731-78CF-43DC-65CF-DE97769BB70B}"/>
+              </a:ext>
+            </a:extLst>
+          </p:cNvPr>
+          <p:cNvSpPr txBox="1"/>
+          <p:nvPr/>
+        </p:nvSpPr>
+        <p:spPr>
+          <a:xfrm>
             <a:off x="6615780" y="2310042"/>
             <a:ext cx="4688329" cy="3416320"/>
           </a:xfrm>
@@ -7289,7 +7536,7 @@
 </p:sld>
 </file>
 
-<file path=ppt/slides/slide11.xml><?xml version="1.0" encoding="utf-8"?>
+<file path=ppt/slides/slide12.xml><?xml version="1.0" encoding="utf-8"?>
 <p:sld xmlns:a="http://schemas.openxmlformats.org/drawingml/2006/main" xmlns:r="http://schemas.openxmlformats.org/officeDocument/2006/relationships" xmlns:p="http://schemas.openxmlformats.org/presentationml/2006/main">
   <p:cSld>
     <p:spTree>
@@ -7945,7 +8192,7 @@
 </p:sld>
 </file>
 
-<file path=ppt/slides/slide12.xml><?xml version="1.0" encoding="utf-8"?>
+<file path=ppt/slides/slide13.xml><?xml version="1.0" encoding="utf-8"?>
 <p:sld xmlns:a="http://schemas.openxmlformats.org/drawingml/2006/main" xmlns:r="http://schemas.openxmlformats.org/officeDocument/2006/relationships" xmlns:p="http://schemas.openxmlformats.org/presentationml/2006/main">
   <p:cSld>
     <p:spTree>
@@ -8470,7 +8717,7 @@
 </p:sld>
 </file>
 
-<file path=ppt/slides/slide13.xml><?xml version="1.0" encoding="utf-8"?>
+<file path=ppt/slides/slide14.xml><?xml version="1.0" encoding="utf-8"?>
 <p:sld xmlns:a="http://schemas.openxmlformats.org/drawingml/2006/main" xmlns:r="http://schemas.openxmlformats.org/officeDocument/2006/relationships" xmlns:p="http://schemas.openxmlformats.org/presentationml/2006/main">
   <p:cSld>
     <p:spTree>
@@ -9876,7 +10123,7 @@
         </p:nvSpPr>
         <p:spPr>
           <a:xfrm>
-            <a:off x="1699259" y="345653"/>
+            <a:off x="1695318" y="173095"/>
             <a:ext cx="8793481" cy="707886"/>
           </a:xfrm>
           <a:prstGeom prst="rect">
@@ -9896,1178 +10143,51 @@
                 <a:latin typeface="Verdana" panose="020B0604030504040204" pitchFamily="34" charset="0"/>
                 <a:ea typeface="Verdana" panose="020B0604030504040204" pitchFamily="34" charset="0"/>
               </a:rPr>
-              <a:t>REQUISITOS FUNCIONAIS</a:t>
+              <a:t>MODELAGEM DO NEGÓCIO</a:t>
             </a:r>
           </a:p>
         </p:txBody>
       </p:sp>
-      <p:graphicFrame>
-        <p:nvGraphicFramePr>
-          <p:cNvPr id="5" name="Tabela 4">
+      <p:pic>
+        <p:nvPicPr>
+          <p:cNvPr id="10" name="Imagem 9" descr="Tabela&#10;&#10;O conteúdo gerado por IA pode estar incorreto.">
             <a:extLst>
               <a:ext uri="{FF2B5EF4-FFF2-40B4-BE49-F238E27FC236}">
-                <a16:creationId xmlns:a16="http://schemas.microsoft.com/office/drawing/2014/main" id="{F08A4F17-63A4-F53D-F68A-2024C8B02E97}"/>
+                <a16:creationId xmlns:a16="http://schemas.microsoft.com/office/drawing/2014/main" id="{34528CCA-6256-F1BE-6DCE-BAC656020656}"/>
               </a:ext>
             </a:extLst>
           </p:cNvPr>
-          <p:cNvGraphicFramePr>
-            <a:graphicFrameLocks noGrp="1"/>
-          </p:cNvGraphicFramePr>
+          <p:cNvPicPr>
+            <a:picLocks noChangeAspect="1"/>
+          </p:cNvPicPr>
           <p:nvPr/>
-        </p:nvGraphicFramePr>
-        <p:xfrm>
-          <a:off x="421105" y="1359568"/>
-          <a:ext cx="11255968" cy="4772493"/>
-        </p:xfrm>
-        <a:graphic>
-          <a:graphicData uri="http://schemas.openxmlformats.org/drawingml/2006/table">
-            <a:tbl>
-              <a:tblPr>
-                <a:tableStyleId>{5C22544A-7EE6-4342-B048-85BDC9FD1C3A}</a:tableStyleId>
-              </a:tblPr>
-              <a:tblGrid>
-                <a:gridCol w="763939">
-                  <a:extLst>
-                    <a:ext uri="{9D8B030D-6E8A-4147-A177-3AD203B41FA5}">
-                      <a16:colId xmlns:a16="http://schemas.microsoft.com/office/drawing/2014/main" val="1761238702"/>
-                    </a:ext>
-                  </a:extLst>
-                </a:gridCol>
-                <a:gridCol w="1127719">
-                  <a:extLst>
-                    <a:ext uri="{9D8B030D-6E8A-4147-A177-3AD203B41FA5}">
-                      <a16:colId xmlns:a16="http://schemas.microsoft.com/office/drawing/2014/main" val="3359710941"/>
-                    </a:ext>
-                  </a:extLst>
-                </a:gridCol>
-                <a:gridCol w="1151971">
-                  <a:extLst>
-                    <a:ext uri="{9D8B030D-6E8A-4147-A177-3AD203B41FA5}">
-                      <a16:colId xmlns:a16="http://schemas.microsoft.com/office/drawing/2014/main" val="1407383824"/>
-                    </a:ext>
-                  </a:extLst>
-                </a:gridCol>
-                <a:gridCol w="7412023">
-                  <a:extLst>
-                    <a:ext uri="{9D8B030D-6E8A-4147-A177-3AD203B41FA5}">
-                      <a16:colId xmlns:a16="http://schemas.microsoft.com/office/drawing/2014/main" val="757422007"/>
-                    </a:ext>
-                  </a:extLst>
-                </a:gridCol>
-                <a:gridCol w="800316">
-                  <a:extLst>
-                    <a:ext uri="{9D8B030D-6E8A-4147-A177-3AD203B41FA5}">
-                      <a16:colId xmlns:a16="http://schemas.microsoft.com/office/drawing/2014/main" val="3766307663"/>
-                    </a:ext>
-                  </a:extLst>
-                </a:gridCol>
-              </a:tblGrid>
-              <a:tr h="530277">
-                <a:tc>
-                  <a:txBody>
-                    <a:bodyPr/>
-                    <a:lstStyle/>
-                    <a:p>
-                      <a:pPr algn="ctr" fontAlgn="ctr"/>
-                      <a:r>
-                        <a:rPr lang="pt-BR" sz="1200" u="none" strike="noStrike">
-                          <a:effectLst/>
-                        </a:rPr>
-                        <a:t>Código</a:t>
-                      </a:r>
-                      <a:endParaRPr lang="pt-BR" sz="1200" b="1" i="0" u="none" strike="noStrike">
-                        <a:solidFill>
-                          <a:srgbClr val="FFFFFF"/>
-                        </a:solidFill>
-                        <a:effectLst/>
-                        <a:latin typeface="Aptos Narrow" panose="020B0004020202020204" pitchFamily="34" charset="0"/>
-                      </a:endParaRPr>
-                    </a:p>
-                  </a:txBody>
-                  <a:tcPr marL="8499" marR="8499" marT="8499" marB="0" anchor="ctr"/>
-                </a:tc>
-                <a:tc>
-                  <a:txBody>
-                    <a:bodyPr/>
-                    <a:lstStyle/>
-                    <a:p>
-                      <a:pPr algn="ctr" fontAlgn="ctr"/>
-                      <a:r>
-                        <a:rPr lang="pt-BR" sz="1200" u="none" strike="noStrike">
-                          <a:effectLst/>
-                        </a:rPr>
-                        <a:t>Classificação</a:t>
-                      </a:r>
-                      <a:endParaRPr lang="pt-BR" sz="1200" b="1" i="0" u="none" strike="noStrike">
-                        <a:solidFill>
-                          <a:srgbClr val="FFFFFF"/>
-                        </a:solidFill>
-                        <a:effectLst/>
-                        <a:latin typeface="Aptos Narrow" panose="020B0004020202020204" pitchFamily="34" charset="0"/>
-                      </a:endParaRPr>
-                    </a:p>
-                  </a:txBody>
-                  <a:tcPr marL="8499" marR="8499" marT="8499" marB="0" anchor="ctr"/>
-                </a:tc>
-                <a:tc>
-                  <a:txBody>
-                    <a:bodyPr/>
-                    <a:lstStyle/>
-                    <a:p>
-                      <a:pPr algn="ctr" fontAlgn="ctr"/>
-                      <a:r>
-                        <a:rPr lang="pt-BR" sz="1200" u="none" strike="noStrike">
-                          <a:effectLst/>
-                        </a:rPr>
-                        <a:t>Tipo</a:t>
-                      </a:r>
-                      <a:endParaRPr lang="pt-BR" sz="1200" b="1" i="0" u="none" strike="noStrike">
-                        <a:solidFill>
-                          <a:srgbClr val="FFFFFF"/>
-                        </a:solidFill>
-                        <a:effectLst/>
-                        <a:latin typeface="Aptos Narrow" panose="020B0004020202020204" pitchFamily="34" charset="0"/>
-                      </a:endParaRPr>
-                    </a:p>
-                  </a:txBody>
-                  <a:tcPr marL="8499" marR="8499" marT="8499" marB="0" anchor="ctr"/>
-                </a:tc>
-                <a:tc>
-                  <a:txBody>
-                    <a:bodyPr/>
-                    <a:lstStyle/>
-                    <a:p>
-                      <a:pPr algn="l" fontAlgn="ctr"/>
-                      <a:r>
-                        <a:rPr lang="pt-BR" sz="1200" u="none" strike="noStrike">
-                          <a:effectLst/>
-                        </a:rPr>
-                        <a:t>Descrição</a:t>
-                      </a:r>
-                      <a:endParaRPr lang="pt-BR" sz="1200" b="1" i="0" u="none" strike="noStrike">
-                        <a:solidFill>
-                          <a:srgbClr val="FFFFFF"/>
-                        </a:solidFill>
-                        <a:effectLst/>
-                        <a:latin typeface="Aptos Narrow" panose="020B0004020202020204" pitchFamily="34" charset="0"/>
-                      </a:endParaRPr>
-                    </a:p>
-                  </a:txBody>
-                  <a:tcPr marL="8499" marR="8499" marT="8499" marB="0" anchor="ctr"/>
-                </a:tc>
-                <a:tc>
-                  <a:txBody>
-                    <a:bodyPr/>
-                    <a:lstStyle/>
-                    <a:p>
-                      <a:pPr algn="ctr" fontAlgn="ctr"/>
-                      <a:r>
-                        <a:rPr lang="pt-BR" sz="1200" u="none" strike="noStrike">
-                          <a:effectLst/>
-                        </a:rPr>
-                        <a:t>Prioridade</a:t>
-                      </a:r>
-                      <a:endParaRPr lang="pt-BR" sz="1200" b="1" i="0" u="none" strike="noStrike">
-                        <a:solidFill>
-                          <a:srgbClr val="FFFFFF"/>
-                        </a:solidFill>
-                        <a:effectLst/>
-                        <a:latin typeface="Aptos Narrow" panose="020B0004020202020204" pitchFamily="34" charset="0"/>
-                      </a:endParaRPr>
-                    </a:p>
-                  </a:txBody>
-                  <a:tcPr marL="8499" marR="8499" marT="8499" marB="0" anchor="ctr"/>
-                </a:tc>
-                <a:extLst>
-                  <a:ext uri="{0D108BD9-81ED-4DB2-BD59-A6C34878D82A}">
-                    <a16:rowId xmlns:a16="http://schemas.microsoft.com/office/drawing/2014/main" val="3539097881"/>
-                  </a:ext>
-                </a:extLst>
-              </a:tr>
-              <a:tr h="530277">
-                <a:tc>
-                  <a:txBody>
-                    <a:bodyPr/>
-                    <a:lstStyle/>
-                    <a:p>
-                      <a:pPr algn="ctr" fontAlgn="b"/>
-                      <a:r>
-                        <a:rPr lang="pt-BR" sz="1200" u="none" strike="noStrike">
-                          <a:effectLst/>
-                        </a:rPr>
-                        <a:t>RF001</a:t>
-                      </a:r>
-                      <a:endParaRPr lang="pt-BR" sz="1200" b="0" i="0" u="none" strike="noStrike">
-                        <a:solidFill>
-                          <a:srgbClr val="000000"/>
-                        </a:solidFill>
-                        <a:effectLst/>
-                        <a:latin typeface="Aptos Narrow" panose="020B0004020202020204" pitchFamily="34" charset="0"/>
-                      </a:endParaRPr>
-                    </a:p>
-                  </a:txBody>
-                  <a:tcPr marL="8499" marR="8499" marT="8499" marB="0" anchor="b"/>
-                </a:tc>
-                <a:tc>
-                  <a:txBody>
-                    <a:bodyPr/>
-                    <a:lstStyle/>
-                    <a:p>
-                      <a:pPr algn="ctr" fontAlgn="ctr"/>
-                      <a:r>
-                        <a:rPr lang="pt-BR" sz="1200" u="none" strike="noStrike">
-                          <a:effectLst/>
-                        </a:rPr>
-                        <a:t>Essencial</a:t>
-                      </a:r>
-                      <a:endParaRPr lang="pt-BR" sz="1200" b="0" i="0" u="none" strike="noStrike">
-                        <a:solidFill>
-                          <a:srgbClr val="000000"/>
-                        </a:solidFill>
-                        <a:effectLst/>
-                        <a:latin typeface="Aptos Narrow" panose="020B0004020202020204" pitchFamily="34" charset="0"/>
-                      </a:endParaRPr>
-                    </a:p>
-                  </a:txBody>
-                  <a:tcPr marL="8499" marR="8499" marT="8499" marB="0" anchor="ctr"/>
-                </a:tc>
-                <a:tc>
-                  <a:txBody>
-                    <a:bodyPr/>
-                    <a:lstStyle/>
-                    <a:p>
-                      <a:pPr algn="ctr" fontAlgn="ctr"/>
-                      <a:r>
-                        <a:rPr lang="pt-BR" sz="1200" u="none" strike="noStrike">
-                          <a:effectLst/>
-                        </a:rPr>
-                        <a:t>Autenticação</a:t>
-                      </a:r>
-                      <a:endParaRPr lang="pt-BR" sz="1200" b="0" i="0" u="none" strike="noStrike">
-                        <a:solidFill>
-                          <a:srgbClr val="000000"/>
-                        </a:solidFill>
-                        <a:effectLst/>
-                        <a:latin typeface="Aptos Narrow" panose="020B0004020202020204" pitchFamily="34" charset="0"/>
-                      </a:endParaRPr>
-                    </a:p>
-                  </a:txBody>
-                  <a:tcPr marL="8499" marR="8499" marT="8499" marB="0" anchor="ctr"/>
-                </a:tc>
-                <a:tc>
-                  <a:txBody>
-                    <a:bodyPr/>
-                    <a:lstStyle/>
-                    <a:p>
-                      <a:pPr algn="l" fontAlgn="ctr"/>
-                      <a:r>
-                        <a:rPr lang="pt-BR" sz="1200" u="none" strike="noStrike">
-                          <a:effectLst/>
-                        </a:rPr>
-                        <a:t>O sistema deve permitir login com usuário e senha.</a:t>
-                      </a:r>
-                      <a:endParaRPr lang="pt-BR" sz="1200" b="0" i="0" u="none" strike="noStrike">
-                        <a:solidFill>
-                          <a:srgbClr val="000000"/>
-                        </a:solidFill>
-                        <a:effectLst/>
-                        <a:latin typeface="Aptos Narrow" panose="020B0004020202020204" pitchFamily="34" charset="0"/>
-                      </a:endParaRPr>
-                    </a:p>
-                  </a:txBody>
-                  <a:tcPr marL="8499" marR="8499" marT="8499" marB="0" anchor="ctr"/>
-                </a:tc>
-                <a:tc>
-                  <a:txBody>
-                    <a:bodyPr/>
-                    <a:lstStyle/>
-                    <a:p>
-                      <a:pPr algn="ctr" fontAlgn="ctr"/>
-                      <a:r>
-                        <a:rPr lang="pt-BR" sz="1200" u="none" strike="noStrike">
-                          <a:effectLst/>
-                        </a:rPr>
-                        <a:t>Alta</a:t>
-                      </a:r>
-                      <a:endParaRPr lang="pt-BR" sz="1200" b="0" i="0" u="none" strike="noStrike">
-                        <a:solidFill>
-                          <a:srgbClr val="000000"/>
-                        </a:solidFill>
-                        <a:effectLst/>
-                        <a:latin typeface="Aptos Narrow" panose="020B0004020202020204" pitchFamily="34" charset="0"/>
-                      </a:endParaRPr>
-                    </a:p>
-                  </a:txBody>
-                  <a:tcPr marL="8499" marR="8499" marT="8499" marB="0" anchor="ctr"/>
-                </a:tc>
-                <a:extLst>
-                  <a:ext uri="{0D108BD9-81ED-4DB2-BD59-A6C34878D82A}">
-                    <a16:rowId xmlns:a16="http://schemas.microsoft.com/office/drawing/2014/main" val="3821683565"/>
-                  </a:ext>
-                </a:extLst>
-              </a:tr>
-              <a:tr h="530277">
-                <a:tc>
-                  <a:txBody>
-                    <a:bodyPr/>
-                    <a:lstStyle/>
-                    <a:p>
-                      <a:pPr algn="ctr" fontAlgn="b"/>
-                      <a:r>
-                        <a:rPr lang="pt-BR" sz="1200" u="none" strike="noStrike">
-                          <a:effectLst/>
-                        </a:rPr>
-                        <a:t>RF002</a:t>
-                      </a:r>
-                      <a:endParaRPr lang="pt-BR" sz="1200" b="0" i="0" u="none" strike="noStrike">
-                        <a:solidFill>
-                          <a:srgbClr val="000000"/>
-                        </a:solidFill>
-                        <a:effectLst/>
-                        <a:latin typeface="Aptos Narrow" panose="020B0004020202020204" pitchFamily="34" charset="0"/>
-                      </a:endParaRPr>
-                    </a:p>
-                  </a:txBody>
-                  <a:tcPr marL="8499" marR="8499" marT="8499" marB="0" anchor="b"/>
-                </a:tc>
-                <a:tc>
-                  <a:txBody>
-                    <a:bodyPr/>
-                    <a:lstStyle/>
-                    <a:p>
-                      <a:pPr algn="ctr" fontAlgn="ctr"/>
-                      <a:r>
-                        <a:rPr lang="pt-BR" sz="1200" u="none" strike="noStrike">
-                          <a:effectLst/>
-                        </a:rPr>
-                        <a:t>Essencial</a:t>
-                      </a:r>
-                      <a:endParaRPr lang="pt-BR" sz="1200" b="0" i="0" u="none" strike="noStrike">
-                        <a:solidFill>
-                          <a:srgbClr val="000000"/>
-                        </a:solidFill>
-                        <a:effectLst/>
-                        <a:latin typeface="Aptos Narrow" panose="020B0004020202020204" pitchFamily="34" charset="0"/>
-                      </a:endParaRPr>
-                    </a:p>
-                  </a:txBody>
-                  <a:tcPr marL="8499" marR="8499" marT="8499" marB="0" anchor="ctr"/>
-                </a:tc>
-                <a:tc>
-                  <a:txBody>
-                    <a:bodyPr/>
-                    <a:lstStyle/>
-                    <a:p>
-                      <a:pPr algn="ctr" fontAlgn="ctr"/>
-                      <a:r>
-                        <a:rPr lang="pt-BR" sz="1200" u="none" strike="noStrike">
-                          <a:effectLst/>
-                        </a:rPr>
-                        <a:t>Controle de acesso</a:t>
-                      </a:r>
-                      <a:endParaRPr lang="pt-BR" sz="1200" b="0" i="0" u="none" strike="noStrike">
-                        <a:solidFill>
-                          <a:srgbClr val="000000"/>
-                        </a:solidFill>
-                        <a:effectLst/>
-                        <a:latin typeface="Aptos Narrow" panose="020B0004020202020204" pitchFamily="34" charset="0"/>
-                      </a:endParaRPr>
-                    </a:p>
-                  </a:txBody>
-                  <a:tcPr marL="8499" marR="8499" marT="8499" marB="0" anchor="ctr"/>
-                </a:tc>
-                <a:tc>
-                  <a:txBody>
-                    <a:bodyPr/>
-                    <a:lstStyle/>
-                    <a:p>
-                      <a:pPr algn="l" fontAlgn="ctr"/>
-                      <a:r>
-                        <a:rPr lang="pt-BR" sz="1200" u="none" strike="noStrike">
-                          <a:effectLst/>
-                        </a:rPr>
-                        <a:t>O sistema deve identificar o tipo de usuário (Funcionário ou Administrador).</a:t>
-                      </a:r>
-                      <a:endParaRPr lang="pt-BR" sz="1200" b="0" i="0" u="none" strike="noStrike">
-                        <a:solidFill>
-                          <a:srgbClr val="000000"/>
-                        </a:solidFill>
-                        <a:effectLst/>
-                        <a:latin typeface="Aptos Narrow" panose="020B0004020202020204" pitchFamily="34" charset="0"/>
-                      </a:endParaRPr>
-                    </a:p>
-                  </a:txBody>
-                  <a:tcPr marL="8499" marR="8499" marT="8499" marB="0" anchor="ctr"/>
-                </a:tc>
-                <a:tc>
-                  <a:txBody>
-                    <a:bodyPr/>
-                    <a:lstStyle/>
-                    <a:p>
-                      <a:pPr algn="ctr" fontAlgn="ctr"/>
-                      <a:r>
-                        <a:rPr lang="pt-BR" sz="1200" u="none" strike="noStrike">
-                          <a:effectLst/>
-                        </a:rPr>
-                        <a:t>Alta</a:t>
-                      </a:r>
-                      <a:endParaRPr lang="pt-BR" sz="1200" b="0" i="0" u="none" strike="noStrike">
-                        <a:solidFill>
-                          <a:srgbClr val="000000"/>
-                        </a:solidFill>
-                        <a:effectLst/>
-                        <a:latin typeface="Aptos Narrow" panose="020B0004020202020204" pitchFamily="34" charset="0"/>
-                      </a:endParaRPr>
-                    </a:p>
-                  </a:txBody>
-                  <a:tcPr marL="8499" marR="8499" marT="8499" marB="0" anchor="ctr"/>
-                </a:tc>
-                <a:extLst>
-                  <a:ext uri="{0D108BD9-81ED-4DB2-BD59-A6C34878D82A}">
-                    <a16:rowId xmlns:a16="http://schemas.microsoft.com/office/drawing/2014/main" val="1178623409"/>
-                  </a:ext>
-                </a:extLst>
-              </a:tr>
-              <a:tr h="530277">
-                <a:tc>
-                  <a:txBody>
-                    <a:bodyPr/>
-                    <a:lstStyle/>
-                    <a:p>
-                      <a:pPr algn="ctr" fontAlgn="b"/>
-                      <a:r>
-                        <a:rPr lang="pt-BR" sz="1200" u="none" strike="noStrike">
-                          <a:effectLst/>
-                        </a:rPr>
-                        <a:t>RF004</a:t>
-                      </a:r>
-                      <a:endParaRPr lang="pt-BR" sz="1200" b="0" i="0" u="none" strike="noStrike">
-                        <a:solidFill>
-                          <a:srgbClr val="000000"/>
-                        </a:solidFill>
-                        <a:effectLst/>
-                        <a:latin typeface="Aptos Narrow" panose="020B0004020202020204" pitchFamily="34" charset="0"/>
-                      </a:endParaRPr>
-                    </a:p>
-                  </a:txBody>
-                  <a:tcPr marL="8499" marR="8499" marT="8499" marB="0" anchor="b"/>
-                </a:tc>
-                <a:tc>
-                  <a:txBody>
-                    <a:bodyPr/>
-                    <a:lstStyle/>
-                    <a:p>
-                      <a:pPr algn="ctr" fontAlgn="ctr"/>
-                      <a:r>
-                        <a:rPr lang="pt-BR" sz="1200" u="none" strike="noStrike">
-                          <a:effectLst/>
-                        </a:rPr>
-                        <a:t>Essencial</a:t>
-                      </a:r>
-                      <a:endParaRPr lang="pt-BR" sz="1200" b="0" i="0" u="none" strike="noStrike">
-                        <a:solidFill>
-                          <a:srgbClr val="000000"/>
-                        </a:solidFill>
-                        <a:effectLst/>
-                        <a:latin typeface="Aptos Narrow" panose="020B0004020202020204" pitchFamily="34" charset="0"/>
-                      </a:endParaRPr>
-                    </a:p>
-                  </a:txBody>
-                  <a:tcPr marL="8499" marR="8499" marT="8499" marB="0" anchor="ctr"/>
-                </a:tc>
-                <a:tc>
-                  <a:txBody>
-                    <a:bodyPr/>
-                    <a:lstStyle/>
-                    <a:p>
-                      <a:pPr algn="ctr" fontAlgn="ctr"/>
-                      <a:r>
-                        <a:rPr lang="pt-BR" sz="1200" u="none" strike="noStrike">
-                          <a:effectLst/>
-                        </a:rPr>
-                        <a:t>Cadastro</a:t>
-                      </a:r>
-                      <a:endParaRPr lang="pt-BR" sz="1200" b="0" i="0" u="none" strike="noStrike">
-                        <a:solidFill>
-                          <a:srgbClr val="000000"/>
-                        </a:solidFill>
-                        <a:effectLst/>
-                        <a:latin typeface="Aptos Narrow" panose="020B0004020202020204" pitchFamily="34" charset="0"/>
-                      </a:endParaRPr>
-                    </a:p>
-                  </a:txBody>
-                  <a:tcPr marL="8499" marR="8499" marT="8499" marB="0" anchor="ctr"/>
-                </a:tc>
-                <a:tc>
-                  <a:txBody>
-                    <a:bodyPr/>
-                    <a:lstStyle/>
-                    <a:p>
-                      <a:pPr algn="l" fontAlgn="ctr"/>
-                      <a:r>
-                        <a:rPr lang="pt-BR" sz="1200" u="none" strike="noStrike">
-                          <a:effectLst/>
-                        </a:rPr>
-                        <a:t>O administrador deve poder cadastrar novos usuários</a:t>
-                      </a:r>
-                      <a:endParaRPr lang="pt-BR" sz="1200" b="0" i="0" u="none" strike="noStrike">
-                        <a:solidFill>
-                          <a:srgbClr val="000000"/>
-                        </a:solidFill>
-                        <a:effectLst/>
-                        <a:latin typeface="Aptos Narrow" panose="020B0004020202020204" pitchFamily="34" charset="0"/>
-                      </a:endParaRPr>
-                    </a:p>
-                  </a:txBody>
-                  <a:tcPr marL="8499" marR="8499" marT="8499" marB="0" anchor="ctr"/>
-                </a:tc>
-                <a:tc>
-                  <a:txBody>
-                    <a:bodyPr/>
-                    <a:lstStyle/>
-                    <a:p>
-                      <a:pPr algn="ctr" fontAlgn="ctr"/>
-                      <a:r>
-                        <a:rPr lang="pt-BR" sz="1200" u="none" strike="noStrike">
-                          <a:effectLst/>
-                        </a:rPr>
-                        <a:t>Alta</a:t>
-                      </a:r>
-                      <a:endParaRPr lang="pt-BR" sz="1200" b="0" i="0" u="none" strike="noStrike">
-                        <a:solidFill>
-                          <a:srgbClr val="000000"/>
-                        </a:solidFill>
-                        <a:effectLst/>
-                        <a:latin typeface="Aptos Narrow" panose="020B0004020202020204" pitchFamily="34" charset="0"/>
-                      </a:endParaRPr>
-                    </a:p>
-                  </a:txBody>
-                  <a:tcPr marL="8499" marR="8499" marT="8499" marB="0" anchor="ctr"/>
-                </a:tc>
-                <a:extLst>
-                  <a:ext uri="{0D108BD9-81ED-4DB2-BD59-A6C34878D82A}">
-                    <a16:rowId xmlns:a16="http://schemas.microsoft.com/office/drawing/2014/main" val="2301845556"/>
-                  </a:ext>
-                </a:extLst>
-              </a:tr>
-              <a:tr h="530277">
-                <a:tc>
-                  <a:txBody>
-                    <a:bodyPr/>
-                    <a:lstStyle/>
-                    <a:p>
-                      <a:pPr algn="ctr" fontAlgn="b"/>
-                      <a:r>
-                        <a:rPr lang="pt-BR" sz="1200" u="none" strike="noStrike">
-                          <a:effectLst/>
-                        </a:rPr>
-                        <a:t>RF007</a:t>
-                      </a:r>
-                      <a:endParaRPr lang="pt-BR" sz="1200" b="0" i="0" u="none" strike="noStrike">
-                        <a:solidFill>
-                          <a:srgbClr val="000000"/>
-                        </a:solidFill>
-                        <a:effectLst/>
-                        <a:latin typeface="Aptos Narrow" panose="020B0004020202020204" pitchFamily="34" charset="0"/>
-                      </a:endParaRPr>
-                    </a:p>
-                  </a:txBody>
-                  <a:tcPr marL="8499" marR="8499" marT="8499" marB="0" anchor="b"/>
-                </a:tc>
-                <a:tc>
-                  <a:txBody>
-                    <a:bodyPr/>
-                    <a:lstStyle/>
-                    <a:p>
-                      <a:pPr algn="ctr" fontAlgn="ctr"/>
-                      <a:r>
-                        <a:rPr lang="pt-BR" sz="1200" u="none" strike="noStrike">
-                          <a:effectLst/>
-                        </a:rPr>
-                        <a:t>Desejável</a:t>
-                      </a:r>
-                      <a:endParaRPr lang="pt-BR" sz="1200" b="0" i="0" u="none" strike="noStrike">
-                        <a:solidFill>
-                          <a:srgbClr val="000000"/>
-                        </a:solidFill>
-                        <a:effectLst/>
-                        <a:latin typeface="Aptos Narrow" panose="020B0004020202020204" pitchFamily="34" charset="0"/>
-                      </a:endParaRPr>
-                    </a:p>
-                  </a:txBody>
-                  <a:tcPr marL="8499" marR="8499" marT="8499" marB="0" anchor="ctr"/>
-                </a:tc>
-                <a:tc>
-                  <a:txBody>
-                    <a:bodyPr/>
-                    <a:lstStyle/>
-                    <a:p>
-                      <a:pPr algn="ctr" fontAlgn="ctr"/>
-                      <a:r>
-                        <a:rPr lang="pt-BR" sz="1200" u="none" strike="noStrike">
-                          <a:effectLst/>
-                        </a:rPr>
-                        <a:t>Validação</a:t>
-                      </a:r>
-                      <a:endParaRPr lang="pt-BR" sz="1200" b="0" i="0" u="none" strike="noStrike">
-                        <a:solidFill>
-                          <a:srgbClr val="000000"/>
-                        </a:solidFill>
-                        <a:effectLst/>
-                        <a:latin typeface="Aptos Narrow" panose="020B0004020202020204" pitchFamily="34" charset="0"/>
-                      </a:endParaRPr>
-                    </a:p>
-                  </a:txBody>
-                  <a:tcPr marL="8499" marR="8499" marT="8499" marB="0" anchor="ctr"/>
-                </a:tc>
-                <a:tc>
-                  <a:txBody>
-                    <a:bodyPr/>
-                    <a:lstStyle/>
-                    <a:p>
-                      <a:pPr algn="l" fontAlgn="ctr"/>
-                      <a:r>
-                        <a:rPr lang="pt-BR" sz="1200" u="none" strike="noStrike">
-                          <a:effectLst/>
-                        </a:rPr>
-                        <a:t>O sistema deve validar se o login é único antes do cadastro.</a:t>
-                      </a:r>
-                      <a:endParaRPr lang="pt-BR" sz="1200" b="0" i="0" u="none" strike="noStrike">
-                        <a:solidFill>
-                          <a:srgbClr val="000000"/>
-                        </a:solidFill>
-                        <a:effectLst/>
-                        <a:latin typeface="Aptos Narrow" panose="020B0004020202020204" pitchFamily="34" charset="0"/>
-                      </a:endParaRPr>
-                    </a:p>
-                  </a:txBody>
-                  <a:tcPr marL="8499" marR="8499" marT="8499" marB="0" anchor="ctr"/>
-                </a:tc>
-                <a:tc>
-                  <a:txBody>
-                    <a:bodyPr/>
-                    <a:lstStyle/>
-                    <a:p>
-                      <a:pPr algn="ctr" fontAlgn="ctr"/>
-                      <a:r>
-                        <a:rPr lang="pt-BR" sz="1200" u="none" strike="noStrike">
-                          <a:effectLst/>
-                        </a:rPr>
-                        <a:t>Média</a:t>
-                      </a:r>
-                      <a:endParaRPr lang="pt-BR" sz="1200" b="0" i="0" u="none" strike="noStrike">
-                        <a:solidFill>
-                          <a:srgbClr val="000000"/>
-                        </a:solidFill>
-                        <a:effectLst/>
-                        <a:latin typeface="Aptos Narrow" panose="020B0004020202020204" pitchFamily="34" charset="0"/>
-                      </a:endParaRPr>
-                    </a:p>
-                  </a:txBody>
-                  <a:tcPr marL="8499" marR="8499" marT="8499" marB="0" anchor="ctr"/>
-                </a:tc>
-                <a:extLst>
-                  <a:ext uri="{0D108BD9-81ED-4DB2-BD59-A6C34878D82A}">
-                    <a16:rowId xmlns:a16="http://schemas.microsoft.com/office/drawing/2014/main" val="2075528856"/>
-                  </a:ext>
-                </a:extLst>
-              </a:tr>
-              <a:tr h="530277">
-                <a:tc>
-                  <a:txBody>
-                    <a:bodyPr/>
-                    <a:lstStyle/>
-                    <a:p>
-                      <a:pPr algn="ctr" fontAlgn="b"/>
-                      <a:r>
-                        <a:rPr lang="pt-BR" sz="1200" u="none" strike="noStrike">
-                          <a:effectLst/>
-                        </a:rPr>
-                        <a:t>RF010</a:t>
-                      </a:r>
-                      <a:endParaRPr lang="pt-BR" sz="1200" b="0" i="0" u="none" strike="noStrike">
-                        <a:solidFill>
-                          <a:srgbClr val="000000"/>
-                        </a:solidFill>
-                        <a:effectLst/>
-                        <a:latin typeface="Aptos Narrow" panose="020B0004020202020204" pitchFamily="34" charset="0"/>
-                      </a:endParaRPr>
-                    </a:p>
-                  </a:txBody>
-                  <a:tcPr marL="8499" marR="8499" marT="8499" marB="0" anchor="b"/>
-                </a:tc>
-                <a:tc>
-                  <a:txBody>
-                    <a:bodyPr/>
-                    <a:lstStyle/>
-                    <a:p>
-                      <a:pPr algn="ctr" fontAlgn="ctr"/>
-                      <a:r>
-                        <a:rPr lang="pt-BR" sz="1200" u="none" strike="noStrike">
-                          <a:effectLst/>
-                        </a:rPr>
-                        <a:t>Essencial</a:t>
-                      </a:r>
-                      <a:endParaRPr lang="pt-BR" sz="1200" b="0" i="0" u="none" strike="noStrike">
-                        <a:solidFill>
-                          <a:srgbClr val="000000"/>
-                        </a:solidFill>
-                        <a:effectLst/>
-                        <a:latin typeface="Aptos Narrow" panose="020B0004020202020204" pitchFamily="34" charset="0"/>
-                      </a:endParaRPr>
-                    </a:p>
-                  </a:txBody>
-                  <a:tcPr marL="8499" marR="8499" marT="8499" marB="0" anchor="ctr"/>
-                </a:tc>
-                <a:tc>
-                  <a:txBody>
-                    <a:bodyPr/>
-                    <a:lstStyle/>
-                    <a:p>
-                      <a:pPr algn="ctr" fontAlgn="ctr"/>
-                      <a:r>
-                        <a:rPr lang="pt-BR" sz="1200" u="none" strike="noStrike">
-                          <a:effectLst/>
-                        </a:rPr>
-                        <a:t>Visualização</a:t>
-                      </a:r>
-                      <a:endParaRPr lang="pt-BR" sz="1200" b="0" i="0" u="none" strike="noStrike">
-                        <a:solidFill>
-                          <a:srgbClr val="000000"/>
-                        </a:solidFill>
-                        <a:effectLst/>
-                        <a:latin typeface="Aptos Narrow" panose="020B0004020202020204" pitchFamily="34" charset="0"/>
-                      </a:endParaRPr>
-                    </a:p>
-                  </a:txBody>
-                  <a:tcPr marL="8499" marR="8499" marT="8499" marB="0" anchor="ctr"/>
-                </a:tc>
-                <a:tc>
-                  <a:txBody>
-                    <a:bodyPr/>
-                    <a:lstStyle/>
-                    <a:p>
-                      <a:pPr algn="l" fontAlgn="ctr"/>
-                      <a:r>
-                        <a:rPr lang="pt-BR" sz="1200" u="none" strike="noStrike">
-                          <a:effectLst/>
-                        </a:rPr>
-                        <a:t>Funcionários devem visualizar todos os produtos e seus dados.</a:t>
-                      </a:r>
-                      <a:endParaRPr lang="pt-BR" sz="1200" b="0" i="0" u="none" strike="noStrike">
-                        <a:solidFill>
-                          <a:srgbClr val="000000"/>
-                        </a:solidFill>
-                        <a:effectLst/>
-                        <a:latin typeface="Aptos Narrow" panose="020B0004020202020204" pitchFamily="34" charset="0"/>
-                      </a:endParaRPr>
-                    </a:p>
-                  </a:txBody>
-                  <a:tcPr marL="8499" marR="8499" marT="8499" marB="0" anchor="ctr"/>
-                </a:tc>
-                <a:tc>
-                  <a:txBody>
-                    <a:bodyPr/>
-                    <a:lstStyle/>
-                    <a:p>
-                      <a:pPr algn="ctr" fontAlgn="ctr"/>
-                      <a:r>
-                        <a:rPr lang="pt-BR" sz="1200" u="none" strike="noStrike">
-                          <a:effectLst/>
-                        </a:rPr>
-                        <a:t>Alta</a:t>
-                      </a:r>
-                      <a:endParaRPr lang="pt-BR" sz="1200" b="0" i="0" u="none" strike="noStrike">
-                        <a:solidFill>
-                          <a:srgbClr val="000000"/>
-                        </a:solidFill>
-                        <a:effectLst/>
-                        <a:latin typeface="Aptos Narrow" panose="020B0004020202020204" pitchFamily="34" charset="0"/>
-                      </a:endParaRPr>
-                    </a:p>
-                  </a:txBody>
-                  <a:tcPr marL="8499" marR="8499" marT="8499" marB="0" anchor="ctr"/>
-                </a:tc>
-                <a:extLst>
-                  <a:ext uri="{0D108BD9-81ED-4DB2-BD59-A6C34878D82A}">
-                    <a16:rowId xmlns:a16="http://schemas.microsoft.com/office/drawing/2014/main" val="1256345927"/>
-                  </a:ext>
-                </a:extLst>
-              </a:tr>
-              <a:tr h="530277">
-                <a:tc>
-                  <a:txBody>
-                    <a:bodyPr/>
-                    <a:lstStyle/>
-                    <a:p>
-                      <a:pPr algn="ctr" fontAlgn="b"/>
-                      <a:r>
-                        <a:rPr lang="pt-BR" sz="1200" u="none" strike="noStrike">
-                          <a:effectLst/>
-                        </a:rPr>
-                        <a:t>RF011</a:t>
-                      </a:r>
-                      <a:endParaRPr lang="pt-BR" sz="1200" b="0" i="0" u="none" strike="noStrike">
-                        <a:solidFill>
-                          <a:srgbClr val="000000"/>
-                        </a:solidFill>
-                        <a:effectLst/>
-                        <a:latin typeface="Aptos Narrow" panose="020B0004020202020204" pitchFamily="34" charset="0"/>
-                      </a:endParaRPr>
-                    </a:p>
-                  </a:txBody>
-                  <a:tcPr marL="8499" marR="8499" marT="8499" marB="0" anchor="b"/>
-                </a:tc>
-                <a:tc>
-                  <a:txBody>
-                    <a:bodyPr/>
-                    <a:lstStyle/>
-                    <a:p>
-                      <a:pPr algn="ctr" fontAlgn="ctr"/>
-                      <a:r>
-                        <a:rPr lang="pt-BR" sz="1200" u="none" strike="noStrike">
-                          <a:effectLst/>
-                        </a:rPr>
-                        <a:t>Essencial</a:t>
-                      </a:r>
-                      <a:endParaRPr lang="pt-BR" sz="1200" b="0" i="0" u="none" strike="noStrike">
-                        <a:solidFill>
-                          <a:srgbClr val="000000"/>
-                        </a:solidFill>
-                        <a:effectLst/>
-                        <a:latin typeface="Aptos Narrow" panose="020B0004020202020204" pitchFamily="34" charset="0"/>
-                      </a:endParaRPr>
-                    </a:p>
-                  </a:txBody>
-                  <a:tcPr marL="8499" marR="8499" marT="8499" marB="0" anchor="ctr"/>
-                </a:tc>
-                <a:tc>
-                  <a:txBody>
-                    <a:bodyPr/>
-                    <a:lstStyle/>
-                    <a:p>
-                      <a:pPr algn="ctr" fontAlgn="ctr"/>
-                      <a:r>
-                        <a:rPr lang="pt-BR" sz="1200" u="none" strike="noStrike">
-                          <a:effectLst/>
-                        </a:rPr>
-                        <a:t>Categorias</a:t>
-                      </a:r>
-                      <a:endParaRPr lang="pt-BR" sz="1200" b="0" i="0" u="none" strike="noStrike">
-                        <a:solidFill>
-                          <a:srgbClr val="000000"/>
-                        </a:solidFill>
-                        <a:effectLst/>
-                        <a:latin typeface="Aptos Narrow" panose="020B0004020202020204" pitchFamily="34" charset="0"/>
-                      </a:endParaRPr>
-                    </a:p>
-                  </a:txBody>
-                  <a:tcPr marL="8499" marR="8499" marT="8499" marB="0" anchor="ctr"/>
-                </a:tc>
-                <a:tc>
-                  <a:txBody>
-                    <a:bodyPr/>
-                    <a:lstStyle/>
-                    <a:p>
-                      <a:pPr algn="l" fontAlgn="ctr"/>
-                      <a:r>
-                        <a:rPr lang="pt-BR" sz="1200" u="none" strike="noStrike" dirty="0">
-                          <a:effectLst/>
-                        </a:rPr>
-                        <a:t>O produto deve conter categoria, modelo, fornecedor e quantidade.</a:t>
-                      </a:r>
-                      <a:endParaRPr lang="pt-BR" sz="1200" b="0" i="0" u="none" strike="noStrike" dirty="0">
-                        <a:solidFill>
-                          <a:srgbClr val="000000"/>
-                        </a:solidFill>
-                        <a:effectLst/>
-                        <a:latin typeface="Aptos Narrow" panose="020B0004020202020204" pitchFamily="34" charset="0"/>
-                      </a:endParaRPr>
-                    </a:p>
-                  </a:txBody>
-                  <a:tcPr marL="8499" marR="8499" marT="8499" marB="0" anchor="ctr"/>
-                </a:tc>
-                <a:tc>
-                  <a:txBody>
-                    <a:bodyPr/>
-                    <a:lstStyle/>
-                    <a:p>
-                      <a:pPr algn="ctr" fontAlgn="ctr"/>
-                      <a:r>
-                        <a:rPr lang="pt-BR" sz="1200" u="none" strike="noStrike">
-                          <a:effectLst/>
-                        </a:rPr>
-                        <a:t>Alta</a:t>
-                      </a:r>
-                      <a:endParaRPr lang="pt-BR" sz="1200" b="0" i="0" u="none" strike="noStrike">
-                        <a:solidFill>
-                          <a:srgbClr val="000000"/>
-                        </a:solidFill>
-                        <a:effectLst/>
-                        <a:latin typeface="Aptos Narrow" panose="020B0004020202020204" pitchFamily="34" charset="0"/>
-                      </a:endParaRPr>
-                    </a:p>
-                  </a:txBody>
-                  <a:tcPr marL="8499" marR="8499" marT="8499" marB="0" anchor="ctr"/>
-                </a:tc>
-                <a:extLst>
-                  <a:ext uri="{0D108BD9-81ED-4DB2-BD59-A6C34878D82A}">
-                    <a16:rowId xmlns:a16="http://schemas.microsoft.com/office/drawing/2014/main" val="2500624541"/>
-                  </a:ext>
-                </a:extLst>
-              </a:tr>
-              <a:tr h="530277">
-                <a:tc>
-                  <a:txBody>
-                    <a:bodyPr/>
-                    <a:lstStyle/>
-                    <a:p>
-                      <a:pPr algn="ctr" fontAlgn="b"/>
-                      <a:r>
-                        <a:rPr lang="pt-BR" sz="1200" u="none" strike="noStrike">
-                          <a:effectLst/>
-                        </a:rPr>
-                        <a:t>RF013</a:t>
-                      </a:r>
-                      <a:endParaRPr lang="pt-BR" sz="1200" b="0" i="0" u="none" strike="noStrike">
-                        <a:solidFill>
-                          <a:srgbClr val="000000"/>
-                        </a:solidFill>
-                        <a:effectLst/>
-                        <a:latin typeface="Aptos Narrow" panose="020B0004020202020204" pitchFamily="34" charset="0"/>
-                      </a:endParaRPr>
-                    </a:p>
-                  </a:txBody>
-                  <a:tcPr marL="8499" marR="8499" marT="8499" marB="0" anchor="b"/>
-                </a:tc>
-                <a:tc>
-                  <a:txBody>
-                    <a:bodyPr/>
-                    <a:lstStyle/>
-                    <a:p>
-                      <a:pPr algn="ctr" fontAlgn="ctr"/>
-                      <a:r>
-                        <a:rPr lang="pt-BR" sz="1200" u="none" strike="noStrike">
-                          <a:effectLst/>
-                        </a:rPr>
-                        <a:t>Essencial</a:t>
-                      </a:r>
-                      <a:endParaRPr lang="pt-BR" sz="1200" b="0" i="0" u="none" strike="noStrike">
-                        <a:solidFill>
-                          <a:srgbClr val="000000"/>
-                        </a:solidFill>
-                        <a:effectLst/>
-                        <a:latin typeface="Aptos Narrow" panose="020B0004020202020204" pitchFamily="34" charset="0"/>
-                      </a:endParaRPr>
-                    </a:p>
-                  </a:txBody>
-                  <a:tcPr marL="8499" marR="8499" marT="8499" marB="0" anchor="ctr"/>
-                </a:tc>
-                <a:tc>
-                  <a:txBody>
-                    <a:bodyPr/>
-                    <a:lstStyle/>
-                    <a:p>
-                      <a:pPr algn="ctr" fontAlgn="ctr"/>
-                      <a:r>
-                        <a:rPr lang="pt-BR" sz="1200" u="none" strike="noStrike">
-                          <a:effectLst/>
-                        </a:rPr>
-                        <a:t>Entrada</a:t>
-                      </a:r>
-                      <a:endParaRPr lang="pt-BR" sz="1200" b="0" i="0" u="none" strike="noStrike">
-                        <a:solidFill>
-                          <a:srgbClr val="000000"/>
-                        </a:solidFill>
-                        <a:effectLst/>
-                        <a:latin typeface="Aptos Narrow" panose="020B0004020202020204" pitchFamily="34" charset="0"/>
-                      </a:endParaRPr>
-                    </a:p>
-                  </a:txBody>
-                  <a:tcPr marL="8499" marR="8499" marT="8499" marB="0" anchor="ctr"/>
-                </a:tc>
-                <a:tc>
-                  <a:txBody>
-                    <a:bodyPr/>
-                    <a:lstStyle/>
-                    <a:p>
-                      <a:pPr algn="l" fontAlgn="ctr"/>
-                      <a:r>
-                        <a:rPr lang="pt-BR" sz="1200" u="none" strike="noStrike">
-                          <a:effectLst/>
-                        </a:rPr>
-                        <a:t>Funcionários devem registrar entrada de produtos (fornecedor → estoque).</a:t>
-                      </a:r>
-                      <a:endParaRPr lang="pt-BR" sz="1200" b="0" i="0" u="none" strike="noStrike">
-                        <a:solidFill>
-                          <a:srgbClr val="000000"/>
-                        </a:solidFill>
-                        <a:effectLst/>
-                        <a:latin typeface="Aptos Narrow" panose="020B0004020202020204" pitchFamily="34" charset="0"/>
-                      </a:endParaRPr>
-                    </a:p>
-                  </a:txBody>
-                  <a:tcPr marL="8499" marR="8499" marT="8499" marB="0" anchor="ctr"/>
-                </a:tc>
-                <a:tc>
-                  <a:txBody>
-                    <a:bodyPr/>
-                    <a:lstStyle/>
-                    <a:p>
-                      <a:pPr algn="ctr" fontAlgn="ctr"/>
-                      <a:r>
-                        <a:rPr lang="pt-BR" sz="1200" u="none" strike="noStrike">
-                          <a:effectLst/>
-                        </a:rPr>
-                        <a:t>Alta</a:t>
-                      </a:r>
-                      <a:endParaRPr lang="pt-BR" sz="1200" b="0" i="0" u="none" strike="noStrike">
-                        <a:solidFill>
-                          <a:srgbClr val="000000"/>
-                        </a:solidFill>
-                        <a:effectLst/>
-                        <a:latin typeface="Aptos Narrow" panose="020B0004020202020204" pitchFamily="34" charset="0"/>
-                      </a:endParaRPr>
-                    </a:p>
-                  </a:txBody>
-                  <a:tcPr marL="8499" marR="8499" marT="8499" marB="0" anchor="ctr"/>
-                </a:tc>
-                <a:extLst>
-                  <a:ext uri="{0D108BD9-81ED-4DB2-BD59-A6C34878D82A}">
-                    <a16:rowId xmlns:a16="http://schemas.microsoft.com/office/drawing/2014/main" val="2292176312"/>
-                  </a:ext>
-                </a:extLst>
-              </a:tr>
-              <a:tr h="530277">
-                <a:tc>
-                  <a:txBody>
-                    <a:bodyPr/>
-                    <a:lstStyle/>
-                    <a:p>
-                      <a:pPr algn="ctr" fontAlgn="b"/>
-                      <a:r>
-                        <a:rPr lang="pt-BR" sz="1200" u="none" strike="noStrike">
-                          <a:effectLst/>
-                        </a:rPr>
-                        <a:t>RF018</a:t>
-                      </a:r>
-                      <a:endParaRPr lang="pt-BR" sz="1200" b="0" i="0" u="none" strike="noStrike">
-                        <a:solidFill>
-                          <a:srgbClr val="000000"/>
-                        </a:solidFill>
-                        <a:effectLst/>
-                        <a:latin typeface="Aptos Narrow" panose="020B0004020202020204" pitchFamily="34" charset="0"/>
-                      </a:endParaRPr>
-                    </a:p>
-                  </a:txBody>
-                  <a:tcPr marL="8499" marR="8499" marT="8499" marB="0" anchor="b"/>
-                </a:tc>
-                <a:tc>
-                  <a:txBody>
-                    <a:bodyPr/>
-                    <a:lstStyle/>
-                    <a:p>
-                      <a:pPr algn="ctr" fontAlgn="ctr"/>
-                      <a:r>
-                        <a:rPr lang="pt-BR" sz="1200" u="none" strike="noStrike">
-                          <a:effectLst/>
-                        </a:rPr>
-                        <a:t>Essencial</a:t>
-                      </a:r>
-                      <a:endParaRPr lang="pt-BR" sz="1200" b="0" i="0" u="none" strike="noStrike">
-                        <a:solidFill>
-                          <a:srgbClr val="000000"/>
-                        </a:solidFill>
-                        <a:effectLst/>
-                        <a:latin typeface="Aptos Narrow" panose="020B0004020202020204" pitchFamily="34" charset="0"/>
-                      </a:endParaRPr>
-                    </a:p>
-                  </a:txBody>
-                  <a:tcPr marL="8499" marR="8499" marT="8499" marB="0" anchor="ctr"/>
-                </a:tc>
-                <a:tc>
-                  <a:txBody>
-                    <a:bodyPr/>
-                    <a:lstStyle/>
-                    <a:p>
-                      <a:pPr algn="ctr" fontAlgn="ctr"/>
-                      <a:r>
-                        <a:rPr lang="pt-BR" sz="1200" u="none" strike="noStrike">
-                          <a:effectLst/>
-                        </a:rPr>
-                        <a:t>Histórico</a:t>
-                      </a:r>
-                      <a:endParaRPr lang="pt-BR" sz="1200" b="0" i="0" u="none" strike="noStrike">
-                        <a:solidFill>
-                          <a:srgbClr val="000000"/>
-                        </a:solidFill>
-                        <a:effectLst/>
-                        <a:latin typeface="Aptos Narrow" panose="020B0004020202020204" pitchFamily="34" charset="0"/>
-                      </a:endParaRPr>
-                    </a:p>
-                  </a:txBody>
-                  <a:tcPr marL="8499" marR="8499" marT="8499" marB="0" anchor="ctr"/>
-                </a:tc>
-                <a:tc>
-                  <a:txBody>
-                    <a:bodyPr/>
-                    <a:lstStyle/>
-                    <a:p>
-                      <a:pPr algn="l" fontAlgn="ctr"/>
-                      <a:r>
-                        <a:rPr lang="pt-BR" sz="1200" u="none" strike="noStrike">
-                          <a:effectLst/>
-                        </a:rPr>
-                        <a:t>As movimentações de saída devem ficar registradas nas vendas.</a:t>
-                      </a:r>
-                      <a:endParaRPr lang="pt-BR" sz="1200" b="0" i="0" u="none" strike="noStrike">
-                        <a:solidFill>
-                          <a:srgbClr val="000000"/>
-                        </a:solidFill>
-                        <a:effectLst/>
-                        <a:latin typeface="Aptos Narrow" panose="020B0004020202020204" pitchFamily="34" charset="0"/>
-                      </a:endParaRPr>
-                    </a:p>
-                  </a:txBody>
-                  <a:tcPr marL="8499" marR="8499" marT="8499" marB="0" anchor="ctr"/>
-                </a:tc>
-                <a:tc>
-                  <a:txBody>
-                    <a:bodyPr/>
-                    <a:lstStyle/>
-                    <a:p>
-                      <a:pPr algn="ctr" fontAlgn="ctr"/>
-                      <a:r>
-                        <a:rPr lang="pt-BR" sz="1200" u="none" strike="noStrike" dirty="0">
-                          <a:effectLst/>
-                        </a:rPr>
-                        <a:t>Média</a:t>
-                      </a:r>
-                      <a:endParaRPr lang="pt-BR" sz="1200" b="0" i="0" u="none" strike="noStrike" dirty="0">
-                        <a:solidFill>
-                          <a:srgbClr val="000000"/>
-                        </a:solidFill>
-                        <a:effectLst/>
-                        <a:latin typeface="Aptos Narrow" panose="020B0004020202020204" pitchFamily="34" charset="0"/>
-                      </a:endParaRPr>
-                    </a:p>
-                  </a:txBody>
-                  <a:tcPr marL="8499" marR="8499" marT="8499" marB="0" anchor="ctr"/>
-                </a:tc>
-                <a:extLst>
-                  <a:ext uri="{0D108BD9-81ED-4DB2-BD59-A6C34878D82A}">
-                    <a16:rowId xmlns:a16="http://schemas.microsoft.com/office/drawing/2014/main" val="4044622859"/>
-                  </a:ext>
-                </a:extLst>
-              </a:tr>
-            </a:tbl>
-          </a:graphicData>
-        </a:graphic>
-      </p:graphicFrame>
+        </p:nvPicPr>
+        <p:blipFill>
+          <a:blip r:embed="rId7">
+            <a:extLst>
+              <a:ext uri="{28A0092B-C50C-407E-A947-70E740481C1C}">
+                <a14:useLocalDpi xmlns:a14="http://schemas.microsoft.com/office/drawing/2010/main" val="0"/>
+              </a:ext>
+            </a:extLst>
+          </a:blip>
+          <a:stretch>
+            <a:fillRect/>
+          </a:stretch>
+        </p:blipFill>
+        <p:spPr>
+          <a:xfrm>
+            <a:off x="2350637" y="759889"/>
+            <a:ext cx="7490726" cy="6008675"/>
+          </a:xfrm>
+          <a:prstGeom prst="rect">
+            <a:avLst/>
+          </a:prstGeom>
+        </p:spPr>
+      </p:pic>
     </p:spTree>
     <p:extLst>
       <p:ext uri="{BB962C8B-B14F-4D97-AF65-F5344CB8AC3E}">
-        <p14:creationId xmlns:p14="http://schemas.microsoft.com/office/powerpoint/2010/main" val="3637588868"/>
+        <p14:creationId xmlns:p14="http://schemas.microsoft.com/office/powerpoint/2010/main" val="1478863966"/>
       </p:ext>
     </p:extLst>
   </p:cSld>
@@ -11351,8 +10471,8 @@
         </p:nvSpPr>
         <p:spPr>
           <a:xfrm>
-            <a:off x="1699259" y="187683"/>
-            <a:ext cx="8793481" cy="1323439"/>
+            <a:off x="1699259" y="345653"/>
+            <a:ext cx="8793481" cy="707886"/>
           </a:xfrm>
           <a:prstGeom prst="rect">
             <a:avLst/>
@@ -11371,7 +10491,7 @@
                 <a:latin typeface="Verdana" panose="020B0604030504040204" pitchFamily="34" charset="0"/>
                 <a:ea typeface="Verdana" panose="020B0604030504040204" pitchFamily="34" charset="0"/>
               </a:rPr>
-              <a:t>REQUISITOS NÃO FUNCIONAIS</a:t>
+              <a:t>REQUISITOS FUNCIONAIS</a:t>
             </a:r>
           </a:p>
         </p:txBody>
@@ -11381,18 +10501,24 @@
           <p:cNvPr id="5" name="Tabela 4">
             <a:extLst>
               <a:ext uri="{FF2B5EF4-FFF2-40B4-BE49-F238E27FC236}">
-                <a16:creationId xmlns:a16="http://schemas.microsoft.com/office/drawing/2014/main" id="{D025AE69-028D-24E1-9A9C-79FF460576BA}"/>
+                <a16:creationId xmlns:a16="http://schemas.microsoft.com/office/drawing/2014/main" id="{F08A4F17-63A4-F53D-F68A-2024C8B02E97}"/>
               </a:ext>
             </a:extLst>
           </p:cNvPr>
           <p:cNvGraphicFramePr>
             <a:graphicFrameLocks noGrp="1"/>
           </p:cNvGraphicFramePr>
-          <p:nvPr/>
+          <p:nvPr>
+            <p:extLst>
+              <p:ext uri="{D42A27DB-BD31-4B8C-83A1-F6EECF244321}">
+                <p14:modId xmlns:p14="http://schemas.microsoft.com/office/powerpoint/2010/main" val="1969147586"/>
+              </p:ext>
+            </p:extLst>
+          </p:nvPr>
         </p:nvGraphicFramePr>
         <p:xfrm>
-          <a:off x="505326" y="1511121"/>
-          <a:ext cx="11238423" cy="4413015"/>
+          <a:off x="421105" y="1359568"/>
+          <a:ext cx="11255968" cy="4772493"/>
         </p:xfrm>
         <a:graphic>
           <a:graphicData uri="http://schemas.openxmlformats.org/drawingml/2006/table">
@@ -11401,51 +10527,51 @@
                 <a:tableStyleId>{5C22544A-7EE6-4342-B048-85BDC9FD1C3A}</a:tableStyleId>
               </a:tblPr>
               <a:tblGrid>
-                <a:gridCol w="707386">
+                <a:gridCol w="763939">
                   <a:extLst>
                     <a:ext uri="{9D8B030D-6E8A-4147-A177-3AD203B41FA5}">
-                      <a16:colId xmlns:a16="http://schemas.microsoft.com/office/drawing/2014/main" val="3969275079"/>
+                      <a16:colId xmlns:a16="http://schemas.microsoft.com/office/drawing/2014/main" val="1761238702"/>
                     </a:ext>
                   </a:extLst>
                 </a:gridCol>
-                <a:gridCol w="1289939">
+                <a:gridCol w="1127719">
                   <a:extLst>
                     <a:ext uri="{9D8B030D-6E8A-4147-A177-3AD203B41FA5}">
-                      <a16:colId xmlns:a16="http://schemas.microsoft.com/office/drawing/2014/main" val="3163299828"/>
+                      <a16:colId xmlns:a16="http://schemas.microsoft.com/office/drawing/2014/main" val="3359710941"/>
                     </a:ext>
                   </a:extLst>
                 </a:gridCol>
-                <a:gridCol w="1113094">
+                <a:gridCol w="1151971">
                   <a:extLst>
                     <a:ext uri="{9D8B030D-6E8A-4147-A177-3AD203B41FA5}">
-                      <a16:colId xmlns:a16="http://schemas.microsoft.com/office/drawing/2014/main" val="2540634"/>
+                      <a16:colId xmlns:a16="http://schemas.microsoft.com/office/drawing/2014/main" val="1407383824"/>
                     </a:ext>
                   </a:extLst>
                 </a:gridCol>
-                <a:gridCol w="7198693">
+                <a:gridCol w="7412023">
                   <a:extLst>
                     <a:ext uri="{9D8B030D-6E8A-4147-A177-3AD203B41FA5}">
-                      <a16:colId xmlns:a16="http://schemas.microsoft.com/office/drawing/2014/main" val="38633612"/>
+                      <a16:colId xmlns:a16="http://schemas.microsoft.com/office/drawing/2014/main" val="757422007"/>
                     </a:ext>
                   </a:extLst>
                 </a:gridCol>
-                <a:gridCol w="929311">
+                <a:gridCol w="800316">
                   <a:extLst>
                     <a:ext uri="{9D8B030D-6E8A-4147-A177-3AD203B41FA5}">
-                      <a16:colId xmlns:a16="http://schemas.microsoft.com/office/drawing/2014/main" val="1765591494"/>
+                      <a16:colId xmlns:a16="http://schemas.microsoft.com/office/drawing/2014/main" val="3766307663"/>
                     </a:ext>
                   </a:extLst>
                 </a:gridCol>
               </a:tblGrid>
-              <a:tr h="490335">
+              <a:tr h="530277">
                 <a:tc>
                   <a:txBody>
                     <a:bodyPr/>
                     <a:lstStyle/>
                     <a:p>
-                      <a:pPr algn="l" fontAlgn="ctr"/>
+                      <a:pPr algn="ctr" fontAlgn="ctr"/>
                       <a:r>
-                        <a:rPr lang="pt-BR" sz="1200" u="none" strike="noStrike">
+                        <a:rPr lang="pt-BR" sz="1200" b="1" u="none" strike="noStrike">
                           <a:effectLst/>
                         </a:rPr>
                         <a:t>Código</a:t>
@@ -11459,7 +10585,7 @@
                       </a:endParaRPr>
                     </a:p>
                   </a:txBody>
-                  <a:tcPr marL="9525" marR="9525" marT="9525" marB="0" anchor="ctr"/>
+                  <a:tcPr marL="8499" marR="8499" marT="8499" marB="0" anchor="ctr"/>
                 </a:tc>
                 <a:tc>
                   <a:txBody>
@@ -11468,7 +10594,7 @@
                     <a:p>
                       <a:pPr algn="ctr" fontAlgn="ctr"/>
                       <a:r>
-                        <a:rPr lang="pt-BR" sz="1200" u="none" strike="noStrike">
+                        <a:rPr lang="pt-BR" sz="1200" b="1" u="none" strike="noStrike">
                           <a:effectLst/>
                         </a:rPr>
                         <a:t>Classificação</a:t>
@@ -11482,7 +10608,7 @@
                       </a:endParaRPr>
                     </a:p>
                   </a:txBody>
-                  <a:tcPr marL="9525" marR="9525" marT="9525" marB="0" anchor="ctr"/>
+                  <a:tcPr marL="8499" marR="8499" marT="8499" marB="0" anchor="ctr"/>
                 </a:tc>
                 <a:tc>
                   <a:txBody>
@@ -11491,7 +10617,7 @@
                     <a:p>
                       <a:pPr algn="ctr" fontAlgn="ctr"/>
                       <a:r>
-                        <a:rPr lang="pt-BR" sz="1200" u="none" strike="noStrike">
+                        <a:rPr lang="pt-BR" sz="1200" b="1" u="none" strike="noStrike">
                           <a:effectLst/>
                         </a:rPr>
                         <a:t>Tipo</a:t>
@@ -11505,7 +10631,7 @@
                       </a:endParaRPr>
                     </a:p>
                   </a:txBody>
-                  <a:tcPr marL="9525" marR="9525" marT="9525" marB="0" anchor="ctr"/>
+                  <a:tcPr marL="8499" marR="8499" marT="8499" marB="0" anchor="ctr"/>
                 </a:tc>
                 <a:tc>
                   <a:txBody>
@@ -11514,12 +10640,12 @@
                     <a:p>
                       <a:pPr algn="ctr" fontAlgn="ctr"/>
                       <a:r>
-                        <a:rPr lang="pt-BR" sz="1200" u="none" strike="noStrike">
+                        <a:rPr lang="pt-BR" sz="1200" b="1" u="none" strike="noStrike" dirty="0">
                           <a:effectLst/>
                         </a:rPr>
                         <a:t>Descrição</a:t>
                       </a:r>
-                      <a:endParaRPr lang="pt-BR" sz="1200" b="1" i="0" u="none" strike="noStrike">
+                      <a:endParaRPr lang="pt-BR" sz="1200" b="1" i="0" u="none" strike="noStrike" dirty="0">
                         <a:solidFill>
                           <a:srgbClr val="FFFFFF"/>
                         </a:solidFill>
@@ -11528,7 +10654,7 @@
                       </a:endParaRPr>
                     </a:p>
                   </a:txBody>
-                  <a:tcPr marL="9525" marR="9525" marT="9525" marB="0" anchor="ctr"/>
+                  <a:tcPr marL="8499" marR="8499" marT="8499" marB="0" anchor="ctr"/>
                 </a:tc>
                 <a:tc>
                   <a:txBody>
@@ -11537,12 +10663,12 @@
                     <a:p>
                       <a:pPr algn="ctr" fontAlgn="ctr"/>
                       <a:r>
-                        <a:rPr lang="pt-BR" sz="1200" u="none" strike="noStrike">
+                        <a:rPr lang="pt-BR" sz="1200" b="1" u="none" strike="noStrike" dirty="0">
                           <a:effectLst/>
                         </a:rPr>
                         <a:t>Prioridade</a:t>
                       </a:r>
-                      <a:endParaRPr lang="pt-BR" sz="1200" b="1" i="0" u="none" strike="noStrike">
+                      <a:endParaRPr lang="pt-BR" sz="1200" b="1" i="0" u="none" strike="noStrike" dirty="0">
                         <a:solidFill>
                           <a:srgbClr val="FFFFFF"/>
                         </a:solidFill>
@@ -11551,28 +10677,28 @@
                       </a:endParaRPr>
                     </a:p>
                   </a:txBody>
-                  <a:tcPr marL="9525" marR="9525" marT="9525" marB="0" anchor="ctr"/>
+                  <a:tcPr marL="8499" marR="8499" marT="8499" marB="0" anchor="ctr"/>
                 </a:tc>
                 <a:extLst>
                   <a:ext uri="{0D108BD9-81ED-4DB2-BD59-A6C34878D82A}">
-                    <a16:rowId xmlns:a16="http://schemas.microsoft.com/office/drawing/2014/main" val="1678927528"/>
+                    <a16:rowId xmlns:a16="http://schemas.microsoft.com/office/drawing/2014/main" val="3539097881"/>
                   </a:ext>
                 </a:extLst>
               </a:tr>
-              <a:tr h="490335">
+              <a:tr h="530277">
                 <a:tc>
                   <a:txBody>
                     <a:bodyPr/>
                     <a:lstStyle/>
                     <a:p>
-                      <a:pPr algn="l" fontAlgn="b"/>
+                      <a:pPr algn="ctr" fontAlgn="b"/>
                       <a:r>
-                        <a:rPr lang="pt-BR" sz="1200" u="none" strike="noStrike">
+                        <a:rPr lang="pt-BR" sz="1200" u="none" strike="noStrike" dirty="0">
                           <a:effectLst/>
                         </a:rPr>
-                        <a:t>RNF001</a:t>
+                        <a:t>RF001</a:t>
                       </a:r>
-                      <a:endParaRPr lang="pt-BR" sz="1200" b="0" i="0" u="none" strike="noStrike">
+                      <a:endParaRPr lang="pt-BR" sz="1200" b="0" i="0" u="none" strike="noStrike" dirty="0">
                         <a:solidFill>
                           <a:srgbClr val="000000"/>
                         </a:solidFill>
@@ -11581,14 +10707,14 @@
                       </a:endParaRPr>
                     </a:p>
                   </a:txBody>
-                  <a:tcPr marL="9525" marR="9525" marT="9525" marB="0" anchor="b"/>
+                  <a:tcPr marL="8499" marR="8499" marT="8499" marB="0" anchor="ctr"/>
                 </a:tc>
                 <a:tc>
                   <a:txBody>
                     <a:bodyPr/>
                     <a:lstStyle/>
                     <a:p>
-                      <a:pPr algn="ctr" fontAlgn="b"/>
+                      <a:pPr algn="ctr" fontAlgn="ctr"/>
                       <a:r>
                         <a:rPr lang="pt-BR" sz="1200" u="none" strike="noStrike">
                           <a:effectLst/>
@@ -11604,7 +10730,7 @@
                       </a:endParaRPr>
                     </a:p>
                   </a:txBody>
-                  <a:tcPr marL="9525" marR="9525" marT="9525" marB="0" anchor="b"/>
+                  <a:tcPr marL="8499" marR="8499" marT="8499" marB="0" anchor="ctr"/>
                 </a:tc>
                 <a:tc>
                   <a:txBody>
@@ -11616,7 +10742,7 @@
                         <a:rPr lang="pt-BR" sz="1200" u="none" strike="noStrike">
                           <a:effectLst/>
                         </a:rPr>
-                        <a:t>Plataforma</a:t>
+                        <a:t>Autenticação</a:t>
                       </a:r>
                       <a:endParaRPr lang="pt-BR" sz="1200" b="0" i="0" u="none" strike="noStrike">
                         <a:solidFill>
@@ -11627,19 +10753,19 @@
                       </a:endParaRPr>
                     </a:p>
                   </a:txBody>
-                  <a:tcPr marL="9525" marR="9525" marT="9525" marB="0" anchor="ctr"/>
+                  <a:tcPr marL="8499" marR="8499" marT="8499" marB="0" anchor="ctr"/>
                 </a:tc>
                 <a:tc>
                   <a:txBody>
                     <a:bodyPr/>
                     <a:lstStyle/>
                     <a:p>
-                      <a:pPr algn="l" fontAlgn="ctr"/>
+                      <a:pPr algn="ctr" fontAlgn="ctr"/>
                       <a:r>
                         <a:rPr lang="pt-BR" sz="1200" u="none" strike="noStrike">
                           <a:effectLst/>
                         </a:rPr>
-                        <a:t>O sistema deve ser um aplicativo desktop desenvolvido em Python com Tkinter.</a:t>
+                        <a:t>O sistema deve permitir login com usuário e senha.</a:t>
                       </a:r>
                       <a:endParaRPr lang="pt-BR" sz="1200" b="0" i="0" u="none" strike="noStrike">
                         <a:solidFill>
@@ -11650,7 +10776,7 @@
                       </a:endParaRPr>
                     </a:p>
                   </a:txBody>
-                  <a:tcPr marL="9525" marR="9525" marT="9525" marB="0" anchor="ctr"/>
+                  <a:tcPr marL="8499" marR="8499" marT="8499" marB="0" anchor="ctr"/>
                 </a:tc>
                 <a:tc>
                   <a:txBody>
@@ -11673,26 +10799,26 @@
                       </a:endParaRPr>
                     </a:p>
                   </a:txBody>
-                  <a:tcPr marL="9525" marR="9525" marT="9525" marB="0" anchor="ctr"/>
+                  <a:tcPr marL="8499" marR="8499" marT="8499" marB="0" anchor="ctr"/>
                 </a:tc>
                 <a:extLst>
                   <a:ext uri="{0D108BD9-81ED-4DB2-BD59-A6C34878D82A}">
-                    <a16:rowId xmlns:a16="http://schemas.microsoft.com/office/drawing/2014/main" val="2247205298"/>
+                    <a16:rowId xmlns:a16="http://schemas.microsoft.com/office/drawing/2014/main" val="3821683565"/>
                   </a:ext>
                 </a:extLst>
               </a:tr>
-              <a:tr h="490335">
+              <a:tr h="530277">
                 <a:tc>
                   <a:txBody>
                     <a:bodyPr/>
                     <a:lstStyle/>
                     <a:p>
-                      <a:pPr algn="l" fontAlgn="b"/>
+                      <a:pPr algn="ctr" fontAlgn="b"/>
                       <a:r>
                         <a:rPr lang="pt-BR" sz="1200" u="none" strike="noStrike">
                           <a:effectLst/>
                         </a:rPr>
-                        <a:t>RNF002</a:t>
+                        <a:t>RF002</a:t>
                       </a:r>
                       <a:endParaRPr lang="pt-BR" sz="1200" b="0" i="0" u="none" strike="noStrike">
                         <a:solidFill>
@@ -11703,14 +10829,14 @@
                       </a:endParaRPr>
                     </a:p>
                   </a:txBody>
-                  <a:tcPr marL="9525" marR="9525" marT="9525" marB="0" anchor="b"/>
+                  <a:tcPr marL="8499" marR="8499" marT="8499" marB="0" anchor="ctr"/>
                 </a:tc>
                 <a:tc>
                   <a:txBody>
                     <a:bodyPr/>
                     <a:lstStyle/>
                     <a:p>
-                      <a:pPr algn="ctr" fontAlgn="b"/>
+                      <a:pPr algn="ctr" fontAlgn="ctr"/>
                       <a:r>
                         <a:rPr lang="pt-BR" sz="1200" u="none" strike="noStrike">
                           <a:effectLst/>
@@ -11726,7 +10852,7 @@
                       </a:endParaRPr>
                     </a:p>
                   </a:txBody>
-                  <a:tcPr marL="9525" marR="9525" marT="9525" marB="0" anchor="b"/>
+                  <a:tcPr marL="8499" marR="8499" marT="8499" marB="0" anchor="ctr"/>
                 </a:tc>
                 <a:tc>
                   <a:txBody>
@@ -11738,7 +10864,7 @@
                         <a:rPr lang="pt-BR" sz="1200" u="none" strike="noStrike">
                           <a:effectLst/>
                         </a:rPr>
-                        <a:t>Segurança</a:t>
+                        <a:t>Controle de acesso</a:t>
                       </a:r>
                       <a:endParaRPr lang="pt-BR" sz="1200" b="0" i="0" u="none" strike="noStrike">
                         <a:solidFill>
@@ -11749,21 +10875,21 @@
                       </a:endParaRPr>
                     </a:p>
                   </a:txBody>
-                  <a:tcPr marL="9525" marR="9525" marT="9525" marB="0" anchor="ctr"/>
+                  <a:tcPr marL="8499" marR="8499" marT="8499" marB="0" anchor="ctr"/>
                 </a:tc>
                 <a:tc>
                   <a:txBody>
                     <a:bodyPr/>
                     <a:lstStyle/>
                     <a:p>
-                      <a:pPr algn="l" fontAlgn="ctr"/>
+                      <a:pPr algn="ctr" fontAlgn="ctr"/>
                       <a:r>
-                        <a:rPr lang="pt-BR" sz="1200" u="none" strike="noStrike">
+                        <a:rPr lang="pt-BR" sz="1200" u="none" strike="noStrike" dirty="0">
                           <a:effectLst/>
                         </a:rPr>
-                        <a:t>A autenticação será local, com senhas armazenadas com segurança</a:t>
+                        <a:t>O sistema deve identificar o tipo de usuário (Funcionário ou Administrador).</a:t>
                       </a:r>
-                      <a:endParaRPr lang="pt-BR" sz="1200" b="0" i="0" u="none" strike="noStrike">
+                      <a:endParaRPr lang="pt-BR" sz="1200" b="0" i="0" u="none" strike="noStrike" dirty="0">
                         <a:solidFill>
                           <a:srgbClr val="000000"/>
                         </a:solidFill>
@@ -11772,7 +10898,7 @@
                       </a:endParaRPr>
                     </a:p>
                   </a:txBody>
-                  <a:tcPr marL="9525" marR="9525" marT="9525" marB="0" anchor="ctr"/>
+                  <a:tcPr marL="8499" marR="8499" marT="8499" marB="0" anchor="ctr"/>
                 </a:tc>
                 <a:tc>
                   <a:txBody>
@@ -11795,26 +10921,26 @@
                       </a:endParaRPr>
                     </a:p>
                   </a:txBody>
-                  <a:tcPr marL="9525" marR="9525" marT="9525" marB="0" anchor="ctr"/>
+                  <a:tcPr marL="8499" marR="8499" marT="8499" marB="0" anchor="ctr"/>
                 </a:tc>
                 <a:extLst>
                   <a:ext uri="{0D108BD9-81ED-4DB2-BD59-A6C34878D82A}">
-                    <a16:rowId xmlns:a16="http://schemas.microsoft.com/office/drawing/2014/main" val="2586229560"/>
+                    <a16:rowId xmlns:a16="http://schemas.microsoft.com/office/drawing/2014/main" val="1178623409"/>
                   </a:ext>
                 </a:extLst>
               </a:tr>
-              <a:tr h="490335">
+              <a:tr h="530277">
                 <a:tc>
                   <a:txBody>
                     <a:bodyPr/>
                     <a:lstStyle/>
                     <a:p>
-                      <a:pPr algn="l" fontAlgn="b"/>
+                      <a:pPr algn="ctr" fontAlgn="b"/>
                       <a:r>
                         <a:rPr lang="pt-BR" sz="1200" u="none" strike="noStrike">
                           <a:effectLst/>
                         </a:rPr>
-                        <a:t>RNF003</a:t>
+                        <a:t>RF004</a:t>
                       </a:r>
                       <a:endParaRPr lang="pt-BR" sz="1200" b="0" i="0" u="none" strike="noStrike">
                         <a:solidFill>
@@ -11825,14 +10951,14 @@
                       </a:endParaRPr>
                     </a:p>
                   </a:txBody>
-                  <a:tcPr marL="9525" marR="9525" marT="9525" marB="0" anchor="b"/>
+                  <a:tcPr marL="8499" marR="8499" marT="8499" marB="0" anchor="ctr"/>
                 </a:tc>
                 <a:tc>
                   <a:txBody>
                     <a:bodyPr/>
                     <a:lstStyle/>
                     <a:p>
-                      <a:pPr algn="ctr" fontAlgn="b"/>
+                      <a:pPr algn="ctr" fontAlgn="ctr"/>
                       <a:r>
                         <a:rPr lang="pt-BR" sz="1200" u="none" strike="noStrike">
                           <a:effectLst/>
@@ -11848,7 +10974,7 @@
                       </a:endParaRPr>
                     </a:p>
                   </a:txBody>
-                  <a:tcPr marL="9525" marR="9525" marT="9525" marB="0" anchor="b"/>
+                  <a:tcPr marL="8499" marR="8499" marT="8499" marB="0" anchor="ctr"/>
                 </a:tc>
                 <a:tc>
                   <a:txBody>
@@ -11860,7 +10986,7 @@
                         <a:rPr lang="pt-BR" sz="1200" u="none" strike="noStrike">
                           <a:effectLst/>
                         </a:rPr>
-                        <a:t>Portabilidade</a:t>
+                        <a:t>Cadastro</a:t>
                       </a:r>
                       <a:endParaRPr lang="pt-BR" sz="1200" b="0" i="0" u="none" strike="noStrike">
                         <a:solidFill>
@@ -11871,19 +10997,19 @@
                       </a:endParaRPr>
                     </a:p>
                   </a:txBody>
-                  <a:tcPr marL="9525" marR="9525" marT="9525" marB="0" anchor="ctr"/>
+                  <a:tcPr marL="8499" marR="8499" marT="8499" marB="0" anchor="ctr"/>
                 </a:tc>
                 <a:tc>
                   <a:txBody>
                     <a:bodyPr/>
                     <a:lstStyle/>
                     <a:p>
-                      <a:pPr algn="l" fontAlgn="ctr"/>
+                      <a:pPr algn="ctr" fontAlgn="ctr"/>
                       <a:r>
                         <a:rPr lang="pt-BR" sz="1200" u="none" strike="noStrike">
                           <a:effectLst/>
                         </a:rPr>
-                        <a:t>O sistema deve funcionar no Windows. Compatibilidade futura com Linux é desejável.</a:t>
+                        <a:t>O administrador deve poder cadastrar novos usuários</a:t>
                       </a:r>
                       <a:endParaRPr lang="pt-BR" sz="1200" b="0" i="0" u="none" strike="noStrike">
                         <a:solidFill>
@@ -11894,7 +11020,7 @@
                       </a:endParaRPr>
                     </a:p>
                   </a:txBody>
-                  <a:tcPr marL="9525" marR="9525" marT="9525" marB="0" anchor="ctr"/>
+                  <a:tcPr marL="8499" marR="8499" marT="8499" marB="0" anchor="ctr"/>
                 </a:tc>
                 <a:tc>
                   <a:txBody>
@@ -11917,26 +11043,26 @@
                       </a:endParaRPr>
                     </a:p>
                   </a:txBody>
-                  <a:tcPr marL="9525" marR="9525" marT="9525" marB="0" anchor="ctr"/>
+                  <a:tcPr marL="8499" marR="8499" marT="8499" marB="0" anchor="ctr"/>
                 </a:tc>
                 <a:extLst>
                   <a:ext uri="{0D108BD9-81ED-4DB2-BD59-A6C34878D82A}">
-                    <a16:rowId xmlns:a16="http://schemas.microsoft.com/office/drawing/2014/main" val="1366126204"/>
+                    <a16:rowId xmlns:a16="http://schemas.microsoft.com/office/drawing/2014/main" val="2301845556"/>
                   </a:ext>
                 </a:extLst>
               </a:tr>
-              <a:tr h="490335">
+              <a:tr h="530277">
                 <a:tc>
                   <a:txBody>
                     <a:bodyPr/>
                     <a:lstStyle/>
                     <a:p>
-                      <a:pPr algn="l" fontAlgn="b"/>
+                      <a:pPr algn="ctr" fontAlgn="b"/>
                       <a:r>
                         <a:rPr lang="pt-BR" sz="1200" u="none" strike="noStrike">
                           <a:effectLst/>
                         </a:rPr>
-                        <a:t>RNF004</a:t>
+                        <a:t>RF007</a:t>
                       </a:r>
                       <a:endParaRPr lang="pt-BR" sz="1200" b="0" i="0" u="none" strike="noStrike">
                         <a:solidFill>
@@ -11947,14 +11073,136 @@
                       </a:endParaRPr>
                     </a:p>
                   </a:txBody>
-                  <a:tcPr marL="9525" marR="9525" marT="9525" marB="0" anchor="b"/>
+                  <a:tcPr marL="8499" marR="8499" marT="8499" marB="0" anchor="ctr"/>
                 </a:tc>
                 <a:tc>
                   <a:txBody>
                     <a:bodyPr/>
                     <a:lstStyle/>
                     <a:p>
+                      <a:pPr algn="ctr" fontAlgn="ctr"/>
+                      <a:r>
+                        <a:rPr lang="pt-BR" sz="1200" u="none" strike="noStrike">
+                          <a:effectLst/>
+                        </a:rPr>
+                        <a:t>Desejável</a:t>
+                      </a:r>
+                      <a:endParaRPr lang="pt-BR" sz="1200" b="0" i="0" u="none" strike="noStrike">
+                        <a:solidFill>
+                          <a:srgbClr val="000000"/>
+                        </a:solidFill>
+                        <a:effectLst/>
+                        <a:latin typeface="Aptos Narrow" panose="020B0004020202020204" pitchFamily="34" charset="0"/>
+                      </a:endParaRPr>
+                    </a:p>
+                  </a:txBody>
+                  <a:tcPr marL="8499" marR="8499" marT="8499" marB="0" anchor="ctr"/>
+                </a:tc>
+                <a:tc>
+                  <a:txBody>
+                    <a:bodyPr/>
+                    <a:lstStyle/>
+                    <a:p>
+                      <a:pPr algn="ctr" fontAlgn="ctr"/>
+                      <a:r>
+                        <a:rPr lang="pt-BR" sz="1200" u="none" strike="noStrike">
+                          <a:effectLst/>
+                        </a:rPr>
+                        <a:t>Validação</a:t>
+                      </a:r>
+                      <a:endParaRPr lang="pt-BR" sz="1200" b="0" i="0" u="none" strike="noStrike">
+                        <a:solidFill>
+                          <a:srgbClr val="000000"/>
+                        </a:solidFill>
+                        <a:effectLst/>
+                        <a:latin typeface="Aptos Narrow" panose="020B0004020202020204" pitchFamily="34" charset="0"/>
+                      </a:endParaRPr>
+                    </a:p>
+                  </a:txBody>
+                  <a:tcPr marL="8499" marR="8499" marT="8499" marB="0" anchor="ctr"/>
+                </a:tc>
+                <a:tc>
+                  <a:txBody>
+                    <a:bodyPr/>
+                    <a:lstStyle/>
+                    <a:p>
+                      <a:pPr algn="ctr" fontAlgn="ctr"/>
+                      <a:r>
+                        <a:rPr lang="pt-BR" sz="1200" u="none" strike="noStrike">
+                          <a:effectLst/>
+                        </a:rPr>
+                        <a:t>O sistema deve validar se o login é único antes do cadastro.</a:t>
+                      </a:r>
+                      <a:endParaRPr lang="pt-BR" sz="1200" b="0" i="0" u="none" strike="noStrike">
+                        <a:solidFill>
+                          <a:srgbClr val="000000"/>
+                        </a:solidFill>
+                        <a:effectLst/>
+                        <a:latin typeface="Aptos Narrow" panose="020B0004020202020204" pitchFamily="34" charset="0"/>
+                      </a:endParaRPr>
+                    </a:p>
+                  </a:txBody>
+                  <a:tcPr marL="8499" marR="8499" marT="8499" marB="0" anchor="ctr"/>
+                </a:tc>
+                <a:tc>
+                  <a:txBody>
+                    <a:bodyPr/>
+                    <a:lstStyle/>
+                    <a:p>
+                      <a:pPr algn="ctr" fontAlgn="ctr"/>
+                      <a:r>
+                        <a:rPr lang="pt-BR" sz="1200" u="none" strike="noStrike">
+                          <a:effectLst/>
+                        </a:rPr>
+                        <a:t>Média</a:t>
+                      </a:r>
+                      <a:endParaRPr lang="pt-BR" sz="1200" b="0" i="0" u="none" strike="noStrike">
+                        <a:solidFill>
+                          <a:srgbClr val="000000"/>
+                        </a:solidFill>
+                        <a:effectLst/>
+                        <a:latin typeface="Aptos Narrow" panose="020B0004020202020204" pitchFamily="34" charset="0"/>
+                      </a:endParaRPr>
+                    </a:p>
+                  </a:txBody>
+                  <a:tcPr marL="8499" marR="8499" marT="8499" marB="0" anchor="ctr"/>
+                </a:tc>
+                <a:extLst>
+                  <a:ext uri="{0D108BD9-81ED-4DB2-BD59-A6C34878D82A}">
+                    <a16:rowId xmlns:a16="http://schemas.microsoft.com/office/drawing/2014/main" val="2075528856"/>
+                  </a:ext>
+                </a:extLst>
+              </a:tr>
+              <a:tr h="530277">
+                <a:tc>
+                  <a:txBody>
+                    <a:bodyPr/>
+                    <a:lstStyle/>
+                    <a:p>
                       <a:pPr algn="ctr" fontAlgn="b"/>
+                      <a:r>
+                        <a:rPr lang="pt-BR" sz="1200" u="none" strike="noStrike">
+                          <a:effectLst/>
+                        </a:rPr>
+                        <a:t>RF010</a:t>
+                      </a:r>
+                      <a:endParaRPr lang="pt-BR" sz="1200" b="0" i="0" u="none" strike="noStrike">
+                        <a:solidFill>
+                          <a:srgbClr val="000000"/>
+                        </a:solidFill>
+                        <a:effectLst/>
+                        <a:latin typeface="Aptos Narrow" panose="020B0004020202020204" pitchFamily="34" charset="0"/>
+                      </a:endParaRPr>
+                    </a:p>
+                  </a:txBody>
+                  <a:tcPr marL="8499" marR="8499" marT="8499" marB="0" anchor="ctr"/>
+                </a:tc>
+                <a:tc>
+                  <a:txBody>
+                    <a:bodyPr/>
+                    <a:lstStyle/>
+                    <a:p>
+                      <a:pPr algn="ctr" fontAlgn="ctr"/>
                       <a:r>
                         <a:rPr lang="pt-BR" sz="1200" u="none" strike="noStrike">
                           <a:effectLst/>
@@ -11970,7 +11218,7 @@
                       </a:endParaRPr>
                     </a:p>
                   </a:txBody>
-                  <a:tcPr marL="9525" marR="9525" marT="9525" marB="0" anchor="b"/>
+                  <a:tcPr marL="8499" marR="8499" marT="8499" marB="0" anchor="ctr"/>
                 </a:tc>
                 <a:tc>
                   <a:txBody>
@@ -11982,7 +11230,7 @@
                         <a:rPr lang="pt-BR" sz="1200" u="none" strike="noStrike">
                           <a:effectLst/>
                         </a:rPr>
-                        <a:t>Desempenho</a:t>
+                        <a:t>Visualização</a:t>
                       </a:r>
                       <a:endParaRPr lang="pt-BR" sz="1200" b="0" i="0" u="none" strike="noStrike">
                         <a:solidFill>
@@ -11993,19 +11241,19 @@
                       </a:endParaRPr>
                     </a:p>
                   </a:txBody>
-                  <a:tcPr marL="9525" marR="9525" marT="9525" marB="0" anchor="ctr"/>
+                  <a:tcPr marL="8499" marR="8499" marT="8499" marB="0" anchor="ctr"/>
                 </a:tc>
                 <a:tc>
                   <a:txBody>
                     <a:bodyPr/>
                     <a:lstStyle/>
                     <a:p>
-                      <a:pPr algn="l" fontAlgn="ctr"/>
+                      <a:pPr algn="ctr" fontAlgn="ctr"/>
                       <a:r>
                         <a:rPr lang="pt-BR" sz="1200" u="none" strike="noStrike">
                           <a:effectLst/>
                         </a:rPr>
-                        <a:t>Tempo de resposta para operações comuns (login, movimentação, cadastro) deve ser inferior a 2 segundos.</a:t>
+                        <a:t>Funcionários devem visualizar todos os produtos e seus dados.</a:t>
                       </a:r>
                       <a:endParaRPr lang="pt-BR" sz="1200" b="0" i="0" u="none" strike="noStrike">
                         <a:solidFill>
@@ -12016,7 +11264,7 @@
                       </a:endParaRPr>
                     </a:p>
                   </a:txBody>
-                  <a:tcPr marL="9525" marR="9525" marT="9525" marB="0" anchor="ctr"/>
+                  <a:tcPr marL="8499" marR="8499" marT="8499" marB="0" anchor="ctr"/>
                 </a:tc>
                 <a:tc>
                   <a:txBody>
@@ -12039,26 +11287,26 @@
                       </a:endParaRPr>
                     </a:p>
                   </a:txBody>
-                  <a:tcPr marL="9525" marR="9525" marT="9525" marB="0" anchor="ctr"/>
+                  <a:tcPr marL="8499" marR="8499" marT="8499" marB="0" anchor="ctr"/>
                 </a:tc>
                 <a:extLst>
                   <a:ext uri="{0D108BD9-81ED-4DB2-BD59-A6C34878D82A}">
-                    <a16:rowId xmlns:a16="http://schemas.microsoft.com/office/drawing/2014/main" val="971245752"/>
+                    <a16:rowId xmlns:a16="http://schemas.microsoft.com/office/drawing/2014/main" val="1256345927"/>
                   </a:ext>
                 </a:extLst>
               </a:tr>
-              <a:tr h="490335">
+              <a:tr h="530277">
                 <a:tc>
                   <a:txBody>
                     <a:bodyPr/>
                     <a:lstStyle/>
                     <a:p>
-                      <a:pPr algn="l" fontAlgn="b"/>
+                      <a:pPr algn="ctr" fontAlgn="b"/>
                       <a:r>
                         <a:rPr lang="pt-BR" sz="1200" u="none" strike="noStrike">
                           <a:effectLst/>
                         </a:rPr>
-                        <a:t>RNF005</a:t>
+                        <a:t>RF011</a:t>
                       </a:r>
                       <a:endParaRPr lang="pt-BR" sz="1200" b="0" i="0" u="none" strike="noStrike">
                         <a:solidFill>
@@ -12069,14 +11317,14 @@
                       </a:endParaRPr>
                     </a:p>
                   </a:txBody>
-                  <a:tcPr marL="9525" marR="9525" marT="9525" marB="0" anchor="b"/>
+                  <a:tcPr marL="8499" marR="8499" marT="8499" marB="0" anchor="ctr"/>
                 </a:tc>
                 <a:tc>
                   <a:txBody>
                     <a:bodyPr/>
                     <a:lstStyle/>
                     <a:p>
-                      <a:pPr algn="ctr" fontAlgn="b"/>
+                      <a:pPr algn="ctr" fontAlgn="ctr"/>
                       <a:r>
                         <a:rPr lang="pt-BR" sz="1200" u="none" strike="noStrike">
                           <a:effectLst/>
@@ -12092,7 +11340,30 @@
                       </a:endParaRPr>
                     </a:p>
                   </a:txBody>
-                  <a:tcPr marL="9525" marR="9525" marT="9525" marB="0" anchor="b"/>
+                  <a:tcPr marL="8499" marR="8499" marT="8499" marB="0" anchor="ctr"/>
+                </a:tc>
+                <a:tc>
+                  <a:txBody>
+                    <a:bodyPr/>
+                    <a:lstStyle/>
+                    <a:p>
+                      <a:pPr algn="ctr" fontAlgn="ctr"/>
+                      <a:r>
+                        <a:rPr lang="pt-BR" sz="1200" u="none" strike="noStrike">
+                          <a:effectLst/>
+                        </a:rPr>
+                        <a:t>Categorias</a:t>
+                      </a:r>
+                      <a:endParaRPr lang="pt-BR" sz="1200" b="0" i="0" u="none" strike="noStrike">
+                        <a:solidFill>
+                          <a:srgbClr val="000000"/>
+                        </a:solidFill>
+                        <a:effectLst/>
+                        <a:latin typeface="Aptos Narrow" panose="020B0004020202020204" pitchFamily="34" charset="0"/>
+                      </a:endParaRPr>
+                    </a:p>
+                  </a:txBody>
+                  <a:tcPr marL="8499" marR="8499" marT="8499" marB="0" anchor="ctr"/>
                 </a:tc>
                 <a:tc>
                   <a:txBody>
@@ -12104,7 +11375,7 @@
                         <a:rPr lang="pt-BR" sz="1200" u="none" strike="noStrike" dirty="0">
                           <a:effectLst/>
                         </a:rPr>
-                        <a:t>Integridade</a:t>
+                        <a:t>O produto deve conter categoria, modelo, fornecedor e quantidade.</a:t>
                       </a:r>
                       <a:endParaRPr lang="pt-BR" sz="1200" b="0" i="0" u="none" strike="noStrike" dirty="0">
                         <a:solidFill>
@@ -12115,54 +11386,7 @@
                       </a:endParaRPr>
                     </a:p>
                   </a:txBody>
-                  <a:tcPr marL="9525" marR="9525" marT="9525" marB="0" anchor="ctr"/>
-                </a:tc>
-                <a:tc>
-                  <a:txBody>
-                    <a:bodyPr/>
-                    <a:lstStyle/>
-                    <a:p>
-                      <a:pPr algn="l" fontAlgn="ctr"/>
-                      <a:r>
-                        <a:rPr lang="pt-BR" sz="1200" u="none" strike="noStrike" dirty="0">
-                          <a:effectLst/>
-                        </a:rPr>
-                        <a:t>O banco de dados local (</a:t>
-                      </a:r>
-                      <a:r>
-                        <a:rPr lang="pt-BR" sz="1200" u="none" strike="noStrike" dirty="0" err="1">
-                          <a:effectLst/>
-                        </a:rPr>
-                        <a:t>ex</a:t>
-                      </a:r>
-                      <a:r>
-                        <a:rPr lang="pt-BR" sz="1200" u="none" strike="noStrike" dirty="0">
-                          <a:effectLst/>
-                        </a:rPr>
-                        <a:t>: </a:t>
-                      </a:r>
-                      <a:r>
-                        <a:rPr lang="pt-BR" sz="1200" u="none" strike="noStrike" dirty="0" err="1">
-                          <a:effectLst/>
-                        </a:rPr>
-                        <a:t>SQLite</a:t>
-                      </a:r>
-                      <a:r>
-                        <a:rPr lang="pt-BR" sz="1200" u="none" strike="noStrike" dirty="0">
-                          <a:effectLst/>
-                        </a:rPr>
-                        <a:t>) deve garantir transações seguras e consistência de estoque.</a:t>
-                      </a:r>
-                      <a:endParaRPr lang="pt-BR" sz="1200" b="0" i="0" u="none" strike="noStrike" dirty="0">
-                        <a:solidFill>
-                          <a:srgbClr val="000000"/>
-                        </a:solidFill>
-                        <a:effectLst/>
-                        <a:latin typeface="Aptos Narrow" panose="020B0004020202020204" pitchFamily="34" charset="0"/>
-                      </a:endParaRPr>
-                    </a:p>
-                  </a:txBody>
-                  <a:tcPr marL="9525" marR="9525" marT="9525" marB="0" anchor="ctr"/>
+                  <a:tcPr marL="8499" marR="8499" marT="8499" marB="0" anchor="ctr"/>
                 </a:tc>
                 <a:tc>
                   <a:txBody>
@@ -12185,26 +11409,26 @@
                       </a:endParaRPr>
                     </a:p>
                   </a:txBody>
-                  <a:tcPr marL="9525" marR="9525" marT="9525" marB="0" anchor="ctr"/>
+                  <a:tcPr marL="8499" marR="8499" marT="8499" marB="0" anchor="ctr"/>
                 </a:tc>
                 <a:extLst>
                   <a:ext uri="{0D108BD9-81ED-4DB2-BD59-A6C34878D82A}">
-                    <a16:rowId xmlns:a16="http://schemas.microsoft.com/office/drawing/2014/main" val="3452293257"/>
+                    <a16:rowId xmlns:a16="http://schemas.microsoft.com/office/drawing/2014/main" val="2500624541"/>
                   </a:ext>
                 </a:extLst>
               </a:tr>
-              <a:tr h="490335">
+              <a:tr h="530277">
                 <a:tc>
                   <a:txBody>
                     <a:bodyPr/>
                     <a:lstStyle/>
                     <a:p>
-                      <a:pPr algn="l" fontAlgn="b"/>
+                      <a:pPr algn="ctr" fontAlgn="b"/>
                       <a:r>
                         <a:rPr lang="pt-BR" sz="1200" u="none" strike="noStrike">
                           <a:effectLst/>
                         </a:rPr>
-                        <a:t>RNF006</a:t>
+                        <a:t>RF013</a:t>
                       </a:r>
                       <a:endParaRPr lang="pt-BR" sz="1200" b="0" i="0" u="none" strike="noStrike">
                         <a:solidFill>
@@ -12215,14 +11439,14 @@
                       </a:endParaRPr>
                     </a:p>
                   </a:txBody>
-                  <a:tcPr marL="9525" marR="9525" marT="9525" marB="0" anchor="b"/>
+                  <a:tcPr marL="8499" marR="8499" marT="8499" marB="0" anchor="ctr"/>
                 </a:tc>
                 <a:tc>
                   <a:txBody>
                     <a:bodyPr/>
                     <a:lstStyle/>
                     <a:p>
-                      <a:pPr algn="ctr" fontAlgn="b"/>
+                      <a:pPr algn="ctr" fontAlgn="ctr"/>
                       <a:r>
                         <a:rPr lang="pt-BR" sz="1200" u="none" strike="noStrike">
                           <a:effectLst/>
@@ -12238,7 +11462,7 @@
                       </a:endParaRPr>
                     </a:p>
                   </a:txBody>
-                  <a:tcPr marL="9525" marR="9525" marT="9525" marB="0" anchor="b"/>
+                  <a:tcPr marL="8499" marR="8499" marT="8499" marB="0" anchor="ctr"/>
                 </a:tc>
                 <a:tc>
                   <a:txBody>
@@ -12250,7 +11474,7 @@
                         <a:rPr lang="pt-BR" sz="1200" u="none" strike="noStrike">
                           <a:effectLst/>
                         </a:rPr>
-                        <a:t>Disponibilidade</a:t>
+                        <a:t>Entrada</a:t>
                       </a:r>
                       <a:endParaRPr lang="pt-BR" sz="1200" b="0" i="0" u="none" strike="noStrike">
                         <a:solidFill>
@@ -12261,21 +11485,21 @@
                       </a:endParaRPr>
                     </a:p>
                   </a:txBody>
-                  <a:tcPr marL="9525" marR="9525" marT="9525" marB="0" anchor="ctr"/>
+                  <a:tcPr marL="8499" marR="8499" marT="8499" marB="0" anchor="ctr"/>
                 </a:tc>
                 <a:tc>
                   <a:txBody>
                     <a:bodyPr/>
                     <a:lstStyle/>
                     <a:p>
-                      <a:pPr algn="l" fontAlgn="ctr"/>
+                      <a:pPr algn="ctr" fontAlgn="ctr"/>
                       <a:r>
-                        <a:rPr lang="pt-BR" sz="1200" u="none" strike="noStrike" dirty="0">
+                        <a:rPr lang="pt-BR" sz="1200" u="none" strike="noStrike">
                           <a:effectLst/>
                         </a:rPr>
-                        <a:t>O sistema deve funcionar offline, sem necessidade de conexão com a internet.</a:t>
+                        <a:t>Funcionários devem registrar entrada de produtos (fornecedor → estoque).</a:t>
                       </a:r>
-                      <a:endParaRPr lang="pt-BR" sz="1200" b="0" i="0" u="none" strike="noStrike" dirty="0">
+                      <a:endParaRPr lang="pt-BR" sz="1200" b="0" i="0" u="none" strike="noStrike">
                         <a:solidFill>
                           <a:srgbClr val="000000"/>
                         </a:solidFill>
@@ -12284,7 +11508,7 @@
                       </a:endParaRPr>
                     </a:p>
                   </a:txBody>
-                  <a:tcPr marL="9525" marR="9525" marT="9525" marB="0" anchor="ctr"/>
+                  <a:tcPr marL="8499" marR="8499" marT="8499" marB="0" anchor="ctr"/>
                 </a:tc>
                 <a:tc>
                   <a:txBody>
@@ -12307,26 +11531,26 @@
                       </a:endParaRPr>
                     </a:p>
                   </a:txBody>
-                  <a:tcPr marL="9525" marR="9525" marT="9525" marB="0" anchor="ctr"/>
+                  <a:tcPr marL="8499" marR="8499" marT="8499" marB="0" anchor="ctr"/>
                 </a:tc>
                 <a:extLst>
                   <a:ext uri="{0D108BD9-81ED-4DB2-BD59-A6C34878D82A}">
-                    <a16:rowId xmlns:a16="http://schemas.microsoft.com/office/drawing/2014/main" val="175936665"/>
+                    <a16:rowId xmlns:a16="http://schemas.microsoft.com/office/drawing/2014/main" val="2292176312"/>
                   </a:ext>
                 </a:extLst>
               </a:tr>
-              <a:tr h="490335">
+              <a:tr h="530277">
                 <a:tc>
                   <a:txBody>
                     <a:bodyPr/>
                     <a:lstStyle/>
                     <a:p>
-                      <a:pPr algn="l" fontAlgn="b"/>
+                      <a:pPr algn="ctr" fontAlgn="b"/>
                       <a:r>
                         <a:rPr lang="pt-BR" sz="1200" u="none" strike="noStrike">
                           <a:effectLst/>
                         </a:rPr>
-                        <a:t>RNF007</a:t>
+                        <a:t>RF018</a:t>
                       </a:r>
                       <a:endParaRPr lang="pt-BR" sz="1200" b="0" i="0" u="none" strike="noStrike">
                         <a:solidFill>
@@ -12337,7 +11561,7 @@
                       </a:endParaRPr>
                     </a:p>
                   </a:txBody>
-                  <a:tcPr marL="9525" marR="9525" marT="9525" marB="0" anchor="b"/>
+                  <a:tcPr marL="8499" marR="8499" marT="8499" marB="0" anchor="ctr"/>
                 </a:tc>
                 <a:tc>
                   <a:txBody>
@@ -12349,7 +11573,7 @@
                         <a:rPr lang="pt-BR" sz="1200" u="none" strike="noStrike">
                           <a:effectLst/>
                         </a:rPr>
-                        <a:t>Desejável</a:t>
+                        <a:t>Essencial</a:t>
                       </a:r>
                       <a:endParaRPr lang="pt-BR" sz="1200" b="0" i="0" u="none" strike="noStrike">
                         <a:solidFill>
@@ -12360,7 +11584,7 @@
                       </a:endParaRPr>
                     </a:p>
                   </a:txBody>
-                  <a:tcPr marL="9525" marR="9525" marT="9525" marB="0" anchor="ctr"/>
+                  <a:tcPr marL="8499" marR="8499" marT="8499" marB="0" anchor="ctr"/>
                 </a:tc>
                 <a:tc>
                   <a:txBody>
@@ -12372,7 +11596,7 @@
                         <a:rPr lang="pt-BR" sz="1200" u="none" strike="noStrike">
                           <a:effectLst/>
                         </a:rPr>
-                        <a:t>Usabilidade</a:t>
+                        <a:t>Histórico</a:t>
                       </a:r>
                       <a:endParaRPr lang="pt-BR" sz="1200" b="0" i="0" u="none" strike="noStrike">
                         <a:solidFill>
@@ -12383,30 +11607,7 @@
                       </a:endParaRPr>
                     </a:p>
                   </a:txBody>
-                  <a:tcPr marL="9525" marR="9525" marT="9525" marB="0" anchor="ctr"/>
-                </a:tc>
-                <a:tc>
-                  <a:txBody>
-                    <a:bodyPr/>
-                    <a:lstStyle/>
-                    <a:p>
-                      <a:pPr algn="l" fontAlgn="ctr"/>
-                      <a:r>
-                        <a:rPr lang="pt-BR" sz="1200" u="none" strike="noStrike">
-                          <a:effectLst/>
-                        </a:rPr>
-                        <a:t>O sistema deve ser leve e funcionar bem em máquinas com 2GB de RAM e processadores dual-core.</a:t>
-                      </a:r>
-                      <a:endParaRPr lang="pt-BR" sz="1200" b="0" i="0" u="none" strike="noStrike">
-                        <a:solidFill>
-                          <a:srgbClr val="000000"/>
-                        </a:solidFill>
-                        <a:effectLst/>
-                        <a:latin typeface="Aptos Narrow" panose="020B0004020202020204" pitchFamily="34" charset="0"/>
-                      </a:endParaRPr>
-                    </a:p>
-                  </a:txBody>
-                  <a:tcPr marL="9525" marR="9525" marT="9525" marB="0" anchor="ctr"/>
+                  <a:tcPr marL="8499" marR="8499" marT="8499" marB="0" anchor="ctr"/>
                 </a:tc>
                 <a:tc>
                   <a:txBody>
@@ -12418,7 +11619,7 @@
                         <a:rPr lang="pt-BR" sz="1200" u="none" strike="noStrike">
                           <a:effectLst/>
                         </a:rPr>
-                        <a:t>Média</a:t>
+                        <a:t>As movimentações de saída devem ficar registradas nas vendas.</a:t>
                       </a:r>
                       <a:endParaRPr lang="pt-BR" sz="1200" b="0" i="0" u="none" strike="noStrike">
                         <a:solidFill>
@@ -12429,106 +11630,7 @@
                       </a:endParaRPr>
                     </a:p>
                   </a:txBody>
-                  <a:tcPr marL="9525" marR="9525" marT="9525" marB="0" anchor="ctr"/>
-                </a:tc>
-                <a:extLst>
-                  <a:ext uri="{0D108BD9-81ED-4DB2-BD59-A6C34878D82A}">
-                    <a16:rowId xmlns:a16="http://schemas.microsoft.com/office/drawing/2014/main" val="2646078678"/>
-                  </a:ext>
-                </a:extLst>
-              </a:tr>
-              <a:tr h="490335">
-                <a:tc>
-                  <a:txBody>
-                    <a:bodyPr/>
-                    <a:lstStyle/>
-                    <a:p>
-                      <a:pPr algn="l" fontAlgn="b"/>
-                      <a:r>
-                        <a:rPr lang="pt-BR" sz="1200" u="none" strike="noStrike">
-                          <a:effectLst/>
-                        </a:rPr>
-                        <a:t>RNF008</a:t>
-                      </a:r>
-                      <a:endParaRPr lang="pt-BR" sz="1200" b="0" i="0" u="none" strike="noStrike">
-                        <a:solidFill>
-                          <a:srgbClr val="000000"/>
-                        </a:solidFill>
-                        <a:effectLst/>
-                        <a:latin typeface="Aptos Narrow" panose="020B0004020202020204" pitchFamily="34" charset="0"/>
-                      </a:endParaRPr>
-                    </a:p>
-                  </a:txBody>
-                  <a:tcPr marL="9525" marR="9525" marT="9525" marB="0" anchor="b"/>
-                </a:tc>
-                <a:tc>
-                  <a:txBody>
-                    <a:bodyPr/>
-                    <a:lstStyle/>
-                    <a:p>
-                      <a:pPr algn="ctr" fontAlgn="ctr"/>
-                      <a:r>
-                        <a:rPr lang="pt-BR" sz="1200" u="none" strike="noStrike">
-                          <a:effectLst/>
-                        </a:rPr>
-                        <a:t>Desejável</a:t>
-                      </a:r>
-                      <a:endParaRPr lang="pt-BR" sz="1200" b="0" i="0" u="none" strike="noStrike">
-                        <a:solidFill>
-                          <a:srgbClr val="000000"/>
-                        </a:solidFill>
-                        <a:effectLst/>
-                        <a:latin typeface="Aptos Narrow" panose="020B0004020202020204" pitchFamily="34" charset="0"/>
-                      </a:endParaRPr>
-                    </a:p>
-                  </a:txBody>
-                  <a:tcPr marL="9525" marR="9525" marT="9525" marB="0" anchor="ctr"/>
-                </a:tc>
-                <a:tc>
-                  <a:txBody>
-                    <a:bodyPr/>
-                    <a:lstStyle/>
-                    <a:p>
-                      <a:pPr algn="ctr" fontAlgn="ctr"/>
-                      <a:r>
-                        <a:rPr lang="pt-BR" sz="1200" u="none" strike="noStrike">
-                          <a:effectLst/>
-                        </a:rPr>
-                        <a:t>Evolutividade</a:t>
-                      </a:r>
-                      <a:endParaRPr lang="pt-BR" sz="1200" b="0" i="0" u="none" strike="noStrike">
-                        <a:solidFill>
-                          <a:srgbClr val="000000"/>
-                        </a:solidFill>
-                        <a:effectLst/>
-                        <a:latin typeface="Aptos Narrow" panose="020B0004020202020204" pitchFamily="34" charset="0"/>
-                      </a:endParaRPr>
-                    </a:p>
-                  </a:txBody>
-                  <a:tcPr marL="9525" marR="9525" marT="9525" marB="0" anchor="ctr"/>
-                </a:tc>
-                <a:tc>
-                  <a:txBody>
-                    <a:bodyPr/>
-                    <a:lstStyle/>
-                    <a:p>
-                      <a:pPr algn="l" fontAlgn="ctr"/>
-                      <a:r>
-                        <a:rPr lang="pt-BR" sz="1200" u="none" strike="noStrike">
-                          <a:effectLst/>
-                        </a:rPr>
-                        <a:t>O sistema deve estar preparado para adição futura de filtros por data, exportação de relatórios e logs de ações.</a:t>
-                      </a:r>
-                      <a:endParaRPr lang="pt-BR" sz="1200" b="0" i="0" u="none" strike="noStrike">
-                        <a:solidFill>
-                          <a:srgbClr val="000000"/>
-                        </a:solidFill>
-                        <a:effectLst/>
-                        <a:latin typeface="Aptos Narrow" panose="020B0004020202020204" pitchFamily="34" charset="0"/>
-                      </a:endParaRPr>
-                    </a:p>
-                  </a:txBody>
-                  <a:tcPr marL="9525" marR="9525" marT="9525" marB="0" anchor="ctr"/>
+                  <a:tcPr marL="8499" marR="8499" marT="8499" marB="0" anchor="ctr"/>
                 </a:tc>
                 <a:tc>
                   <a:txBody>
@@ -12551,11 +11653,11 @@
                       </a:endParaRPr>
                     </a:p>
                   </a:txBody>
-                  <a:tcPr marL="9525" marR="9525" marT="9525" marB="0" anchor="ctr"/>
+                  <a:tcPr marL="8499" marR="8499" marT="8499" marB="0" anchor="ctr"/>
                 </a:tc>
                 <a:extLst>
                   <a:ext uri="{0D108BD9-81ED-4DB2-BD59-A6C34878D82A}">
-                    <a16:rowId xmlns:a16="http://schemas.microsoft.com/office/drawing/2014/main" val="3487331471"/>
+                    <a16:rowId xmlns:a16="http://schemas.microsoft.com/office/drawing/2014/main" val="4044622859"/>
                   </a:ext>
                 </a:extLst>
               </a:tr>
@@ -12566,7 +11668,7 @@
     </p:spTree>
     <p:extLst>
       <p:ext uri="{BB962C8B-B14F-4D97-AF65-F5344CB8AC3E}">
-        <p14:creationId xmlns:p14="http://schemas.microsoft.com/office/powerpoint/2010/main" val="406958711"/>
+        <p14:creationId xmlns:p14="http://schemas.microsoft.com/office/powerpoint/2010/main" val="3637588868"/>
       </p:ext>
     </p:extLst>
   </p:cSld>
@@ -12850,8 +11952,8 @@
         </p:nvSpPr>
         <p:spPr>
           <a:xfrm>
-            <a:off x="1699259" y="345653"/>
-            <a:ext cx="8793481" cy="707886"/>
+            <a:off x="1699259" y="187683"/>
+            <a:ext cx="8793481" cy="1323439"/>
           </a:xfrm>
           <a:prstGeom prst="rect">
             <a:avLst/>
@@ -12870,7 +11972,7 @@
                 <a:latin typeface="Verdana" panose="020B0604030504040204" pitchFamily="34" charset="0"/>
                 <a:ea typeface="Verdana" panose="020B0604030504040204" pitchFamily="34" charset="0"/>
               </a:rPr>
-              <a:t>REGRAS DE NEGÓCIO</a:t>
+              <a:t>REQUISITOS NÃO FUNCIONAIS</a:t>
             </a:r>
           </a:p>
         </p:txBody>
@@ -12880,18 +11982,24 @@
           <p:cNvPr id="5" name="Tabela 4">
             <a:extLst>
               <a:ext uri="{FF2B5EF4-FFF2-40B4-BE49-F238E27FC236}">
-                <a16:creationId xmlns:a16="http://schemas.microsoft.com/office/drawing/2014/main" id="{F13CF3F1-3390-D355-B5A5-C510FDA2FE9B}"/>
+                <a16:creationId xmlns:a16="http://schemas.microsoft.com/office/drawing/2014/main" id="{D025AE69-028D-24E1-9A9C-79FF460576BA}"/>
               </a:ext>
             </a:extLst>
           </p:cNvPr>
           <p:cNvGraphicFramePr>
             <a:graphicFrameLocks noGrp="1"/>
           </p:cNvGraphicFramePr>
-          <p:nvPr/>
+          <p:nvPr>
+            <p:extLst>
+              <p:ext uri="{D42A27DB-BD31-4B8C-83A1-F6EECF244321}">
+                <p14:modId xmlns:p14="http://schemas.microsoft.com/office/powerpoint/2010/main" val="864096938"/>
+              </p:ext>
+            </p:extLst>
+          </p:nvPr>
         </p:nvGraphicFramePr>
         <p:xfrm>
-          <a:off x="1901523" y="1200035"/>
-          <a:ext cx="8388951" cy="4932030"/>
+          <a:off x="505326" y="1511121"/>
+          <a:ext cx="11238423" cy="4413015"/>
         </p:xfrm>
         <a:graphic>
           <a:graphicData uri="http://schemas.openxmlformats.org/drawingml/2006/table">
@@ -12900,22 +12008,43 @@
                 <a:tableStyleId>{5C22544A-7EE6-4342-B048-85BDC9FD1C3A}</a:tableStyleId>
               </a:tblPr>
               <a:tblGrid>
-                <a:gridCol w="1938417">
+                <a:gridCol w="707386">
                   <a:extLst>
                     <a:ext uri="{9D8B030D-6E8A-4147-A177-3AD203B41FA5}">
-                      <a16:colId xmlns:a16="http://schemas.microsoft.com/office/drawing/2014/main" val="371570986"/>
+                      <a16:colId xmlns:a16="http://schemas.microsoft.com/office/drawing/2014/main" val="3969275079"/>
                     </a:ext>
                   </a:extLst>
                 </a:gridCol>
-                <a:gridCol w="6450534">
+                <a:gridCol w="1289939">
                   <a:extLst>
                     <a:ext uri="{9D8B030D-6E8A-4147-A177-3AD203B41FA5}">
-                      <a16:colId xmlns:a16="http://schemas.microsoft.com/office/drawing/2014/main" val="425338879"/>
+                      <a16:colId xmlns:a16="http://schemas.microsoft.com/office/drawing/2014/main" val="3163299828"/>
+                    </a:ext>
+                  </a:extLst>
+                </a:gridCol>
+                <a:gridCol w="1113094">
+                  <a:extLst>
+                    <a:ext uri="{9D8B030D-6E8A-4147-A177-3AD203B41FA5}">
+                      <a16:colId xmlns:a16="http://schemas.microsoft.com/office/drawing/2014/main" val="2540634"/>
+                    </a:ext>
+                  </a:extLst>
+                </a:gridCol>
+                <a:gridCol w="7198693">
+                  <a:extLst>
+                    <a:ext uri="{9D8B030D-6E8A-4147-A177-3AD203B41FA5}">
+                      <a16:colId xmlns:a16="http://schemas.microsoft.com/office/drawing/2014/main" val="38633612"/>
+                    </a:ext>
+                  </a:extLst>
+                </a:gridCol>
+                <a:gridCol w="929311">
+                  <a:extLst>
+                    <a:ext uri="{9D8B030D-6E8A-4147-A177-3AD203B41FA5}">
+                      <a16:colId xmlns:a16="http://schemas.microsoft.com/office/drawing/2014/main" val="1765591494"/>
                     </a:ext>
                   </a:extLst>
                 </a:gridCol>
               </a:tblGrid>
-              <a:tr h="356790">
+              <a:tr h="490335">
                 <a:tc>
                   <a:txBody>
                     <a:bodyPr/>
@@ -12923,12 +12052,12 @@
                     <a:p>
                       <a:pPr algn="ctr" fontAlgn="ctr"/>
                       <a:r>
-                        <a:rPr lang="pt-BR" sz="1400" u="none" strike="noStrike">
+                        <a:rPr lang="pt-BR" sz="1200" b="1" u="none" strike="noStrike" dirty="0">
                           <a:effectLst/>
                         </a:rPr>
-                        <a:t>Regra de negócio </a:t>
+                        <a:t>Código</a:t>
                       </a:r>
-                      <a:endParaRPr lang="pt-BR" sz="1400" b="1" i="0" u="none" strike="noStrike">
+                      <a:endParaRPr lang="pt-BR" sz="1200" b="1" i="0" u="none" strike="noStrike" dirty="0">
                         <a:solidFill>
                           <a:srgbClr val="FFFFFF"/>
                         </a:solidFill>
@@ -12944,14 +12073,83 @@
                     <a:bodyPr/>
                     <a:lstStyle/>
                     <a:p>
-                      <a:pPr algn="l" fontAlgn="ctr"/>
+                      <a:pPr algn="ctr" fontAlgn="ctr"/>
                       <a:r>
-                        <a:rPr lang="pt-BR" sz="1400" u="none" strike="noStrike">
+                        <a:rPr lang="pt-BR" sz="1200" b="1" u="none" strike="noStrike">
                           <a:effectLst/>
                         </a:rPr>
-                        <a:t>Descrição </a:t>
+                        <a:t>Classificação</a:t>
                       </a:r>
-                      <a:endParaRPr lang="pt-BR" sz="1400" b="1" i="0" u="none" strike="noStrike">
+                      <a:endParaRPr lang="pt-BR" sz="1200" b="1" i="0" u="none" strike="noStrike">
+                        <a:solidFill>
+                          <a:srgbClr val="FFFFFF"/>
+                        </a:solidFill>
+                        <a:effectLst/>
+                        <a:latin typeface="Aptos Narrow" panose="020B0004020202020204" pitchFamily="34" charset="0"/>
+                      </a:endParaRPr>
+                    </a:p>
+                  </a:txBody>
+                  <a:tcPr marL="9525" marR="9525" marT="9525" marB="0" anchor="ctr"/>
+                </a:tc>
+                <a:tc>
+                  <a:txBody>
+                    <a:bodyPr/>
+                    <a:lstStyle/>
+                    <a:p>
+                      <a:pPr algn="ctr" fontAlgn="ctr"/>
+                      <a:r>
+                        <a:rPr lang="pt-BR" sz="1200" b="1" u="none" strike="noStrike">
+                          <a:effectLst/>
+                        </a:rPr>
+                        <a:t>Tipo</a:t>
+                      </a:r>
+                      <a:endParaRPr lang="pt-BR" sz="1200" b="1" i="0" u="none" strike="noStrike">
+                        <a:solidFill>
+                          <a:srgbClr val="FFFFFF"/>
+                        </a:solidFill>
+                        <a:effectLst/>
+                        <a:latin typeface="Aptos Narrow" panose="020B0004020202020204" pitchFamily="34" charset="0"/>
+                      </a:endParaRPr>
+                    </a:p>
+                  </a:txBody>
+                  <a:tcPr marL="9525" marR="9525" marT="9525" marB="0" anchor="ctr"/>
+                </a:tc>
+                <a:tc>
+                  <a:txBody>
+                    <a:bodyPr/>
+                    <a:lstStyle/>
+                    <a:p>
+                      <a:pPr algn="ctr" fontAlgn="ctr"/>
+                      <a:r>
+                        <a:rPr lang="pt-BR" sz="1200" b="1" u="none" strike="noStrike">
+                          <a:effectLst/>
+                        </a:rPr>
+                        <a:t>Descrição</a:t>
+                      </a:r>
+                      <a:endParaRPr lang="pt-BR" sz="1200" b="1" i="0" u="none" strike="noStrike">
+                        <a:solidFill>
+                          <a:srgbClr val="FFFFFF"/>
+                        </a:solidFill>
+                        <a:effectLst/>
+                        <a:latin typeface="Aptos Narrow" panose="020B0004020202020204" pitchFamily="34" charset="0"/>
+                      </a:endParaRPr>
+                    </a:p>
+                  </a:txBody>
+                  <a:tcPr marL="9525" marR="9525" marT="9525" marB="0" anchor="ctr"/>
+                </a:tc>
+                <a:tc>
+                  <a:txBody>
+                    <a:bodyPr/>
+                    <a:lstStyle/>
+                    <a:p>
+                      <a:pPr algn="ctr" fontAlgn="ctr"/>
+                      <a:r>
+                        <a:rPr lang="pt-BR" sz="1200" b="1" u="none" strike="noStrike" dirty="0">
+                          <a:effectLst/>
+                        </a:rPr>
+                        <a:t>Prioridade</a:t>
+                      </a:r>
+                      <a:endParaRPr lang="pt-BR" sz="1200" b="1" i="0" u="none" strike="noStrike" dirty="0">
                         <a:solidFill>
                           <a:srgbClr val="FFFFFF"/>
                         </a:solidFill>
@@ -12964,24 +12162,24 @@
                 </a:tc>
                 <a:extLst>
                   <a:ext uri="{0D108BD9-81ED-4DB2-BD59-A6C34878D82A}">
-                    <a16:rowId xmlns:a16="http://schemas.microsoft.com/office/drawing/2014/main" val="3856448402"/>
+                    <a16:rowId xmlns:a16="http://schemas.microsoft.com/office/drawing/2014/main" val="1678927528"/>
                   </a:ext>
                 </a:extLst>
               </a:tr>
-              <a:tr h="723095">
+              <a:tr h="490335">
                 <a:tc>
                   <a:txBody>
                     <a:bodyPr/>
                     <a:lstStyle/>
                     <a:p>
-                      <a:pPr algn="ctr" fontAlgn="ctr"/>
+                      <a:pPr algn="ctr" fontAlgn="b"/>
                       <a:r>
-                        <a:rPr lang="pt-BR" sz="1400" u="none" strike="noStrike">
+                        <a:rPr lang="pt-BR" sz="1200" u="none" strike="noStrike" dirty="0">
                           <a:effectLst/>
                         </a:rPr>
-                        <a:t>RN001</a:t>
+                        <a:t>RNF001</a:t>
                       </a:r>
-                      <a:endParaRPr lang="pt-BR" sz="1400" b="0" i="0" u="none" strike="noStrike">
+                      <a:endParaRPr lang="pt-BR" sz="1200" b="0" i="0" u="none" strike="noStrike" dirty="0">
                         <a:solidFill>
                           <a:srgbClr val="000000"/>
                         </a:solidFill>
@@ -12997,14 +12195,14 @@
                     <a:bodyPr/>
                     <a:lstStyle/>
                     <a:p>
-                      <a:pPr algn="l" fontAlgn="ctr"/>
+                      <a:pPr algn="ctr" fontAlgn="b"/>
                       <a:r>
-                        <a:rPr lang="pt-BR" sz="1400" u="none" strike="noStrike">
+                        <a:rPr lang="pt-BR" sz="1200" u="none" strike="noStrike">
                           <a:effectLst/>
                         </a:rPr>
-                        <a:t>Todo usuário deve estar autenticado para acessar o sistema.</a:t>
+                        <a:t>Essencial</a:t>
                       </a:r>
-                      <a:endParaRPr lang="pt-BR" sz="1400" b="0" i="0" u="none" strike="noStrike">
+                      <a:endParaRPr lang="pt-BR" sz="1200" b="0" i="0" u="none" strike="noStrike">
                         <a:solidFill>
                           <a:srgbClr val="000000"/>
                         </a:solidFill>
@@ -13013,15 +12211,8 @@
                       </a:endParaRPr>
                     </a:p>
                   </a:txBody>
-                  <a:tcPr marL="9525" marR="9525" marT="9525" marB="0" anchor="ctr"/>
+                  <a:tcPr marL="9525" marR="9525" marT="9525" marB="0" anchor="b"/>
                 </a:tc>
-                <a:extLst>
-                  <a:ext uri="{0D108BD9-81ED-4DB2-BD59-A6C34878D82A}">
-                    <a16:rowId xmlns:a16="http://schemas.microsoft.com/office/drawing/2014/main" val="626572842"/>
-                  </a:ext>
-                </a:extLst>
-              </a:tr>
-              <a:tr h="723095">
                 <a:tc>
                   <a:txBody>
                     <a:bodyPr/>
@@ -13029,12 +12220,12 @@
                     <a:p>
                       <a:pPr algn="ctr" fontAlgn="ctr"/>
                       <a:r>
-                        <a:rPr lang="pt-BR" sz="1400" u="none" strike="noStrike" dirty="0">
+                        <a:rPr lang="pt-BR" sz="1200" u="none" strike="noStrike">
                           <a:effectLst/>
                         </a:rPr>
-                        <a:t>RN007</a:t>
+                        <a:t>Plataforma</a:t>
                       </a:r>
-                      <a:endParaRPr lang="pt-BR" sz="1400" b="0" i="0" u="none" strike="noStrike" dirty="0">
+                      <a:endParaRPr lang="pt-BR" sz="1200" b="0" i="0" u="none" strike="noStrike">
                         <a:solidFill>
                           <a:srgbClr val="000000"/>
                         </a:solidFill>
@@ -13050,44 +12241,14 @@
                     <a:bodyPr/>
                     <a:lstStyle/>
                     <a:p>
-                      <a:pPr algn="l" fontAlgn="ctr"/>
+                      <a:pPr algn="ctr" fontAlgn="ctr"/>
                       <a:r>
-                        <a:rPr lang="pt-BR" sz="1400" u="none" strike="noStrike">
+                        <a:rPr lang="pt-BR" sz="1200" u="none" strike="noStrike">
                           <a:effectLst/>
                         </a:rPr>
-                        <a:t>O sistema permite gerar relatórios básicos de vendas e movimentação de estoque.</a:t>
+                        <a:t>O sistema deve ser um aplicativo desktop desenvolvido em Python com Tkinter.</a:t>
                       </a:r>
-                      <a:endParaRPr lang="pt-BR" sz="1400" b="0" i="0" u="none" strike="noStrike">
-                        <a:solidFill>
-                          <a:srgbClr val="000000"/>
-                        </a:solidFill>
-                        <a:effectLst/>
-                        <a:latin typeface="Aptos Narrow" panose="020B0004020202020204" pitchFamily="34" charset="0"/>
-                      </a:endParaRPr>
-                    </a:p>
-                  </a:txBody>
-                  <a:tcPr marL="9525" marR="9525" marT="9525" marB="0" anchor="ctr"/>
-                </a:tc>
-                <a:extLst>
-                  <a:ext uri="{0D108BD9-81ED-4DB2-BD59-A6C34878D82A}">
-                    <a16:rowId xmlns:a16="http://schemas.microsoft.com/office/drawing/2014/main" val="691198302"/>
-                  </a:ext>
-                </a:extLst>
-              </a:tr>
-              <a:tr h="723095">
-                <a:tc>
-                  <a:txBody>
-                    <a:bodyPr/>
-                    <a:lstStyle/>
-                    <a:p>
-                      <a:pPr algn="ctr" fontAlgn="ctr"/>
-                      <a:r>
-                        <a:rPr lang="pt-BR" sz="1400" u="none" strike="noStrike">
-                          <a:effectLst/>
-                        </a:rPr>
-                        <a:t>RN008</a:t>
-                      </a:r>
-                      <a:endParaRPr lang="pt-BR" sz="1400" b="0" i="0" u="none" strike="noStrike">
+                      <a:endParaRPr lang="pt-BR" sz="1200" b="0" i="0" u="none" strike="noStrike">
                         <a:solidFill>
                           <a:srgbClr val="000000"/>
                         </a:solidFill>
@@ -13103,26 +12264,14 @@
                     <a:bodyPr/>
                     <a:lstStyle/>
                     <a:p>
-                      <a:pPr algn="l" fontAlgn="ctr"/>
+                      <a:pPr algn="ctr" fontAlgn="ctr"/>
                       <a:r>
-                        <a:rPr lang="pt-BR" sz="1400" u="none" strike="noStrike" dirty="0">
+                        <a:rPr lang="pt-BR" sz="1200" u="none" strike="noStrike">
                           <a:effectLst/>
                         </a:rPr>
-                        <a:t>Somente o  administrador poderá gerenciar os fornecedores e funcionários(cadastrar, editar, excluir e </a:t>
+                        <a:t>Alta</a:t>
                       </a:r>
-                      <a:r>
-                        <a:rPr lang="pt-BR" sz="1400" u="none" strike="noStrike" dirty="0" err="1">
-                          <a:effectLst/>
-                        </a:rPr>
-                        <a:t>etc</a:t>
-                      </a:r>
-                      <a:r>
-                        <a:rPr lang="pt-BR" sz="1400" u="none" strike="noStrike" dirty="0">
-                          <a:effectLst/>
-                        </a:rPr>
-                        <a:t>).</a:t>
-                      </a:r>
-                      <a:endParaRPr lang="pt-BR" sz="1400" b="0" i="0" u="none" strike="noStrike" dirty="0">
+                      <a:endParaRPr lang="pt-BR" sz="1200" b="0" i="0" u="none" strike="noStrike">
                         <a:solidFill>
                           <a:srgbClr val="000000"/>
                         </a:solidFill>
@@ -13135,24 +12284,24 @@
                 </a:tc>
                 <a:extLst>
                   <a:ext uri="{0D108BD9-81ED-4DB2-BD59-A6C34878D82A}">
-                    <a16:rowId xmlns:a16="http://schemas.microsoft.com/office/drawing/2014/main" val="320347453"/>
+                    <a16:rowId xmlns:a16="http://schemas.microsoft.com/office/drawing/2014/main" val="2247205298"/>
                   </a:ext>
                 </a:extLst>
               </a:tr>
-              <a:tr h="959765">
+              <a:tr h="490335">
                 <a:tc>
                   <a:txBody>
                     <a:bodyPr/>
                     <a:lstStyle/>
                     <a:p>
-                      <a:pPr algn="ctr" fontAlgn="ctr"/>
+                      <a:pPr algn="ctr" fontAlgn="b"/>
                       <a:r>
-                        <a:rPr lang="pt-BR" sz="1400" u="none" strike="noStrike">
+                        <a:rPr lang="pt-BR" sz="1200" u="none" strike="noStrike" dirty="0">
                           <a:effectLst/>
                         </a:rPr>
-                        <a:t>RN014</a:t>
+                        <a:t>RNF002</a:t>
                       </a:r>
-                      <a:endParaRPr lang="pt-BR" sz="1400" b="0" i="0" u="none" strike="noStrike">
+                      <a:endParaRPr lang="pt-BR" sz="1200" b="0" i="0" u="none" strike="noStrike" dirty="0">
                         <a:solidFill>
                           <a:srgbClr val="000000"/>
                         </a:solidFill>
@@ -13168,25 +12317,14 @@
                     <a:bodyPr/>
                     <a:lstStyle/>
                     <a:p>
-                      <a:pPr algn="l" fontAlgn="ctr"/>
+                      <a:pPr algn="ctr" fontAlgn="b"/>
                       <a:r>
-                        <a:rPr lang="pt-BR" sz="1400" u="none" strike="noStrike">
+                        <a:rPr lang="pt-BR" sz="1200" u="none" strike="noStrike" dirty="0">
                           <a:effectLst/>
                         </a:rPr>
-                        <a:t>As movimentações funcionaeão da seguinte maneira, Entrada: Produto vindo do fornecedor  = aumenta o estoque,</a:t>
+                        <a:t>Essencial</a:t>
                       </a:r>
-                      <a:br>
-                        <a:rPr lang="pt-BR" sz="1400" u="none" strike="noStrike">
-                          <a:effectLst/>
-                        </a:rPr>
-                      </a:br>
-                      <a:r>
-                        <a:rPr lang="pt-BR" sz="1400" u="none" strike="noStrike">
-                          <a:effectLst/>
-                        </a:rPr>
-                        <a:t>Saída: Produto indo para cliente = reduz o estoque</a:t>
-                      </a:r>
-                      <a:endParaRPr lang="pt-BR" sz="1400" b="0" i="0" u="none" strike="noStrike">
+                      <a:endParaRPr lang="pt-BR" sz="1200" b="0" i="0" u="none" strike="noStrike" dirty="0">
                         <a:solidFill>
                           <a:srgbClr val="000000"/>
                         </a:solidFill>
@@ -13195,15 +12333,8 @@
                       </a:endParaRPr>
                     </a:p>
                   </a:txBody>
-                  <a:tcPr marL="9525" marR="9525" marT="9525" marB="0" anchor="ctr"/>
+                  <a:tcPr marL="9525" marR="9525" marT="9525" marB="0" anchor="b"/>
                 </a:tc>
-                <a:extLst>
-                  <a:ext uri="{0D108BD9-81ED-4DB2-BD59-A6C34878D82A}">
-                    <a16:rowId xmlns:a16="http://schemas.microsoft.com/office/drawing/2014/main" val="716677567"/>
-                  </a:ext>
-                </a:extLst>
-              </a:tr>
-              <a:tr h="723095">
                 <a:tc>
                   <a:txBody>
                     <a:bodyPr/>
@@ -13211,12 +12342,12 @@
                     <a:p>
                       <a:pPr algn="ctr" fontAlgn="ctr"/>
                       <a:r>
-                        <a:rPr lang="pt-BR" sz="1400" u="none" strike="noStrike">
+                        <a:rPr lang="pt-BR" sz="1200" u="none" strike="noStrike">
                           <a:effectLst/>
                         </a:rPr>
-                        <a:t>RN019</a:t>
+                        <a:t>Segurança</a:t>
                       </a:r>
-                      <a:endParaRPr lang="pt-BR" sz="1400" b="0" i="0" u="none" strike="noStrike">
+                      <a:endParaRPr lang="pt-BR" sz="1200" b="0" i="0" u="none" strike="noStrike">
                         <a:solidFill>
                           <a:srgbClr val="000000"/>
                         </a:solidFill>
@@ -13232,44 +12363,14 @@
                     <a:bodyPr/>
                     <a:lstStyle/>
                     <a:p>
-                      <a:pPr algn="l" fontAlgn="ctr"/>
+                      <a:pPr algn="ctr" fontAlgn="ctr"/>
                       <a:r>
-                        <a:rPr lang="pt-BR" sz="1400" u="none" strike="noStrike">
+                        <a:rPr lang="pt-BR" sz="1200" u="none" strike="noStrike">
                           <a:effectLst/>
                         </a:rPr>
-                        <a:t>Não há subdivisão por setor ou departamentos no momento.</a:t>
+                        <a:t>A autenticação será local, com senhas armazenadas com segurança</a:t>
                       </a:r>
-                      <a:endParaRPr lang="pt-BR" sz="1400" b="0" i="0" u="none" strike="noStrike">
-                        <a:solidFill>
-                          <a:srgbClr val="000000"/>
-                        </a:solidFill>
-                        <a:effectLst/>
-                        <a:latin typeface="Aptos Narrow" panose="020B0004020202020204" pitchFamily="34" charset="0"/>
-                      </a:endParaRPr>
-                    </a:p>
-                  </a:txBody>
-                  <a:tcPr marL="9525" marR="9525" marT="9525" marB="0" anchor="ctr"/>
-                </a:tc>
-                <a:extLst>
-                  <a:ext uri="{0D108BD9-81ED-4DB2-BD59-A6C34878D82A}">
-                    <a16:rowId xmlns:a16="http://schemas.microsoft.com/office/drawing/2014/main" val="3959617679"/>
-                  </a:ext>
-                </a:extLst>
-              </a:tr>
-              <a:tr h="723095">
-                <a:tc>
-                  <a:txBody>
-                    <a:bodyPr/>
-                    <a:lstStyle/>
-                    <a:p>
-                      <a:pPr algn="ctr" fontAlgn="ctr"/>
-                      <a:r>
-                        <a:rPr lang="pt-BR" sz="1400" u="none" strike="noStrike">
-                          <a:effectLst/>
-                        </a:rPr>
-                        <a:t>RN020</a:t>
-                      </a:r>
-                      <a:endParaRPr lang="pt-BR" sz="1400" b="0" i="0" u="none" strike="noStrike">
+                      <a:endParaRPr lang="pt-BR" sz="1200" b="0" i="0" u="none" strike="noStrike">
                         <a:solidFill>
                           <a:srgbClr val="000000"/>
                         </a:solidFill>
@@ -13285,14 +12386,14 @@
                     <a:bodyPr/>
                     <a:lstStyle/>
                     <a:p>
-                      <a:pPr algn="l" fontAlgn="ctr"/>
+                      <a:pPr algn="ctr" fontAlgn="ctr"/>
                       <a:r>
-                        <a:rPr lang="pt-BR" sz="1400" u="none" strike="noStrike" dirty="0">
+                        <a:rPr lang="pt-BR" sz="1200" u="none" strike="noStrike">
                           <a:effectLst/>
                         </a:rPr>
-                        <a:t>Todo usuário deve estar associado a uma função: Funcionário ou Administrador.</a:t>
+                        <a:t>Alta</a:t>
                       </a:r>
-                      <a:endParaRPr lang="pt-BR" sz="1400" b="0" i="0" u="none" strike="noStrike" dirty="0">
+                      <a:endParaRPr lang="pt-BR" sz="1200" b="0" i="0" u="none" strike="noStrike">
                         <a:solidFill>
                           <a:srgbClr val="000000"/>
                         </a:solidFill>
@@ -13305,7 +12406,763 @@
                 </a:tc>
                 <a:extLst>
                   <a:ext uri="{0D108BD9-81ED-4DB2-BD59-A6C34878D82A}">
-                    <a16:rowId xmlns:a16="http://schemas.microsoft.com/office/drawing/2014/main" val="1109148660"/>
+                    <a16:rowId xmlns:a16="http://schemas.microsoft.com/office/drawing/2014/main" val="2586229560"/>
+                  </a:ext>
+                </a:extLst>
+              </a:tr>
+              <a:tr h="490335">
+                <a:tc>
+                  <a:txBody>
+                    <a:bodyPr/>
+                    <a:lstStyle/>
+                    <a:p>
+                      <a:pPr algn="ctr" fontAlgn="b"/>
+                      <a:r>
+                        <a:rPr lang="pt-BR" sz="1200" u="none" strike="noStrike" dirty="0">
+                          <a:effectLst/>
+                        </a:rPr>
+                        <a:t>RNF003</a:t>
+                      </a:r>
+                      <a:endParaRPr lang="pt-BR" sz="1200" b="0" i="0" u="none" strike="noStrike" dirty="0">
+                        <a:solidFill>
+                          <a:srgbClr val="000000"/>
+                        </a:solidFill>
+                        <a:effectLst/>
+                        <a:latin typeface="Aptos Narrow" panose="020B0004020202020204" pitchFamily="34" charset="0"/>
+                      </a:endParaRPr>
+                    </a:p>
+                  </a:txBody>
+                  <a:tcPr marL="9525" marR="9525" marT="9525" marB="0" anchor="ctr"/>
+                </a:tc>
+                <a:tc>
+                  <a:txBody>
+                    <a:bodyPr/>
+                    <a:lstStyle/>
+                    <a:p>
+                      <a:pPr algn="ctr" fontAlgn="b"/>
+                      <a:r>
+                        <a:rPr lang="pt-BR" sz="1200" u="none" strike="noStrike">
+                          <a:effectLst/>
+                        </a:rPr>
+                        <a:t>Essencial</a:t>
+                      </a:r>
+                      <a:endParaRPr lang="pt-BR" sz="1200" b="0" i="0" u="none" strike="noStrike">
+                        <a:solidFill>
+                          <a:srgbClr val="000000"/>
+                        </a:solidFill>
+                        <a:effectLst/>
+                        <a:latin typeface="Aptos Narrow" panose="020B0004020202020204" pitchFamily="34" charset="0"/>
+                      </a:endParaRPr>
+                    </a:p>
+                  </a:txBody>
+                  <a:tcPr marL="9525" marR="9525" marT="9525" marB="0" anchor="b"/>
+                </a:tc>
+                <a:tc>
+                  <a:txBody>
+                    <a:bodyPr/>
+                    <a:lstStyle/>
+                    <a:p>
+                      <a:pPr algn="ctr" fontAlgn="ctr"/>
+                      <a:r>
+                        <a:rPr lang="pt-BR" sz="1200" u="none" strike="noStrike">
+                          <a:effectLst/>
+                        </a:rPr>
+                        <a:t>Portabilidade</a:t>
+                      </a:r>
+                      <a:endParaRPr lang="pt-BR" sz="1200" b="0" i="0" u="none" strike="noStrike">
+                        <a:solidFill>
+                          <a:srgbClr val="000000"/>
+                        </a:solidFill>
+                        <a:effectLst/>
+                        <a:latin typeface="Aptos Narrow" panose="020B0004020202020204" pitchFamily="34" charset="0"/>
+                      </a:endParaRPr>
+                    </a:p>
+                  </a:txBody>
+                  <a:tcPr marL="9525" marR="9525" marT="9525" marB="0" anchor="ctr"/>
+                </a:tc>
+                <a:tc>
+                  <a:txBody>
+                    <a:bodyPr/>
+                    <a:lstStyle/>
+                    <a:p>
+                      <a:pPr algn="ctr" fontAlgn="ctr"/>
+                      <a:r>
+                        <a:rPr lang="pt-BR" sz="1200" u="none" strike="noStrike">
+                          <a:effectLst/>
+                        </a:rPr>
+                        <a:t>O sistema deve funcionar no Windows. Compatibilidade futura com Linux é desejável.</a:t>
+                      </a:r>
+                      <a:endParaRPr lang="pt-BR" sz="1200" b="0" i="0" u="none" strike="noStrike">
+                        <a:solidFill>
+                          <a:srgbClr val="000000"/>
+                        </a:solidFill>
+                        <a:effectLst/>
+                        <a:latin typeface="Aptos Narrow" panose="020B0004020202020204" pitchFamily="34" charset="0"/>
+                      </a:endParaRPr>
+                    </a:p>
+                  </a:txBody>
+                  <a:tcPr marL="9525" marR="9525" marT="9525" marB="0" anchor="ctr"/>
+                </a:tc>
+                <a:tc>
+                  <a:txBody>
+                    <a:bodyPr/>
+                    <a:lstStyle/>
+                    <a:p>
+                      <a:pPr algn="ctr" fontAlgn="ctr"/>
+                      <a:r>
+                        <a:rPr lang="pt-BR" sz="1200" u="none" strike="noStrike">
+                          <a:effectLst/>
+                        </a:rPr>
+                        <a:t>Alta</a:t>
+                      </a:r>
+                      <a:endParaRPr lang="pt-BR" sz="1200" b="0" i="0" u="none" strike="noStrike">
+                        <a:solidFill>
+                          <a:srgbClr val="000000"/>
+                        </a:solidFill>
+                        <a:effectLst/>
+                        <a:latin typeface="Aptos Narrow" panose="020B0004020202020204" pitchFamily="34" charset="0"/>
+                      </a:endParaRPr>
+                    </a:p>
+                  </a:txBody>
+                  <a:tcPr marL="9525" marR="9525" marT="9525" marB="0" anchor="ctr"/>
+                </a:tc>
+                <a:extLst>
+                  <a:ext uri="{0D108BD9-81ED-4DB2-BD59-A6C34878D82A}">
+                    <a16:rowId xmlns:a16="http://schemas.microsoft.com/office/drawing/2014/main" val="1366126204"/>
+                  </a:ext>
+                </a:extLst>
+              </a:tr>
+              <a:tr h="490335">
+                <a:tc>
+                  <a:txBody>
+                    <a:bodyPr/>
+                    <a:lstStyle/>
+                    <a:p>
+                      <a:pPr algn="ctr" fontAlgn="b"/>
+                      <a:r>
+                        <a:rPr lang="pt-BR" sz="1200" u="none" strike="noStrike" dirty="0">
+                          <a:effectLst/>
+                        </a:rPr>
+                        <a:t>RNF004</a:t>
+                      </a:r>
+                      <a:endParaRPr lang="pt-BR" sz="1200" b="0" i="0" u="none" strike="noStrike" dirty="0">
+                        <a:solidFill>
+                          <a:srgbClr val="000000"/>
+                        </a:solidFill>
+                        <a:effectLst/>
+                        <a:latin typeface="Aptos Narrow" panose="020B0004020202020204" pitchFamily="34" charset="0"/>
+                      </a:endParaRPr>
+                    </a:p>
+                  </a:txBody>
+                  <a:tcPr marL="9525" marR="9525" marT="9525" marB="0" anchor="ctr"/>
+                </a:tc>
+                <a:tc>
+                  <a:txBody>
+                    <a:bodyPr/>
+                    <a:lstStyle/>
+                    <a:p>
+                      <a:pPr algn="ctr" fontAlgn="b"/>
+                      <a:r>
+                        <a:rPr lang="pt-BR" sz="1200" u="none" strike="noStrike">
+                          <a:effectLst/>
+                        </a:rPr>
+                        <a:t>Essencial</a:t>
+                      </a:r>
+                      <a:endParaRPr lang="pt-BR" sz="1200" b="0" i="0" u="none" strike="noStrike">
+                        <a:solidFill>
+                          <a:srgbClr val="000000"/>
+                        </a:solidFill>
+                        <a:effectLst/>
+                        <a:latin typeface="Aptos Narrow" panose="020B0004020202020204" pitchFamily="34" charset="0"/>
+                      </a:endParaRPr>
+                    </a:p>
+                  </a:txBody>
+                  <a:tcPr marL="9525" marR="9525" marT="9525" marB="0" anchor="b"/>
+                </a:tc>
+                <a:tc>
+                  <a:txBody>
+                    <a:bodyPr/>
+                    <a:lstStyle/>
+                    <a:p>
+                      <a:pPr algn="ctr" fontAlgn="ctr"/>
+                      <a:r>
+                        <a:rPr lang="pt-BR" sz="1200" u="none" strike="noStrike">
+                          <a:effectLst/>
+                        </a:rPr>
+                        <a:t>Desempenho</a:t>
+                      </a:r>
+                      <a:endParaRPr lang="pt-BR" sz="1200" b="0" i="0" u="none" strike="noStrike">
+                        <a:solidFill>
+                          <a:srgbClr val="000000"/>
+                        </a:solidFill>
+                        <a:effectLst/>
+                        <a:latin typeface="Aptos Narrow" panose="020B0004020202020204" pitchFamily="34" charset="0"/>
+                      </a:endParaRPr>
+                    </a:p>
+                  </a:txBody>
+                  <a:tcPr marL="9525" marR="9525" marT="9525" marB="0" anchor="ctr"/>
+                </a:tc>
+                <a:tc>
+                  <a:txBody>
+                    <a:bodyPr/>
+                    <a:lstStyle/>
+                    <a:p>
+                      <a:pPr algn="ctr" fontAlgn="ctr"/>
+                      <a:r>
+                        <a:rPr lang="pt-BR" sz="1200" u="none" strike="noStrike">
+                          <a:effectLst/>
+                        </a:rPr>
+                        <a:t>Tempo de resposta para operações comuns (login, movimentação, cadastro) deve ser inferior a 2 segundos.</a:t>
+                      </a:r>
+                      <a:endParaRPr lang="pt-BR" sz="1200" b="0" i="0" u="none" strike="noStrike">
+                        <a:solidFill>
+                          <a:srgbClr val="000000"/>
+                        </a:solidFill>
+                        <a:effectLst/>
+                        <a:latin typeface="Aptos Narrow" panose="020B0004020202020204" pitchFamily="34" charset="0"/>
+                      </a:endParaRPr>
+                    </a:p>
+                  </a:txBody>
+                  <a:tcPr marL="9525" marR="9525" marT="9525" marB="0" anchor="ctr"/>
+                </a:tc>
+                <a:tc>
+                  <a:txBody>
+                    <a:bodyPr/>
+                    <a:lstStyle/>
+                    <a:p>
+                      <a:pPr algn="ctr" fontAlgn="ctr"/>
+                      <a:r>
+                        <a:rPr lang="pt-BR" sz="1200" u="none" strike="noStrike">
+                          <a:effectLst/>
+                        </a:rPr>
+                        <a:t>Alta</a:t>
+                      </a:r>
+                      <a:endParaRPr lang="pt-BR" sz="1200" b="0" i="0" u="none" strike="noStrike">
+                        <a:solidFill>
+                          <a:srgbClr val="000000"/>
+                        </a:solidFill>
+                        <a:effectLst/>
+                        <a:latin typeface="Aptos Narrow" panose="020B0004020202020204" pitchFamily="34" charset="0"/>
+                      </a:endParaRPr>
+                    </a:p>
+                  </a:txBody>
+                  <a:tcPr marL="9525" marR="9525" marT="9525" marB="0" anchor="ctr"/>
+                </a:tc>
+                <a:extLst>
+                  <a:ext uri="{0D108BD9-81ED-4DB2-BD59-A6C34878D82A}">
+                    <a16:rowId xmlns:a16="http://schemas.microsoft.com/office/drawing/2014/main" val="971245752"/>
+                  </a:ext>
+                </a:extLst>
+              </a:tr>
+              <a:tr h="490335">
+                <a:tc>
+                  <a:txBody>
+                    <a:bodyPr/>
+                    <a:lstStyle/>
+                    <a:p>
+                      <a:pPr algn="ctr" fontAlgn="b"/>
+                      <a:r>
+                        <a:rPr lang="pt-BR" sz="1200" u="none" strike="noStrike" dirty="0">
+                          <a:effectLst/>
+                        </a:rPr>
+                        <a:t>RNF005</a:t>
+                      </a:r>
+                      <a:endParaRPr lang="pt-BR" sz="1200" b="0" i="0" u="none" strike="noStrike" dirty="0">
+                        <a:solidFill>
+                          <a:srgbClr val="000000"/>
+                        </a:solidFill>
+                        <a:effectLst/>
+                        <a:latin typeface="Aptos Narrow" panose="020B0004020202020204" pitchFamily="34" charset="0"/>
+                      </a:endParaRPr>
+                    </a:p>
+                  </a:txBody>
+                  <a:tcPr marL="9525" marR="9525" marT="9525" marB="0" anchor="ctr"/>
+                </a:tc>
+                <a:tc>
+                  <a:txBody>
+                    <a:bodyPr/>
+                    <a:lstStyle/>
+                    <a:p>
+                      <a:pPr algn="ctr" fontAlgn="b"/>
+                      <a:r>
+                        <a:rPr lang="pt-BR" sz="1200" u="none" strike="noStrike">
+                          <a:effectLst/>
+                        </a:rPr>
+                        <a:t>Essencial</a:t>
+                      </a:r>
+                      <a:endParaRPr lang="pt-BR" sz="1200" b="0" i="0" u="none" strike="noStrike">
+                        <a:solidFill>
+                          <a:srgbClr val="000000"/>
+                        </a:solidFill>
+                        <a:effectLst/>
+                        <a:latin typeface="Aptos Narrow" panose="020B0004020202020204" pitchFamily="34" charset="0"/>
+                      </a:endParaRPr>
+                    </a:p>
+                  </a:txBody>
+                  <a:tcPr marL="9525" marR="9525" marT="9525" marB="0" anchor="b"/>
+                </a:tc>
+                <a:tc>
+                  <a:txBody>
+                    <a:bodyPr/>
+                    <a:lstStyle/>
+                    <a:p>
+                      <a:pPr algn="ctr" fontAlgn="ctr"/>
+                      <a:r>
+                        <a:rPr lang="pt-BR" sz="1200" u="none" strike="noStrike" dirty="0">
+                          <a:effectLst/>
+                        </a:rPr>
+                        <a:t>Integridade</a:t>
+                      </a:r>
+                      <a:endParaRPr lang="pt-BR" sz="1200" b="0" i="0" u="none" strike="noStrike" dirty="0">
+                        <a:solidFill>
+                          <a:srgbClr val="000000"/>
+                        </a:solidFill>
+                        <a:effectLst/>
+                        <a:latin typeface="Aptos Narrow" panose="020B0004020202020204" pitchFamily="34" charset="0"/>
+                      </a:endParaRPr>
+                    </a:p>
+                  </a:txBody>
+                  <a:tcPr marL="9525" marR="9525" marT="9525" marB="0" anchor="ctr"/>
+                </a:tc>
+                <a:tc>
+                  <a:txBody>
+                    <a:bodyPr/>
+                    <a:lstStyle/>
+                    <a:p>
+                      <a:pPr algn="ctr" fontAlgn="ctr"/>
+                      <a:r>
+                        <a:rPr lang="pt-BR" sz="1200" u="none" strike="noStrike" dirty="0">
+                          <a:effectLst/>
+                        </a:rPr>
+                        <a:t>O banco de dados local (</a:t>
+                      </a:r>
+                      <a:r>
+                        <a:rPr lang="pt-BR" sz="1200" u="none" strike="noStrike" dirty="0" err="1">
+                          <a:effectLst/>
+                        </a:rPr>
+                        <a:t>ex</a:t>
+                      </a:r>
+                      <a:r>
+                        <a:rPr lang="pt-BR" sz="1200" u="none" strike="noStrike" dirty="0">
+                          <a:effectLst/>
+                        </a:rPr>
+                        <a:t>: </a:t>
+                      </a:r>
+                      <a:r>
+                        <a:rPr lang="pt-BR" sz="1200" u="none" strike="noStrike" dirty="0" err="1">
+                          <a:effectLst/>
+                        </a:rPr>
+                        <a:t>SQLite</a:t>
+                      </a:r>
+                      <a:r>
+                        <a:rPr lang="pt-BR" sz="1200" u="none" strike="noStrike" dirty="0">
+                          <a:effectLst/>
+                        </a:rPr>
+                        <a:t>) deve garantir transações seguras e consistência de estoque.</a:t>
+                      </a:r>
+                      <a:endParaRPr lang="pt-BR" sz="1200" b="0" i="0" u="none" strike="noStrike" dirty="0">
+                        <a:solidFill>
+                          <a:srgbClr val="000000"/>
+                        </a:solidFill>
+                        <a:effectLst/>
+                        <a:latin typeface="Aptos Narrow" panose="020B0004020202020204" pitchFamily="34" charset="0"/>
+                      </a:endParaRPr>
+                    </a:p>
+                  </a:txBody>
+                  <a:tcPr marL="9525" marR="9525" marT="9525" marB="0" anchor="ctr"/>
+                </a:tc>
+                <a:tc>
+                  <a:txBody>
+                    <a:bodyPr/>
+                    <a:lstStyle/>
+                    <a:p>
+                      <a:pPr algn="ctr" fontAlgn="ctr"/>
+                      <a:r>
+                        <a:rPr lang="pt-BR" sz="1200" u="none" strike="noStrike">
+                          <a:effectLst/>
+                        </a:rPr>
+                        <a:t>Alta</a:t>
+                      </a:r>
+                      <a:endParaRPr lang="pt-BR" sz="1200" b="0" i="0" u="none" strike="noStrike">
+                        <a:solidFill>
+                          <a:srgbClr val="000000"/>
+                        </a:solidFill>
+                        <a:effectLst/>
+                        <a:latin typeface="Aptos Narrow" panose="020B0004020202020204" pitchFamily="34" charset="0"/>
+                      </a:endParaRPr>
+                    </a:p>
+                  </a:txBody>
+                  <a:tcPr marL="9525" marR="9525" marT="9525" marB="0" anchor="ctr"/>
+                </a:tc>
+                <a:extLst>
+                  <a:ext uri="{0D108BD9-81ED-4DB2-BD59-A6C34878D82A}">
+                    <a16:rowId xmlns:a16="http://schemas.microsoft.com/office/drawing/2014/main" val="3452293257"/>
+                  </a:ext>
+                </a:extLst>
+              </a:tr>
+              <a:tr h="490335">
+                <a:tc>
+                  <a:txBody>
+                    <a:bodyPr/>
+                    <a:lstStyle/>
+                    <a:p>
+                      <a:pPr algn="ctr" fontAlgn="b"/>
+                      <a:r>
+                        <a:rPr lang="pt-BR" sz="1200" u="none" strike="noStrike" dirty="0">
+                          <a:effectLst/>
+                        </a:rPr>
+                        <a:t>RNF006</a:t>
+                      </a:r>
+                      <a:endParaRPr lang="pt-BR" sz="1200" b="0" i="0" u="none" strike="noStrike" dirty="0">
+                        <a:solidFill>
+                          <a:srgbClr val="000000"/>
+                        </a:solidFill>
+                        <a:effectLst/>
+                        <a:latin typeface="Aptos Narrow" panose="020B0004020202020204" pitchFamily="34" charset="0"/>
+                      </a:endParaRPr>
+                    </a:p>
+                  </a:txBody>
+                  <a:tcPr marL="9525" marR="9525" marT="9525" marB="0" anchor="ctr"/>
+                </a:tc>
+                <a:tc>
+                  <a:txBody>
+                    <a:bodyPr/>
+                    <a:lstStyle/>
+                    <a:p>
+                      <a:pPr algn="ctr" fontAlgn="b"/>
+                      <a:r>
+                        <a:rPr lang="pt-BR" sz="1200" u="none" strike="noStrike">
+                          <a:effectLst/>
+                        </a:rPr>
+                        <a:t>Essencial</a:t>
+                      </a:r>
+                      <a:endParaRPr lang="pt-BR" sz="1200" b="0" i="0" u="none" strike="noStrike">
+                        <a:solidFill>
+                          <a:srgbClr val="000000"/>
+                        </a:solidFill>
+                        <a:effectLst/>
+                        <a:latin typeface="Aptos Narrow" panose="020B0004020202020204" pitchFamily="34" charset="0"/>
+                      </a:endParaRPr>
+                    </a:p>
+                  </a:txBody>
+                  <a:tcPr marL="9525" marR="9525" marT="9525" marB="0" anchor="b"/>
+                </a:tc>
+                <a:tc>
+                  <a:txBody>
+                    <a:bodyPr/>
+                    <a:lstStyle/>
+                    <a:p>
+                      <a:pPr algn="ctr" fontAlgn="ctr"/>
+                      <a:r>
+                        <a:rPr lang="pt-BR" sz="1200" u="none" strike="noStrike">
+                          <a:effectLst/>
+                        </a:rPr>
+                        <a:t>Disponibilidade</a:t>
+                      </a:r>
+                      <a:endParaRPr lang="pt-BR" sz="1200" b="0" i="0" u="none" strike="noStrike">
+                        <a:solidFill>
+                          <a:srgbClr val="000000"/>
+                        </a:solidFill>
+                        <a:effectLst/>
+                        <a:latin typeface="Aptos Narrow" panose="020B0004020202020204" pitchFamily="34" charset="0"/>
+                      </a:endParaRPr>
+                    </a:p>
+                  </a:txBody>
+                  <a:tcPr marL="9525" marR="9525" marT="9525" marB="0" anchor="ctr"/>
+                </a:tc>
+                <a:tc>
+                  <a:txBody>
+                    <a:bodyPr/>
+                    <a:lstStyle/>
+                    <a:p>
+                      <a:pPr algn="ctr" fontAlgn="ctr"/>
+                      <a:r>
+                        <a:rPr lang="pt-BR" sz="1200" u="none" strike="noStrike" dirty="0">
+                          <a:effectLst/>
+                        </a:rPr>
+                        <a:t>O sistema deve funcionar offline, sem necessidade de conexão com a internet.</a:t>
+                      </a:r>
+                      <a:endParaRPr lang="pt-BR" sz="1200" b="0" i="0" u="none" strike="noStrike" dirty="0">
+                        <a:solidFill>
+                          <a:srgbClr val="000000"/>
+                        </a:solidFill>
+                        <a:effectLst/>
+                        <a:latin typeface="Aptos Narrow" panose="020B0004020202020204" pitchFamily="34" charset="0"/>
+                      </a:endParaRPr>
+                    </a:p>
+                  </a:txBody>
+                  <a:tcPr marL="9525" marR="9525" marT="9525" marB="0" anchor="ctr"/>
+                </a:tc>
+                <a:tc>
+                  <a:txBody>
+                    <a:bodyPr/>
+                    <a:lstStyle/>
+                    <a:p>
+                      <a:pPr algn="ctr" fontAlgn="ctr"/>
+                      <a:r>
+                        <a:rPr lang="pt-BR" sz="1200" u="none" strike="noStrike">
+                          <a:effectLst/>
+                        </a:rPr>
+                        <a:t>Alta</a:t>
+                      </a:r>
+                      <a:endParaRPr lang="pt-BR" sz="1200" b="0" i="0" u="none" strike="noStrike">
+                        <a:solidFill>
+                          <a:srgbClr val="000000"/>
+                        </a:solidFill>
+                        <a:effectLst/>
+                        <a:latin typeface="Aptos Narrow" panose="020B0004020202020204" pitchFamily="34" charset="0"/>
+                      </a:endParaRPr>
+                    </a:p>
+                  </a:txBody>
+                  <a:tcPr marL="9525" marR="9525" marT="9525" marB="0" anchor="ctr"/>
+                </a:tc>
+                <a:extLst>
+                  <a:ext uri="{0D108BD9-81ED-4DB2-BD59-A6C34878D82A}">
+                    <a16:rowId xmlns:a16="http://schemas.microsoft.com/office/drawing/2014/main" val="175936665"/>
+                  </a:ext>
+                </a:extLst>
+              </a:tr>
+              <a:tr h="490335">
+                <a:tc>
+                  <a:txBody>
+                    <a:bodyPr/>
+                    <a:lstStyle/>
+                    <a:p>
+                      <a:pPr algn="ctr" fontAlgn="b"/>
+                      <a:r>
+                        <a:rPr lang="pt-BR" sz="1200" u="none" strike="noStrike" dirty="0">
+                          <a:effectLst/>
+                        </a:rPr>
+                        <a:t>RNF007</a:t>
+                      </a:r>
+                      <a:endParaRPr lang="pt-BR" sz="1200" b="0" i="0" u="none" strike="noStrike" dirty="0">
+                        <a:solidFill>
+                          <a:srgbClr val="000000"/>
+                        </a:solidFill>
+                        <a:effectLst/>
+                        <a:latin typeface="Aptos Narrow" panose="020B0004020202020204" pitchFamily="34" charset="0"/>
+                      </a:endParaRPr>
+                    </a:p>
+                  </a:txBody>
+                  <a:tcPr marL="9525" marR="9525" marT="9525" marB="0" anchor="ctr"/>
+                </a:tc>
+                <a:tc>
+                  <a:txBody>
+                    <a:bodyPr/>
+                    <a:lstStyle/>
+                    <a:p>
+                      <a:pPr algn="ctr" fontAlgn="ctr"/>
+                      <a:r>
+                        <a:rPr lang="pt-BR" sz="1200" u="none" strike="noStrike">
+                          <a:effectLst/>
+                        </a:rPr>
+                        <a:t>Desejável</a:t>
+                      </a:r>
+                      <a:endParaRPr lang="pt-BR" sz="1200" b="0" i="0" u="none" strike="noStrike">
+                        <a:solidFill>
+                          <a:srgbClr val="000000"/>
+                        </a:solidFill>
+                        <a:effectLst/>
+                        <a:latin typeface="Aptos Narrow" panose="020B0004020202020204" pitchFamily="34" charset="0"/>
+                      </a:endParaRPr>
+                    </a:p>
+                  </a:txBody>
+                  <a:tcPr marL="9525" marR="9525" marT="9525" marB="0" anchor="ctr"/>
+                </a:tc>
+                <a:tc>
+                  <a:txBody>
+                    <a:bodyPr/>
+                    <a:lstStyle/>
+                    <a:p>
+                      <a:pPr algn="ctr" fontAlgn="ctr"/>
+                      <a:r>
+                        <a:rPr lang="pt-BR" sz="1200" u="none" strike="noStrike">
+                          <a:effectLst/>
+                        </a:rPr>
+                        <a:t>Usabilidade</a:t>
+                      </a:r>
+                      <a:endParaRPr lang="pt-BR" sz="1200" b="0" i="0" u="none" strike="noStrike">
+                        <a:solidFill>
+                          <a:srgbClr val="000000"/>
+                        </a:solidFill>
+                        <a:effectLst/>
+                        <a:latin typeface="Aptos Narrow" panose="020B0004020202020204" pitchFamily="34" charset="0"/>
+                      </a:endParaRPr>
+                    </a:p>
+                  </a:txBody>
+                  <a:tcPr marL="9525" marR="9525" marT="9525" marB="0" anchor="ctr"/>
+                </a:tc>
+                <a:tc>
+                  <a:txBody>
+                    <a:bodyPr/>
+                    <a:lstStyle/>
+                    <a:p>
+                      <a:pPr algn="ctr" fontAlgn="ctr"/>
+                      <a:r>
+                        <a:rPr lang="pt-BR" sz="1200" u="none" strike="noStrike">
+                          <a:effectLst/>
+                        </a:rPr>
+                        <a:t>O sistema deve ser leve e funcionar bem em máquinas com 2GB de RAM e processadores dual-core.</a:t>
+                      </a:r>
+                      <a:endParaRPr lang="pt-BR" sz="1200" b="0" i="0" u="none" strike="noStrike">
+                        <a:solidFill>
+                          <a:srgbClr val="000000"/>
+                        </a:solidFill>
+                        <a:effectLst/>
+                        <a:latin typeface="Aptos Narrow" panose="020B0004020202020204" pitchFamily="34" charset="0"/>
+                      </a:endParaRPr>
+                    </a:p>
+                  </a:txBody>
+                  <a:tcPr marL="9525" marR="9525" marT="9525" marB="0" anchor="ctr"/>
+                </a:tc>
+                <a:tc>
+                  <a:txBody>
+                    <a:bodyPr/>
+                    <a:lstStyle/>
+                    <a:p>
+                      <a:pPr algn="ctr" fontAlgn="ctr"/>
+                      <a:r>
+                        <a:rPr lang="pt-BR" sz="1200" u="none" strike="noStrike">
+                          <a:effectLst/>
+                        </a:rPr>
+                        <a:t>Média</a:t>
+                      </a:r>
+                      <a:endParaRPr lang="pt-BR" sz="1200" b="0" i="0" u="none" strike="noStrike">
+                        <a:solidFill>
+                          <a:srgbClr val="000000"/>
+                        </a:solidFill>
+                        <a:effectLst/>
+                        <a:latin typeface="Aptos Narrow" panose="020B0004020202020204" pitchFamily="34" charset="0"/>
+                      </a:endParaRPr>
+                    </a:p>
+                  </a:txBody>
+                  <a:tcPr marL="9525" marR="9525" marT="9525" marB="0" anchor="ctr"/>
+                </a:tc>
+                <a:extLst>
+                  <a:ext uri="{0D108BD9-81ED-4DB2-BD59-A6C34878D82A}">
+                    <a16:rowId xmlns:a16="http://schemas.microsoft.com/office/drawing/2014/main" val="2646078678"/>
+                  </a:ext>
+                </a:extLst>
+              </a:tr>
+              <a:tr h="490335">
+                <a:tc>
+                  <a:txBody>
+                    <a:bodyPr/>
+                    <a:lstStyle/>
+                    <a:p>
+                      <a:pPr algn="ctr" fontAlgn="b"/>
+                      <a:r>
+                        <a:rPr lang="pt-BR" sz="1200" u="none" strike="noStrike" dirty="0">
+                          <a:effectLst/>
+                        </a:rPr>
+                        <a:t>RNF008</a:t>
+                      </a:r>
+                      <a:endParaRPr lang="pt-BR" sz="1200" b="0" i="0" u="none" strike="noStrike" dirty="0">
+                        <a:solidFill>
+                          <a:srgbClr val="000000"/>
+                        </a:solidFill>
+                        <a:effectLst/>
+                        <a:latin typeface="Aptos Narrow" panose="020B0004020202020204" pitchFamily="34" charset="0"/>
+                      </a:endParaRPr>
+                    </a:p>
+                  </a:txBody>
+                  <a:tcPr marL="9525" marR="9525" marT="9525" marB="0" anchor="ctr"/>
+                </a:tc>
+                <a:tc>
+                  <a:txBody>
+                    <a:bodyPr/>
+                    <a:lstStyle/>
+                    <a:p>
+                      <a:pPr algn="ctr" fontAlgn="ctr"/>
+                      <a:r>
+                        <a:rPr lang="pt-BR" sz="1200" u="none" strike="noStrike">
+                          <a:effectLst/>
+                        </a:rPr>
+                        <a:t>Desejável</a:t>
+                      </a:r>
+                      <a:endParaRPr lang="pt-BR" sz="1200" b="0" i="0" u="none" strike="noStrike">
+                        <a:solidFill>
+                          <a:srgbClr val="000000"/>
+                        </a:solidFill>
+                        <a:effectLst/>
+                        <a:latin typeface="Aptos Narrow" panose="020B0004020202020204" pitchFamily="34" charset="0"/>
+                      </a:endParaRPr>
+                    </a:p>
+                  </a:txBody>
+                  <a:tcPr marL="9525" marR="9525" marT="9525" marB="0" anchor="ctr"/>
+                </a:tc>
+                <a:tc>
+                  <a:txBody>
+                    <a:bodyPr/>
+                    <a:lstStyle/>
+                    <a:p>
+                      <a:pPr algn="ctr" fontAlgn="ctr"/>
+                      <a:r>
+                        <a:rPr lang="pt-BR" sz="1200" u="none" strike="noStrike">
+                          <a:effectLst/>
+                        </a:rPr>
+                        <a:t>Evolutividade</a:t>
+                      </a:r>
+                      <a:endParaRPr lang="pt-BR" sz="1200" b="0" i="0" u="none" strike="noStrike">
+                        <a:solidFill>
+                          <a:srgbClr val="000000"/>
+                        </a:solidFill>
+                        <a:effectLst/>
+                        <a:latin typeface="Aptos Narrow" panose="020B0004020202020204" pitchFamily="34" charset="0"/>
+                      </a:endParaRPr>
+                    </a:p>
+                  </a:txBody>
+                  <a:tcPr marL="9525" marR="9525" marT="9525" marB="0" anchor="ctr"/>
+                </a:tc>
+                <a:tc>
+                  <a:txBody>
+                    <a:bodyPr/>
+                    <a:lstStyle/>
+                    <a:p>
+                      <a:pPr algn="ctr" fontAlgn="ctr"/>
+                      <a:r>
+                        <a:rPr lang="pt-BR" sz="1200" u="none" strike="noStrike" dirty="0">
+                          <a:effectLst/>
+                        </a:rPr>
+                        <a:t>O sistema deve estar preparado para adição futura de filtros por data, exportação de relatórios e logs de ações.</a:t>
+                      </a:r>
+                      <a:endParaRPr lang="pt-BR" sz="1200" b="0" i="0" u="none" strike="noStrike" dirty="0">
+                        <a:solidFill>
+                          <a:srgbClr val="000000"/>
+                        </a:solidFill>
+                        <a:effectLst/>
+                        <a:latin typeface="Aptos Narrow" panose="020B0004020202020204" pitchFamily="34" charset="0"/>
+                      </a:endParaRPr>
+                    </a:p>
+                  </a:txBody>
+                  <a:tcPr marL="9525" marR="9525" marT="9525" marB="0" anchor="ctr"/>
+                </a:tc>
+                <a:tc>
+                  <a:txBody>
+                    <a:bodyPr/>
+                    <a:lstStyle/>
+                    <a:p>
+                      <a:pPr algn="ctr" fontAlgn="ctr"/>
+                      <a:r>
+                        <a:rPr lang="pt-BR" sz="1200" u="none" strike="noStrike" dirty="0">
+                          <a:effectLst/>
+                        </a:rPr>
+                        <a:t>Média</a:t>
+                      </a:r>
+                      <a:endParaRPr lang="pt-BR" sz="1200" b="0" i="0" u="none" strike="noStrike" dirty="0">
+                        <a:solidFill>
+                          <a:srgbClr val="000000"/>
+                        </a:solidFill>
+                        <a:effectLst/>
+                        <a:latin typeface="Aptos Narrow" panose="020B0004020202020204" pitchFamily="34" charset="0"/>
+                      </a:endParaRPr>
+                    </a:p>
+                  </a:txBody>
+                  <a:tcPr marL="9525" marR="9525" marT="9525" marB="0" anchor="ctr"/>
+                </a:tc>
+                <a:extLst>
+                  <a:ext uri="{0D108BD9-81ED-4DB2-BD59-A6C34878D82A}">
+                    <a16:rowId xmlns:a16="http://schemas.microsoft.com/office/drawing/2014/main" val="3487331471"/>
                   </a:ext>
                 </a:extLst>
               </a:tr>
@@ -13316,7 +13173,7 @@
     </p:spTree>
     <p:extLst>
       <p:ext uri="{BB962C8B-B14F-4D97-AF65-F5344CB8AC3E}">
-        <p14:creationId xmlns:p14="http://schemas.microsoft.com/office/powerpoint/2010/main" val="1596327379"/>
+        <p14:creationId xmlns:p14="http://schemas.microsoft.com/office/powerpoint/2010/main" val="406958711"/>
       </p:ext>
     </p:extLst>
   </p:cSld>
@@ -13600,8 +13457,8 @@
         </p:nvSpPr>
         <p:spPr>
           <a:xfrm>
-            <a:off x="1699259" y="185020"/>
-            <a:ext cx="8793481" cy="646331"/>
+            <a:off x="1699259" y="345653"/>
+            <a:ext cx="8793481" cy="707886"/>
           </a:xfrm>
           <a:prstGeom prst="rect">
             <a:avLst/>
@@ -13616,90 +13473,475 @@
           <a:p>
             <a:pPr algn="ctr"/>
             <a:r>
-              <a:rPr lang="pt-BR" sz="3600" b="1" dirty="0">
+              <a:rPr lang="pt-BR" sz="4000" b="1" dirty="0">
                 <a:latin typeface="Verdana" panose="020B0604030504040204" pitchFamily="34" charset="0"/>
                 <a:ea typeface="Verdana" panose="020B0604030504040204" pitchFamily="34" charset="0"/>
               </a:rPr>
-              <a:t>CASO DE USO</a:t>
+              <a:t>REGRAS DE NEGÓCIO</a:t>
             </a:r>
           </a:p>
         </p:txBody>
       </p:sp>
-      <p:pic>
-        <p:nvPicPr>
-          <p:cNvPr id="6" name="Imagem 5" descr="Diagrama&#10;&#10;O conteúdo gerado por IA pode estar incorreto.">
+      <p:graphicFrame>
+        <p:nvGraphicFramePr>
+          <p:cNvPr id="6" name="Tabela 5">
             <a:extLst>
               <a:ext uri="{FF2B5EF4-FFF2-40B4-BE49-F238E27FC236}">
-                <a16:creationId xmlns:a16="http://schemas.microsoft.com/office/drawing/2014/main" id="{CB29A6FF-A929-E181-828C-02954BA9DA19}"/>
+                <a16:creationId xmlns:a16="http://schemas.microsoft.com/office/drawing/2014/main" id="{353191DB-F41E-88C9-A4C2-D0F05F24655F}"/>
               </a:ext>
             </a:extLst>
           </p:cNvPr>
-          <p:cNvPicPr>
-            <a:picLocks noChangeAspect="1"/>
-          </p:cNvPicPr>
-          <p:nvPr/>
-        </p:nvPicPr>
-        <p:blipFill>
-          <a:blip r:embed="rId7">
-            <a:extLst>
-              <a:ext uri="{28A0092B-C50C-407E-A947-70E740481C1C}">
-                <a14:useLocalDpi xmlns:a14="http://schemas.microsoft.com/office/drawing/2010/main" val="0"/>
-              </a:ext>
-            </a:extLst>
-          </a:blip>
-          <a:srcRect l="3934" t="1180"/>
-          <a:stretch/>
-        </p:blipFill>
-        <p:spPr>
-          <a:xfrm>
-            <a:off x="1473543" y="831351"/>
-            <a:ext cx="3520526" cy="5987412"/>
-          </a:xfrm>
-          <a:prstGeom prst="rect">
-            <a:avLst/>
-          </a:prstGeom>
-        </p:spPr>
-      </p:pic>
-      <p:pic>
-        <p:nvPicPr>
-          <p:cNvPr id="10" name="Imagem 9" descr="Diagrama&#10;&#10;O conteúdo gerado por IA pode estar incorreto.">
-            <a:extLst>
-              <a:ext uri="{FF2B5EF4-FFF2-40B4-BE49-F238E27FC236}">
-                <a16:creationId xmlns:a16="http://schemas.microsoft.com/office/drawing/2014/main" id="{2CBE8BAE-CCEC-8087-6A7A-3AA005F975C0}"/>
-              </a:ext>
-            </a:extLst>
-          </p:cNvPr>
-          <p:cNvPicPr>
-            <a:picLocks noChangeAspect="1"/>
-          </p:cNvPicPr>
-          <p:nvPr/>
-        </p:nvPicPr>
-        <p:blipFill>
-          <a:blip r:embed="rId8">
-            <a:extLst>
-              <a:ext uri="{28A0092B-C50C-407E-A947-70E740481C1C}">
-                <a14:useLocalDpi xmlns:a14="http://schemas.microsoft.com/office/drawing/2010/main" val="0"/>
-              </a:ext>
-            </a:extLst>
-          </a:blip>
-          <a:stretch>
-            <a:fillRect/>
-          </a:stretch>
-        </p:blipFill>
-        <p:spPr>
-          <a:xfrm>
-            <a:off x="5852185" y="971550"/>
-            <a:ext cx="3867391" cy="5886450"/>
-          </a:xfrm>
-          <a:prstGeom prst="rect">
-            <a:avLst/>
-          </a:prstGeom>
-        </p:spPr>
-      </p:pic>
+          <p:cNvGraphicFramePr>
+            <a:graphicFrameLocks noGrp="1"/>
+          </p:cNvGraphicFramePr>
+          <p:nvPr>
+            <p:extLst>
+              <p:ext uri="{D42A27DB-BD31-4B8C-83A1-F6EECF244321}">
+                <p14:modId xmlns:p14="http://schemas.microsoft.com/office/powerpoint/2010/main" val="1419011553"/>
+              </p:ext>
+            </p:extLst>
+          </p:nvPr>
+        </p:nvGraphicFramePr>
+        <p:xfrm>
+          <a:off x="1104899" y="1100723"/>
+          <a:ext cx="10199209" cy="4477949"/>
+        </p:xfrm>
+        <a:graphic>
+          <a:graphicData uri="http://schemas.openxmlformats.org/drawingml/2006/table">
+            <a:tbl>
+              <a:tblPr>
+                <a:tableStyleId>{5C22544A-7EE6-4342-B048-85BDC9FD1C3A}</a:tableStyleId>
+              </a:tblPr>
+              <a:tblGrid>
+                <a:gridCol w="1546476">
+                  <a:extLst>
+                    <a:ext uri="{9D8B030D-6E8A-4147-A177-3AD203B41FA5}">
+                      <a16:colId xmlns:a16="http://schemas.microsoft.com/office/drawing/2014/main" val="3391667555"/>
+                    </a:ext>
+                  </a:extLst>
+                </a:gridCol>
+                <a:gridCol w="8652733">
+                  <a:extLst>
+                    <a:ext uri="{9D8B030D-6E8A-4147-A177-3AD203B41FA5}">
+                      <a16:colId xmlns:a16="http://schemas.microsoft.com/office/drawing/2014/main" val="565235345"/>
+                    </a:ext>
+                  </a:extLst>
+                </a:gridCol>
+              </a:tblGrid>
+              <a:tr h="670355">
+                <a:tc>
+                  <a:txBody>
+                    <a:bodyPr/>
+                    <a:lstStyle/>
+                    <a:p>
+                      <a:pPr algn="ctr" fontAlgn="ctr"/>
+                      <a:r>
+                        <a:rPr lang="pt-BR" sz="1300" b="1" u="none" strike="noStrike" dirty="0">
+                          <a:effectLst/>
+                        </a:rPr>
+                        <a:t>Código</a:t>
+                      </a:r>
+                      <a:endParaRPr lang="pt-BR" sz="1300" b="1" i="0" u="none" strike="noStrike" dirty="0">
+                        <a:solidFill>
+                          <a:srgbClr val="FFFFFF"/>
+                        </a:solidFill>
+                        <a:effectLst/>
+                        <a:latin typeface="Aptos Narrow" panose="020B0004020202020204" pitchFamily="34" charset="0"/>
+                      </a:endParaRPr>
+                    </a:p>
+                  </a:txBody>
+                  <a:tcPr marL="9525" marR="9525" marT="9525" marB="0" anchor="ctr"/>
+                </a:tc>
+                <a:tc>
+                  <a:txBody>
+                    <a:bodyPr/>
+                    <a:lstStyle/>
+                    <a:p>
+                      <a:pPr algn="ctr" fontAlgn="ctr"/>
+                      <a:r>
+                        <a:rPr lang="pt-BR" sz="1300" b="1" u="none" strike="noStrike" dirty="0">
+                          <a:effectLst/>
+                        </a:rPr>
+                        <a:t>Descrição </a:t>
+                      </a:r>
+                      <a:endParaRPr lang="pt-BR" sz="1300" b="1" i="0" u="none" strike="noStrike" dirty="0">
+                        <a:solidFill>
+                          <a:srgbClr val="FFFFFF"/>
+                        </a:solidFill>
+                        <a:effectLst/>
+                        <a:latin typeface="Aptos Narrow" panose="020B0004020202020204" pitchFamily="34" charset="0"/>
+                      </a:endParaRPr>
+                    </a:p>
+                  </a:txBody>
+                  <a:tcPr marL="9525" marR="9525" marT="9525" marB="0" anchor="ctr"/>
+                </a:tc>
+                <a:extLst>
+                  <a:ext uri="{0D108BD9-81ED-4DB2-BD59-A6C34878D82A}">
+                    <a16:rowId xmlns:a16="http://schemas.microsoft.com/office/drawing/2014/main" val="2531779177"/>
+                  </a:ext>
+                </a:extLst>
+              </a:tr>
+              <a:tr h="670355">
+                <a:tc>
+                  <a:txBody>
+                    <a:bodyPr/>
+                    <a:lstStyle/>
+                    <a:p>
+                      <a:pPr algn="ctr" fontAlgn="ctr"/>
+                      <a:r>
+                        <a:rPr lang="pt-BR" sz="1300" u="none" strike="noStrike">
+                          <a:effectLst/>
+                        </a:rPr>
+                        <a:t>RN002</a:t>
+                      </a:r>
+                      <a:endParaRPr lang="pt-BR" sz="1300" b="0" i="0" u="none" strike="noStrike">
+                        <a:solidFill>
+                          <a:srgbClr val="000000"/>
+                        </a:solidFill>
+                        <a:effectLst/>
+                        <a:latin typeface="Aptos Narrow" panose="020B0004020202020204" pitchFamily="34" charset="0"/>
+                      </a:endParaRPr>
+                    </a:p>
+                  </a:txBody>
+                  <a:tcPr marL="9525" marR="9525" marT="9525" marB="0" anchor="ctr"/>
+                </a:tc>
+                <a:tc>
+                  <a:txBody>
+                    <a:bodyPr/>
+                    <a:lstStyle/>
+                    <a:p>
+                      <a:pPr algn="ctr" fontAlgn="ctr"/>
+                      <a:r>
+                        <a:rPr lang="pt-BR" sz="1300" u="none" strike="noStrike">
+                          <a:effectLst/>
+                        </a:rPr>
+                        <a:t>Os funcionários podem ser separados por perfis. Assim, havendo hieráquia de acessos.</a:t>
+                      </a:r>
+                      <a:endParaRPr lang="pt-BR" sz="1300" b="0" i="0" u="none" strike="noStrike">
+                        <a:solidFill>
+                          <a:srgbClr val="000000"/>
+                        </a:solidFill>
+                        <a:effectLst/>
+                        <a:latin typeface="Aptos Narrow" panose="020B0004020202020204" pitchFamily="34" charset="0"/>
+                      </a:endParaRPr>
+                    </a:p>
+                  </a:txBody>
+                  <a:tcPr marL="9525" marR="9525" marT="9525" marB="0" anchor="ctr"/>
+                </a:tc>
+                <a:extLst>
+                  <a:ext uri="{0D108BD9-81ED-4DB2-BD59-A6C34878D82A}">
+                    <a16:rowId xmlns:a16="http://schemas.microsoft.com/office/drawing/2014/main" val="388555506"/>
+                  </a:ext>
+                </a:extLst>
+              </a:tr>
+              <a:tr h="670355">
+                <a:tc>
+                  <a:txBody>
+                    <a:bodyPr/>
+                    <a:lstStyle/>
+                    <a:p>
+                      <a:pPr algn="ctr" fontAlgn="ctr"/>
+                      <a:r>
+                        <a:rPr lang="pt-BR" sz="1300" u="none" strike="noStrike">
+                          <a:effectLst/>
+                        </a:rPr>
+                        <a:t>RN003</a:t>
+                      </a:r>
+                      <a:endParaRPr lang="pt-BR" sz="1300" b="0" i="0" u="none" strike="noStrike">
+                        <a:solidFill>
+                          <a:srgbClr val="000000"/>
+                        </a:solidFill>
+                        <a:effectLst/>
+                        <a:latin typeface="Aptos Narrow" panose="020B0004020202020204" pitchFamily="34" charset="0"/>
+                      </a:endParaRPr>
+                    </a:p>
+                  </a:txBody>
+                  <a:tcPr marL="9525" marR="9525" marT="9525" marB="0" anchor="ctr"/>
+                </a:tc>
+                <a:tc>
+                  <a:txBody>
+                    <a:bodyPr/>
+                    <a:lstStyle/>
+                    <a:p>
+                      <a:pPr algn="ctr" fontAlgn="ctr"/>
+                      <a:r>
+                        <a:rPr lang="pt-BR" sz="1300" u="none" strike="noStrike" dirty="0">
+                          <a:effectLst/>
+                        </a:rPr>
+                        <a:t>O funcionário pode cadastrar novos produtos, registrar movimentações (entrada/saída) no estoque, visualizar todo o estoque.</a:t>
+                      </a:r>
+                      <a:endParaRPr lang="pt-BR" sz="1300" b="0" i="0" u="none" strike="noStrike" dirty="0">
+                        <a:solidFill>
+                          <a:srgbClr val="000000"/>
+                        </a:solidFill>
+                        <a:effectLst/>
+                        <a:latin typeface="Aptos Narrow" panose="020B0004020202020204" pitchFamily="34" charset="0"/>
+                      </a:endParaRPr>
+                    </a:p>
+                  </a:txBody>
+                  <a:tcPr marL="9525" marR="9525" marT="9525" marB="0" anchor="ctr"/>
+                </a:tc>
+                <a:extLst>
+                  <a:ext uri="{0D108BD9-81ED-4DB2-BD59-A6C34878D82A}">
+                    <a16:rowId xmlns:a16="http://schemas.microsoft.com/office/drawing/2014/main" val="3861369505"/>
+                  </a:ext>
+                </a:extLst>
+              </a:tr>
+              <a:tr h="670355">
+                <a:tc>
+                  <a:txBody>
+                    <a:bodyPr/>
+                    <a:lstStyle/>
+                    <a:p>
+                      <a:pPr algn="ctr" fontAlgn="ctr"/>
+                      <a:r>
+                        <a:rPr lang="pt-BR" sz="1300" u="none" strike="noStrike">
+                          <a:effectLst/>
+                        </a:rPr>
+                        <a:t>RN005</a:t>
+                      </a:r>
+                      <a:endParaRPr lang="pt-BR" sz="1300" b="0" i="0" u="none" strike="noStrike">
+                        <a:solidFill>
+                          <a:srgbClr val="000000"/>
+                        </a:solidFill>
+                        <a:effectLst/>
+                        <a:latin typeface="Aptos Narrow" panose="020B0004020202020204" pitchFamily="34" charset="0"/>
+                      </a:endParaRPr>
+                    </a:p>
+                  </a:txBody>
+                  <a:tcPr marL="9525" marR="9525" marT="9525" marB="0" anchor="ctr"/>
+                </a:tc>
+                <a:tc>
+                  <a:txBody>
+                    <a:bodyPr/>
+                    <a:lstStyle/>
+                    <a:p>
+                      <a:pPr algn="ctr" fontAlgn="ctr"/>
+                      <a:r>
+                        <a:rPr lang="pt-BR" sz="1300" u="none" strike="noStrike">
+                          <a:effectLst/>
+                        </a:rPr>
+                        <a:t>Devem ser gerados relatórios básicos de vendas e movimentação de estoque.</a:t>
+                      </a:r>
+                      <a:endParaRPr lang="pt-BR" sz="1300" b="0" i="0" u="none" strike="noStrike">
+                        <a:solidFill>
+                          <a:srgbClr val="000000"/>
+                        </a:solidFill>
+                        <a:effectLst/>
+                        <a:latin typeface="Aptos Narrow" panose="020B0004020202020204" pitchFamily="34" charset="0"/>
+                      </a:endParaRPr>
+                    </a:p>
+                  </a:txBody>
+                  <a:tcPr marL="9525" marR="9525" marT="9525" marB="0" anchor="ctr"/>
+                </a:tc>
+                <a:extLst>
+                  <a:ext uri="{0D108BD9-81ED-4DB2-BD59-A6C34878D82A}">
+                    <a16:rowId xmlns:a16="http://schemas.microsoft.com/office/drawing/2014/main" val="2632710510"/>
+                  </a:ext>
+                </a:extLst>
+              </a:tr>
+              <a:tr h="670355">
+                <a:tc>
+                  <a:txBody>
+                    <a:bodyPr/>
+                    <a:lstStyle/>
+                    <a:p>
+                      <a:pPr algn="ctr" fontAlgn="ctr"/>
+                      <a:r>
+                        <a:rPr lang="pt-BR" sz="1300" u="none" strike="noStrike">
+                          <a:effectLst/>
+                        </a:rPr>
+                        <a:t>RN006</a:t>
+                      </a:r>
+                      <a:endParaRPr lang="pt-BR" sz="1300" b="0" i="0" u="none" strike="noStrike">
+                        <a:solidFill>
+                          <a:srgbClr val="000000"/>
+                        </a:solidFill>
+                        <a:effectLst/>
+                        <a:latin typeface="Aptos Narrow" panose="020B0004020202020204" pitchFamily="34" charset="0"/>
+                      </a:endParaRPr>
+                    </a:p>
+                  </a:txBody>
+                  <a:tcPr marL="9525" marR="9525" marT="9525" marB="0" anchor="ctr"/>
+                </a:tc>
+                <a:tc>
+                  <a:txBody>
+                    <a:bodyPr/>
+                    <a:lstStyle/>
+                    <a:p>
+                      <a:pPr algn="ctr" fontAlgn="ctr"/>
+                      <a:r>
+                        <a:rPr lang="pt-BR" sz="1300" u="none" strike="noStrike" dirty="0">
+                          <a:effectLst/>
+                        </a:rPr>
+                        <a:t>Somente funcionários com permissão podem gerenciar os fornecedores, </a:t>
+                      </a:r>
+                      <a:r>
+                        <a:rPr lang="pt-BR" sz="1300" u="none" strike="noStrike" dirty="0" err="1">
+                          <a:effectLst/>
+                        </a:rPr>
+                        <a:t>funcionários,produtos</a:t>
+                      </a:r>
+                      <a:r>
+                        <a:rPr lang="pt-BR" sz="1300" u="none" strike="noStrike" dirty="0">
+                          <a:effectLst/>
+                        </a:rPr>
+                        <a:t> e clientes(cadastrar, editar, excluir e </a:t>
+                      </a:r>
+                      <a:r>
+                        <a:rPr lang="pt-BR" sz="1300" u="none" strike="noStrike" dirty="0" err="1">
+                          <a:effectLst/>
+                        </a:rPr>
+                        <a:t>etc</a:t>
+                      </a:r>
+                      <a:r>
+                        <a:rPr lang="pt-BR" sz="1300" u="none" strike="noStrike" dirty="0">
+                          <a:effectLst/>
+                        </a:rPr>
+                        <a:t>).</a:t>
+                      </a:r>
+                      <a:endParaRPr lang="pt-BR" sz="1300" b="0" i="0" u="none" strike="noStrike" dirty="0">
+                        <a:solidFill>
+                          <a:srgbClr val="000000"/>
+                        </a:solidFill>
+                        <a:effectLst/>
+                        <a:latin typeface="Aptos Narrow" panose="020B0004020202020204" pitchFamily="34" charset="0"/>
+                      </a:endParaRPr>
+                    </a:p>
+                  </a:txBody>
+                  <a:tcPr marL="9525" marR="9525" marT="9525" marB="0" anchor="ctr"/>
+                </a:tc>
+                <a:extLst>
+                  <a:ext uri="{0D108BD9-81ED-4DB2-BD59-A6C34878D82A}">
+                    <a16:rowId xmlns:a16="http://schemas.microsoft.com/office/drawing/2014/main" val="2754805295"/>
+                  </a:ext>
+                </a:extLst>
+              </a:tr>
+              <a:tr h="567177">
+                <a:tc>
+                  <a:txBody>
+                    <a:bodyPr/>
+                    <a:lstStyle/>
+                    <a:p>
+                      <a:pPr algn="ctr" fontAlgn="ctr"/>
+                      <a:r>
+                        <a:rPr lang="pt-BR" sz="1300" u="none" strike="noStrike">
+                          <a:effectLst/>
+                        </a:rPr>
+                        <a:t>RN011</a:t>
+                      </a:r>
+                      <a:endParaRPr lang="pt-BR" sz="1300" b="0" i="0" u="none" strike="noStrike">
+                        <a:solidFill>
+                          <a:srgbClr val="000000"/>
+                        </a:solidFill>
+                        <a:effectLst/>
+                        <a:latin typeface="Aptos Narrow" panose="020B0004020202020204" pitchFamily="34" charset="0"/>
+                      </a:endParaRPr>
+                    </a:p>
+                  </a:txBody>
+                  <a:tcPr marL="9525" marR="9525" marT="9525" marB="0" anchor="ctr"/>
+                </a:tc>
+                <a:tc>
+                  <a:txBody>
+                    <a:bodyPr/>
+                    <a:lstStyle/>
+                    <a:p>
+                      <a:pPr algn="ctr" fontAlgn="ctr"/>
+                      <a:r>
+                        <a:rPr lang="pt-BR" sz="1300" u="none" strike="noStrike" dirty="0">
+                          <a:effectLst/>
+                        </a:rPr>
+                        <a:t>As movimentações funcionarão da seguinte maneira, Entrada: Produto vindo do fornecedor  = aumenta o estoque,</a:t>
+                      </a:r>
+                      <a:br>
+                        <a:rPr lang="pt-BR" sz="1300" u="none" strike="noStrike" dirty="0">
+                          <a:effectLst/>
+                        </a:rPr>
+                      </a:br>
+                      <a:r>
+                        <a:rPr lang="pt-BR" sz="1300" u="none" strike="noStrike" dirty="0">
+                          <a:effectLst/>
+                        </a:rPr>
+                        <a:t>Saída: Produto indo para cliente = reduz o estoque</a:t>
+                      </a:r>
+                      <a:endParaRPr lang="pt-BR" sz="1300" b="0" i="0" u="none" strike="noStrike" dirty="0">
+                        <a:solidFill>
+                          <a:srgbClr val="000000"/>
+                        </a:solidFill>
+                        <a:effectLst/>
+                        <a:latin typeface="Aptos Narrow" panose="020B0004020202020204" pitchFamily="34" charset="0"/>
+                      </a:endParaRPr>
+                    </a:p>
+                  </a:txBody>
+                  <a:tcPr marL="9525" marR="9525" marT="9525" marB="0" anchor="ctr"/>
+                </a:tc>
+                <a:extLst>
+                  <a:ext uri="{0D108BD9-81ED-4DB2-BD59-A6C34878D82A}">
+                    <a16:rowId xmlns:a16="http://schemas.microsoft.com/office/drawing/2014/main" val="1545202502"/>
+                  </a:ext>
+                </a:extLst>
+              </a:tr>
+              <a:tr h="558997">
+                <a:tc>
+                  <a:txBody>
+                    <a:bodyPr/>
+                    <a:lstStyle/>
+                    <a:p>
+                      <a:pPr algn="ctr" fontAlgn="ctr"/>
+                      <a:r>
+                        <a:rPr lang="pt-BR" sz="1300" u="none" strike="noStrike">
+                          <a:effectLst/>
+                        </a:rPr>
+                        <a:t>RN014</a:t>
+                      </a:r>
+                      <a:endParaRPr lang="pt-BR" sz="1300" b="0" i="0" u="none" strike="noStrike">
+                        <a:solidFill>
+                          <a:srgbClr val="000000"/>
+                        </a:solidFill>
+                        <a:effectLst/>
+                        <a:latin typeface="Aptos Narrow" panose="020B0004020202020204" pitchFamily="34" charset="0"/>
+                      </a:endParaRPr>
+                    </a:p>
+                  </a:txBody>
+                  <a:tcPr marL="9525" marR="9525" marT="9525" marB="0" anchor="ctr"/>
+                </a:tc>
+                <a:tc>
+                  <a:txBody>
+                    <a:bodyPr/>
+                    <a:lstStyle/>
+                    <a:p>
+                      <a:pPr algn="ctr" fontAlgn="ctr"/>
+                      <a:r>
+                        <a:rPr lang="pt-BR" sz="1300" u="none" strike="noStrike" dirty="0">
+                          <a:effectLst/>
+                        </a:rPr>
+                        <a:t>Não há subdivisão por setor ou departamentos no momento.</a:t>
+                      </a:r>
+                      <a:endParaRPr lang="pt-BR" sz="1300" b="0" i="0" u="none" strike="noStrike" dirty="0">
+                        <a:solidFill>
+                          <a:srgbClr val="000000"/>
+                        </a:solidFill>
+                        <a:effectLst/>
+                        <a:latin typeface="Aptos Narrow" panose="020B0004020202020204" pitchFamily="34" charset="0"/>
+                      </a:endParaRPr>
+                    </a:p>
+                  </a:txBody>
+                  <a:tcPr marL="9525" marR="9525" marT="9525" marB="0" anchor="ctr"/>
+                </a:tc>
+                <a:extLst>
+                  <a:ext uri="{0D108BD9-81ED-4DB2-BD59-A6C34878D82A}">
+                    <a16:rowId xmlns:a16="http://schemas.microsoft.com/office/drawing/2014/main" val="2060434917"/>
+                  </a:ext>
+                </a:extLst>
+              </a:tr>
+            </a:tbl>
+          </a:graphicData>
+        </a:graphic>
+      </p:graphicFrame>
     </p:spTree>
     <p:extLst>
       <p:ext uri="{BB962C8B-B14F-4D97-AF65-F5344CB8AC3E}">
-        <p14:creationId xmlns:p14="http://schemas.microsoft.com/office/powerpoint/2010/main" val="2753018393"/>
+        <p14:creationId xmlns:p14="http://schemas.microsoft.com/office/powerpoint/2010/main" val="1596327379"/>
       </p:ext>
     </p:extLst>
   </p:cSld>
@@ -14010,10 +14252,10 @@
       </p:sp>
       <p:pic>
         <p:nvPicPr>
-          <p:cNvPr id="8" name="Imagem 7" descr="Diagrama&#10;&#10;O conteúdo gerado por IA pode estar incorreto.">
+          <p:cNvPr id="10" name="Imagem 9" descr="Diagrama&#10;&#10;O conteúdo gerado por IA pode estar incorreto.">
             <a:extLst>
               <a:ext uri="{FF2B5EF4-FFF2-40B4-BE49-F238E27FC236}">
-                <a16:creationId xmlns:a16="http://schemas.microsoft.com/office/drawing/2014/main" id="{0AE48719-E1A8-E112-7317-B77776CF6EE1}"/>
+                <a16:creationId xmlns:a16="http://schemas.microsoft.com/office/drawing/2014/main" id="{2CBE8BAE-CCEC-8087-6A7A-3AA005F975C0}"/>
               </a:ext>
             </a:extLst>
           </p:cNvPr>
@@ -14036,8 +14278,8 @@
         </p:blipFill>
         <p:spPr>
           <a:xfrm>
-            <a:off x="1468690" y="878535"/>
-            <a:ext cx="4158761" cy="6150064"/>
+            <a:off x="5852185" y="971550"/>
+            <a:ext cx="3867391" cy="5886450"/>
           </a:xfrm>
           <a:prstGeom prst="rect">
             <a:avLst/>
@@ -14046,10 +14288,10 @@
       </p:pic>
       <p:pic>
         <p:nvPicPr>
-          <p:cNvPr id="13" name="Imagem 12" descr="Diagrama&#10;&#10;O conteúdo gerado por IA pode estar incorreto.">
+          <p:cNvPr id="8" name="Imagem 7" descr="Diagrama&#10;&#10;O conteúdo gerado por IA pode estar incorreto.">
             <a:extLst>
               <a:ext uri="{FF2B5EF4-FFF2-40B4-BE49-F238E27FC236}">
-                <a16:creationId xmlns:a16="http://schemas.microsoft.com/office/drawing/2014/main" id="{D7E81B56-11C4-5000-46D4-EFFF0E19A983}"/>
+                <a16:creationId xmlns:a16="http://schemas.microsoft.com/office/drawing/2014/main" id="{5EDB8D68-362D-D46B-6EBF-C71FB4379AE7}"/>
               </a:ext>
             </a:extLst>
           </p:cNvPr>
@@ -14072,8 +14314,8 @@
         </p:blipFill>
         <p:spPr>
           <a:xfrm>
-            <a:off x="5796863" y="878535"/>
-            <a:ext cx="4117727" cy="5979465"/>
+            <a:off x="2077164" y="946908"/>
+            <a:ext cx="3496181" cy="5819775"/>
           </a:xfrm>
           <a:prstGeom prst="rect">
             <a:avLst/>
@@ -14083,7 +14325,7 @@
     </p:spTree>
     <p:extLst>
       <p:ext uri="{BB962C8B-B14F-4D97-AF65-F5344CB8AC3E}">
-        <p14:creationId xmlns:p14="http://schemas.microsoft.com/office/powerpoint/2010/main" val="4202520673"/>
+        <p14:creationId xmlns:p14="http://schemas.microsoft.com/office/powerpoint/2010/main" val="2753018393"/>
       </p:ext>
     </p:extLst>
   </p:cSld>
@@ -14394,10 +14636,10 @@
       </p:sp>
       <p:pic>
         <p:nvPicPr>
-          <p:cNvPr id="6" name="Imagem 5" descr="Diagrama&#10;&#10;O conteúdo gerado por IA pode estar incorreto.">
+          <p:cNvPr id="8" name="Imagem 7" descr="Diagrama&#10;&#10;O conteúdo gerado por IA pode estar incorreto.">
             <a:extLst>
               <a:ext uri="{FF2B5EF4-FFF2-40B4-BE49-F238E27FC236}">
-                <a16:creationId xmlns:a16="http://schemas.microsoft.com/office/drawing/2014/main" id="{1D5F61B9-35F5-C18C-BE7B-76CF76F8C61D}"/>
+                <a16:creationId xmlns:a16="http://schemas.microsoft.com/office/drawing/2014/main" id="{0AE48719-E1A8-E112-7317-B77776CF6EE1}"/>
               </a:ext>
             </a:extLst>
           </p:cNvPr>
@@ -14420,8 +14662,44 @@
         </p:blipFill>
         <p:spPr>
           <a:xfrm>
-            <a:off x="3337203" y="1668304"/>
-            <a:ext cx="5517593" cy="3915017"/>
+            <a:off x="1468690" y="878535"/>
+            <a:ext cx="4158761" cy="6150064"/>
+          </a:xfrm>
+          <a:prstGeom prst="rect">
+            <a:avLst/>
+          </a:prstGeom>
+        </p:spPr>
+      </p:pic>
+      <p:pic>
+        <p:nvPicPr>
+          <p:cNvPr id="13" name="Imagem 12" descr="Diagrama&#10;&#10;O conteúdo gerado por IA pode estar incorreto.">
+            <a:extLst>
+              <a:ext uri="{FF2B5EF4-FFF2-40B4-BE49-F238E27FC236}">
+                <a16:creationId xmlns:a16="http://schemas.microsoft.com/office/drawing/2014/main" id="{D7E81B56-11C4-5000-46D4-EFFF0E19A983}"/>
+              </a:ext>
+            </a:extLst>
+          </p:cNvPr>
+          <p:cNvPicPr>
+            <a:picLocks noChangeAspect="1"/>
+          </p:cNvPicPr>
+          <p:nvPr/>
+        </p:nvPicPr>
+        <p:blipFill>
+          <a:blip r:embed="rId8">
+            <a:extLst>
+              <a:ext uri="{28A0092B-C50C-407E-A947-70E740481C1C}">
+                <a14:useLocalDpi xmlns:a14="http://schemas.microsoft.com/office/drawing/2010/main" val="0"/>
+              </a:ext>
+            </a:extLst>
+          </a:blip>
+          <a:stretch>
+            <a:fillRect/>
+          </a:stretch>
+        </p:blipFill>
+        <p:spPr>
+          <a:xfrm>
+            <a:off x="5796863" y="878535"/>
+            <a:ext cx="4117727" cy="5979465"/>
           </a:xfrm>
           <a:prstGeom prst="rect">
             <a:avLst/>
@@ -14431,7 +14709,7 @@
     </p:spTree>
     <p:extLst>
       <p:ext uri="{BB962C8B-B14F-4D97-AF65-F5344CB8AC3E}">
-        <p14:creationId xmlns:p14="http://schemas.microsoft.com/office/powerpoint/2010/main" val="1058723166"/>
+        <p14:creationId xmlns:p14="http://schemas.microsoft.com/office/powerpoint/2010/main" val="4202520673"/>
       </p:ext>
     </p:extLst>
   </p:cSld>
@@ -14494,6 +14772,177 @@
           </a:prstGeom>
         </p:spPr>
       </p:pic>
+      <p:grpSp>
+        <p:nvGrpSpPr>
+          <p:cNvPr id="12" name="Agrupar 11">
+            <a:extLst>
+              <a:ext uri="{FF2B5EF4-FFF2-40B4-BE49-F238E27FC236}">
+                <a16:creationId xmlns:a16="http://schemas.microsoft.com/office/drawing/2014/main" id="{CC5EF651-2DA5-0E70-EFF7-9488FEEFB47A}"/>
+              </a:ext>
+            </a:extLst>
+          </p:cNvPr>
+          <p:cNvGrpSpPr>
+            <a:grpSpLocks noGrp="1" noUngrp="1" noRot="1" noMove="1" noResize="1"/>
+          </p:cNvGrpSpPr>
+          <p:nvPr/>
+        </p:nvGrpSpPr>
+        <p:grpSpPr>
+          <a:xfrm>
+            <a:off x="6096000" y="5838415"/>
+            <a:ext cx="6096000" cy="1143000"/>
+            <a:chOff x="6096000" y="5838415"/>
+            <a:chExt cx="6096000" cy="1143000"/>
+          </a:xfrm>
+        </p:grpSpPr>
+        <p:sp>
+          <p:nvSpPr>
+            <p:cNvPr id="7" name="Retângulo 6">
+              <a:extLst>
+                <a:ext uri="{FF2B5EF4-FFF2-40B4-BE49-F238E27FC236}">
+                  <a16:creationId xmlns:a16="http://schemas.microsoft.com/office/drawing/2014/main" id="{728628C8-8C44-0CBC-DF6C-CEC9E1371D2D}"/>
+                </a:ext>
+              </a:extLst>
+            </p:cNvPr>
+            <p:cNvSpPr>
+              <a:spLocks noGrp="1" noRot="1" noMove="1" noResize="1" noEditPoints="1" noAdjustHandles="1" noChangeArrowheads="1" noChangeShapeType="1"/>
+            </p:cNvSpPr>
+            <p:nvPr/>
+          </p:nvSpPr>
+          <p:spPr>
+            <a:xfrm>
+              <a:off x="6096000" y="6675368"/>
+              <a:ext cx="6096000" cy="182632"/>
+            </a:xfrm>
+            <a:prstGeom prst="rect">
+              <a:avLst/>
+            </a:prstGeom>
+            <a:solidFill>
+              <a:srgbClr val="005CA8"/>
+            </a:solidFill>
+            <a:ln>
+              <a:noFill/>
+            </a:ln>
+          </p:spPr>
+          <p:style>
+            <a:lnRef idx="2">
+              <a:schemeClr val="accent1">
+                <a:shade val="50000"/>
+              </a:schemeClr>
+            </a:lnRef>
+            <a:fillRef idx="1">
+              <a:schemeClr val="accent1"/>
+            </a:fillRef>
+            <a:effectRef idx="0">
+              <a:schemeClr val="accent1"/>
+            </a:effectRef>
+            <a:fontRef idx="minor">
+              <a:schemeClr val="lt1"/>
+            </a:fontRef>
+          </p:style>
+          <p:txBody>
+            <a:bodyPr rtlCol="0" anchor="ctr"/>
+            <a:lstStyle/>
+            <a:p>
+              <a:pPr algn="ctr"/>
+              <a:endParaRPr lang="pt-BR">
+                <a:solidFill>
+                  <a:srgbClr val="14143C"/>
+                </a:solidFill>
+              </a:endParaRPr>
+            </a:p>
+          </p:txBody>
+        </p:sp>
+        <p:pic>
+          <p:nvPicPr>
+            <p:cNvPr id="2050" name="Picture 2" descr="FIESC">
+              <a:extLst>
+                <a:ext uri="{FF2B5EF4-FFF2-40B4-BE49-F238E27FC236}">
+                  <a16:creationId xmlns:a16="http://schemas.microsoft.com/office/drawing/2014/main" id="{1A67935A-584C-E520-7BC5-40CB572B176A}"/>
+                </a:ext>
+              </a:extLst>
+            </p:cNvPr>
+            <p:cNvPicPr>
+              <a:picLocks noGrp="1" noRot="1" noChangeAspect="1" noMove="1" noResize="1" noEditPoints="1" noAdjustHandles="1" noChangeArrowheads="1" noChangeShapeType="1" noCrop="1"/>
+            </p:cNvPicPr>
+            <p:nvPr/>
+          </p:nvPicPr>
+          <p:blipFill>
+            <a:blip r:embed="rId4">
+              <a:extLst>
+                <a:ext uri="{28A0092B-C50C-407E-A947-70E740481C1C}">
+                  <a14:useLocalDpi xmlns:a14="http://schemas.microsoft.com/office/drawing/2010/main" val="0"/>
+                </a:ext>
+              </a:extLst>
+            </a:blip>
+            <a:srcRect/>
+            <a:stretch>
+              <a:fillRect/>
+            </a:stretch>
+          </p:blipFill>
+          <p:spPr bwMode="auto">
+            <a:xfrm>
+              <a:off x="9888988" y="5838415"/>
+              <a:ext cx="2133600" cy="1143000"/>
+            </a:xfrm>
+            <a:prstGeom prst="rect">
+              <a:avLst/>
+            </a:prstGeom>
+            <a:noFill/>
+            <a:extLst>
+              <a:ext uri="{909E8E84-426E-40DD-AFC4-6F175D3DCCD1}">
+                <a14:hiddenFill xmlns:a14="http://schemas.microsoft.com/office/drawing/2010/main">
+                  <a:solidFill>
+                    <a:srgbClr val="FFFFFF"/>
+                  </a:solidFill>
+                </a14:hiddenFill>
+              </a:ext>
+            </a:extLst>
+          </p:spPr>
+        </p:pic>
+        <p:sp>
+          <p:nvSpPr>
+            <p:cNvPr id="11" name="CaixaDeTexto 10">
+              <a:extLst>
+                <a:ext uri="{FF2B5EF4-FFF2-40B4-BE49-F238E27FC236}">
+                  <a16:creationId xmlns:a16="http://schemas.microsoft.com/office/drawing/2014/main" id="{1936E23A-FA9B-49C2-6A13-B4C678B63766}"/>
+                </a:ext>
+              </a:extLst>
+            </p:cNvPr>
+            <p:cNvSpPr txBox="1">
+              <a:spLocks noGrp="1" noRot="1" noMove="1" noResize="1" noEditPoints="1" noAdjustHandles="1" noChangeArrowheads="1" noChangeShapeType="1"/>
+            </p:cNvSpPr>
+            <p:nvPr/>
+          </p:nvSpPr>
+          <p:spPr>
+            <a:xfrm>
+              <a:off x="10167827" y="6628184"/>
+              <a:ext cx="1575921" cy="276999"/>
+            </a:xfrm>
+            <a:prstGeom prst="rect">
+              <a:avLst/>
+            </a:prstGeom>
+            <a:noFill/>
+          </p:spPr>
+          <p:txBody>
+            <a:bodyPr wrap="square" rtlCol="0">
+              <a:spAutoFit/>
+            </a:bodyPr>
+            <a:lstStyle/>
+            <a:p>
+              <a:r>
+                <a:rPr lang="pt-BR" sz="1200" b="1" i="1" dirty="0">
+                  <a:solidFill>
+                    <a:schemeClr val="bg1"/>
+                  </a:solidFill>
+                  <a:latin typeface="Aharoni" panose="02010803020104030203" pitchFamily="2" charset="-79"/>
+                  <a:cs typeface="Aharoni" panose="02010803020104030203" pitchFamily="2" charset="-79"/>
+                </a:rPr>
+                <a:t>SESI – SENAI - IEL</a:t>
+              </a:r>
+            </a:p>
+          </p:txBody>
+        </p:sp>
+      </p:grpSp>
       <p:pic>
         <p:nvPicPr>
           <p:cNvPr id="4" name="Gráfico 3">
@@ -14509,10 +14958,10 @@
           <p:nvPr/>
         </p:nvPicPr>
         <p:blipFill>
-          <a:blip r:embed="rId4">
+          <a:blip r:embed="rId5">
             <a:extLst>
               <a:ext uri="{96DAC541-7B7A-43D3-8B79-37D633B846F1}">
-                <asvg:svgBlip xmlns:asvg="http://schemas.microsoft.com/office/drawing/2016/SVG/main" r:embed="rId5"/>
+                <asvg:svgBlip xmlns:asvg="http://schemas.microsoft.com/office/drawing/2016/SVG/main" r:embed="rId6"/>
               </a:ext>
             </a:extLst>
           </a:blip>
@@ -14544,8 +14993,8 @@
         </p:nvSpPr>
         <p:spPr>
           <a:xfrm>
-            <a:off x="846312" y="187683"/>
-            <a:ext cx="4688329" cy="6063198"/>
+            <a:off x="1699259" y="185020"/>
+            <a:ext cx="8793481" cy="646331"/>
           </a:xfrm>
           <a:prstGeom prst="rect">
             <a:avLst/>
@@ -14560,90 +15009,21 @@
           <a:p>
             <a:pPr algn="ctr"/>
             <a:r>
-              <a:rPr lang="pt-BR" sz="5000" b="1" dirty="0">
+              <a:rPr lang="pt-BR" sz="3600" b="1" dirty="0">
                 <a:latin typeface="Verdana" panose="020B0604030504040204" pitchFamily="34" charset="0"/>
                 <a:ea typeface="Verdana" panose="020B0604030504040204" pitchFamily="34" charset="0"/>
               </a:rPr>
-              <a:t>DIAGRAMA DE CLASSES</a:t>
+              <a:t>CASO DE USO</a:t>
             </a:r>
-          </a:p>
-          <a:p>
-            <a:pPr algn="ctr"/>
-            <a:endParaRPr lang="pt-BR" sz="5000" b="1" dirty="0">
-              <a:latin typeface="Verdana" panose="020B0604030504040204" pitchFamily="34" charset="0"/>
-              <a:ea typeface="Verdana" panose="020B0604030504040204" pitchFamily="34" charset="0"/>
-            </a:endParaRPr>
-          </a:p>
-          <a:p>
-            <a:pPr algn="ctr"/>
-            <a:r>
-              <a:rPr lang="pt-BR" sz="3400" b="0" i="0" u="none" strike="noStrike" dirty="0">
-                <a:solidFill>
-                  <a:srgbClr val="000000"/>
-                </a:solidFill>
-                <a:effectLst/>
-                <a:latin typeface="Verdana" panose="020B0604030504040204" pitchFamily="34" charset="0"/>
-                <a:ea typeface="Verdana" panose="020B0604030504040204" pitchFamily="34" charset="0"/>
-              </a:rPr>
-              <a:t>O diagrama modela um sistema de gestão com autenticação e dois níveis de acesso: </a:t>
-            </a:r>
-            <a:r>
-              <a:rPr lang="pt-BR" sz="3400" b="1" i="0" u="none" strike="noStrike" dirty="0">
-                <a:solidFill>
-                  <a:srgbClr val="000000"/>
-                </a:solidFill>
-                <a:effectLst/>
-                <a:latin typeface="Verdana" panose="020B0604030504040204" pitchFamily="34" charset="0"/>
-                <a:ea typeface="Verdana" panose="020B0604030504040204" pitchFamily="34" charset="0"/>
-              </a:rPr>
-              <a:t>usuário comum</a:t>
-            </a:r>
-            <a:r>
-              <a:rPr lang="pt-BR" sz="3400" b="0" i="0" u="none" strike="noStrike" dirty="0">
-                <a:solidFill>
-                  <a:srgbClr val="000000"/>
-                </a:solidFill>
-                <a:effectLst/>
-                <a:latin typeface="Verdana" panose="020B0604030504040204" pitchFamily="34" charset="0"/>
-                <a:ea typeface="Verdana" panose="020B0604030504040204" pitchFamily="34" charset="0"/>
-              </a:rPr>
-              <a:t> e </a:t>
-            </a:r>
-            <a:r>
-              <a:rPr lang="pt-BR" sz="3400" b="1" i="0" u="none" strike="noStrike" dirty="0">
-                <a:solidFill>
-                  <a:srgbClr val="000000"/>
-                </a:solidFill>
-                <a:effectLst/>
-                <a:latin typeface="Verdana" panose="020B0604030504040204" pitchFamily="34" charset="0"/>
-                <a:ea typeface="Verdana" panose="020B0604030504040204" pitchFamily="34" charset="0"/>
-              </a:rPr>
-              <a:t>administrador</a:t>
-            </a:r>
-            <a:r>
-              <a:rPr lang="pt-BR" sz="3400" b="0" i="0" u="none" strike="noStrike" dirty="0">
-                <a:solidFill>
-                  <a:srgbClr val="000000"/>
-                </a:solidFill>
-                <a:effectLst/>
-                <a:latin typeface="Verdana" panose="020B0604030504040204" pitchFamily="34" charset="0"/>
-                <a:ea typeface="Verdana" panose="020B0604030504040204" pitchFamily="34" charset="0"/>
-              </a:rPr>
-              <a:t>.</a:t>
-            </a:r>
-            <a:endParaRPr lang="pt-BR" sz="3400" b="1" dirty="0">
-              <a:latin typeface="Verdana" panose="020B0604030504040204" pitchFamily="34" charset="0"/>
-              <a:ea typeface="Verdana" panose="020B0604030504040204" pitchFamily="34" charset="0"/>
-            </a:endParaRPr>
           </a:p>
         </p:txBody>
       </p:sp>
       <p:pic>
         <p:nvPicPr>
-          <p:cNvPr id="8" name="Imagem 7" descr="Diagrama&#10;&#10;O conteúdo gerado por IA pode estar incorreto.">
+          <p:cNvPr id="6" name="Imagem 5" descr="Diagrama&#10;&#10;O conteúdo gerado por IA pode estar incorreto.">
             <a:extLst>
               <a:ext uri="{FF2B5EF4-FFF2-40B4-BE49-F238E27FC236}">
-                <a16:creationId xmlns:a16="http://schemas.microsoft.com/office/drawing/2014/main" id="{F9A36640-1AD6-039E-6369-A28FA4F2EFF1}"/>
+                <a16:creationId xmlns:a16="http://schemas.microsoft.com/office/drawing/2014/main" id="{1D5F61B9-35F5-C18C-BE7B-76CF76F8C61D}"/>
               </a:ext>
             </a:extLst>
           </p:cNvPr>
@@ -14653,7 +15033,7 @@
           <p:nvPr/>
         </p:nvPicPr>
         <p:blipFill>
-          <a:blip r:embed="rId6">
+          <a:blip r:embed="rId7">
             <a:extLst>
               <a:ext uri="{28A0092B-C50C-407E-A947-70E740481C1C}">
                 <a14:useLocalDpi xmlns:a14="http://schemas.microsoft.com/office/drawing/2010/main" val="0"/>
@@ -14666,8 +15046,8 @@
         </p:blipFill>
         <p:spPr>
           <a:xfrm>
-            <a:off x="6133230" y="202099"/>
-            <a:ext cx="4939995" cy="6465432"/>
+            <a:off x="3337203" y="1668304"/>
+            <a:ext cx="5517593" cy="3915017"/>
           </a:xfrm>
           <a:prstGeom prst="rect">
             <a:avLst/>
@@ -14677,7 +15057,7 @@
     </p:spTree>
     <p:extLst>
       <p:ext uri="{BB962C8B-B14F-4D97-AF65-F5344CB8AC3E}">
-        <p14:creationId xmlns:p14="http://schemas.microsoft.com/office/powerpoint/2010/main" val="3193949203"/>
+        <p14:creationId xmlns:p14="http://schemas.microsoft.com/office/powerpoint/2010/main" val="1058723166"/>
       </p:ext>
     </p:extLst>
   </p:cSld>
@@ -15278,6 +15658,15 @@
 </file>
 
 <file path=customXml/item1.xml><?xml version="1.0" encoding="utf-8"?>
+<?mso-contentType ?>
+<FormTemplates xmlns="http://schemas.microsoft.com/sharepoint/v3/contenttype/forms">
+  <Display>DocumentLibraryForm</Display>
+  <Edit>DocumentLibraryForm</Edit>
+  <New>DocumentLibraryForm</New>
+</FormTemplates>
+</file>
+
+<file path=customXml/item2.xml><?xml version="1.0" encoding="utf-8"?>
 <ct:contentTypeSchema xmlns:ct="http://schemas.microsoft.com/office/2006/metadata/contentType" xmlns:ma="http://schemas.microsoft.com/office/2006/metadata/properties/metaAttributes" ct:_="" ma:_="" ma:contentTypeName="Documento" ma:contentTypeID="0x0101003014CAD5C0D95047AD87A6CEF9A0ED6F" ma:contentTypeVersion="11" ma:contentTypeDescription="Crie um novo documento." ma:contentTypeScope="" ma:versionID="0eaeb304f0019e33f865282dd94b7faa">
   <xsd:schema xmlns:xsd="http://www.w3.org/2001/XMLSchema" xmlns:xs="http://www.w3.org/2001/XMLSchema" xmlns:p="http://schemas.microsoft.com/office/2006/metadata/properties" xmlns:ns2="230e2427-5d80-4bd2-a9ba-53805cfde8a4" xmlns:ns3="cf5f2b4c-ceff-48b8-acfd-b6c7cb4e26ae" targetNamespace="http://schemas.microsoft.com/office/2006/metadata/properties" ma:root="true" ma:fieldsID="9583cfaf6218e9ef312e531a09f9933a" ns2:_="" ns3:_="">
     <xsd:import namespace="230e2427-5d80-4bd2-a9ba-53805cfde8a4"/>
@@ -15488,15 +15877,6 @@
 </ct:contentTypeSchema>
 </file>
 
-<file path=customXml/item2.xml><?xml version="1.0" encoding="utf-8"?>
-<?mso-contentType ?>
-<FormTemplates xmlns="http://schemas.microsoft.com/sharepoint/v3/contenttype/forms">
-  <Display>DocumentLibraryForm</Display>
-  <Edit>DocumentLibraryForm</Edit>
-  <New>DocumentLibraryForm</New>
-</FormTemplates>
-</file>
-
 <file path=customXml/item3.xml><?xml version="1.0" encoding="utf-8"?>
 <p:properties xmlns:p="http://schemas.microsoft.com/office/2006/metadata/properties" xmlns:xsi="http://www.w3.org/2001/XMLSchema-instance" xmlns:pc="http://schemas.microsoft.com/office/infopath/2007/PartnerControls">
   <documentManagement>
@@ -15516,6 +15896,14 @@
 </file>
 
 <file path=customXml/itemProps1.xml><?xml version="1.0" encoding="utf-8"?>
+<ds:datastoreItem xmlns:ds="http://schemas.openxmlformats.org/officeDocument/2006/customXml" ds:itemID="{954C6406-39F0-4F36-B3D7-F12E598C1962}">
+  <ds:schemaRefs>
+    <ds:schemaRef ds:uri="http://schemas.microsoft.com/sharepoint/v3/contenttype/forms"/>
+  </ds:schemaRefs>
+</ds:datastoreItem>
+</file>
+
+<file path=customXml/itemProps2.xml><?xml version="1.0" encoding="utf-8"?>
 <ds:datastoreItem xmlns:ds="http://schemas.openxmlformats.org/officeDocument/2006/customXml" ds:itemID="{CDCD03E9-41C4-42C6-A5E8-47AC9D6E1F65}">
   <ds:schemaRefs>
     <ds:schemaRef ds:uri="http://schemas.microsoft.com/office/2006/metadata/contentType"/>
@@ -15530,14 +15918,6 @@
     <ds:schemaRef ds:uri="http://purl.org/dc/elements/1.1/"/>
     <ds:schemaRef ds:uri="http://purl.org/dc/terms/"/>
     <ds:schemaRef ds:uri="http://schemas.microsoft.com/internal/obd"/>
-  </ds:schemaRefs>
-</ds:datastoreItem>
-</file>
-
-<file path=customXml/itemProps2.xml><?xml version="1.0" encoding="utf-8"?>
-<ds:datastoreItem xmlns:ds="http://schemas.openxmlformats.org/officeDocument/2006/customXml" ds:itemID="{954C6406-39F0-4F36-B3D7-F12E598C1962}">
-  <ds:schemaRefs>
-    <ds:schemaRef ds:uri="http://schemas.microsoft.com/sharepoint/v3/contenttype/forms"/>
   </ds:schemaRefs>
 </ds:datastoreItem>
 </file>
